--- a/Figures for TGI paper [Enregistrement automatique].pptx
+++ b/Figures for TGI paper [Enregistrement automatique].pptx
@@ -5,7 +5,7 @@
     <p:sldMasterId id="2147483648" r:id="rId1"/>
   </p:sldMasterIdLst>
   <p:notesMasterIdLst>
-    <p:notesMasterId r:id="rId9"/>
+    <p:notesMasterId r:id="rId12"/>
   </p:notesMasterIdLst>
   <p:sldIdLst>
     <p:sldId id="263" r:id="rId2"/>
@@ -15,6 +15,9 @@
     <p:sldId id="264" r:id="rId6"/>
     <p:sldId id="269" r:id="rId7"/>
     <p:sldId id="265" r:id="rId8"/>
+    <p:sldId id="270" r:id="rId9"/>
+    <p:sldId id="272" r:id="rId10"/>
+    <p:sldId id="271" r:id="rId11"/>
   </p:sldIdLst>
   <p:sldSz cx="9144000" cy="6858000" type="screen4x3"/>
   <p:notesSz cx="6858000" cy="9144000"/>
@@ -214,7 +217,7 @@
           <a:p>
             <a:fld id="{AD3EF367-F61C-5741-82C4-3A4DB6A6A94E}" type="datetimeFigureOut">
               <a:rPr lang="fr-FR" smtClean="0"/>
-              <a:t>16/02/2020</a:t>
+              <a:t>09/04/2020</a:t>
             </a:fld>
             <a:endParaRPr lang="fr-FR"/>
           </a:p>
@@ -1579,7 +1582,7 @@
           <a:p>
             <a:fld id="{0B549186-A197-9540-973C-BBAF2890F410}" type="datetimeFigureOut">
               <a:rPr lang="fr-FR" smtClean="0"/>
-              <a:t>16/02/2020</a:t>
+              <a:t>09/04/2020</a:t>
             </a:fld>
             <a:endParaRPr lang="fr-FR"/>
           </a:p>
@@ -1749,7 +1752,7 @@
           <a:p>
             <a:fld id="{0B549186-A197-9540-973C-BBAF2890F410}" type="datetimeFigureOut">
               <a:rPr lang="fr-FR" smtClean="0"/>
-              <a:t>16/02/2020</a:t>
+              <a:t>09/04/2020</a:t>
             </a:fld>
             <a:endParaRPr lang="fr-FR"/>
           </a:p>
@@ -1929,7 +1932,7 @@
           <a:p>
             <a:fld id="{0B549186-A197-9540-973C-BBAF2890F410}" type="datetimeFigureOut">
               <a:rPr lang="fr-FR" smtClean="0"/>
-              <a:t>16/02/2020</a:t>
+              <a:t>09/04/2020</a:t>
             </a:fld>
             <a:endParaRPr lang="fr-FR"/>
           </a:p>
@@ -2099,7 +2102,7 @@
           <a:p>
             <a:fld id="{0B549186-A197-9540-973C-BBAF2890F410}" type="datetimeFigureOut">
               <a:rPr lang="fr-FR" smtClean="0"/>
-              <a:t>16/02/2020</a:t>
+              <a:t>09/04/2020</a:t>
             </a:fld>
             <a:endParaRPr lang="fr-FR"/>
           </a:p>
@@ -2345,7 +2348,7 @@
           <a:p>
             <a:fld id="{0B549186-A197-9540-973C-BBAF2890F410}" type="datetimeFigureOut">
               <a:rPr lang="fr-FR" smtClean="0"/>
-              <a:t>16/02/2020</a:t>
+              <a:t>09/04/2020</a:t>
             </a:fld>
             <a:endParaRPr lang="fr-FR"/>
           </a:p>
@@ -2633,7 +2636,7 @@
           <a:p>
             <a:fld id="{0B549186-A197-9540-973C-BBAF2890F410}" type="datetimeFigureOut">
               <a:rPr lang="fr-FR" smtClean="0"/>
-              <a:t>16/02/2020</a:t>
+              <a:t>09/04/2020</a:t>
             </a:fld>
             <a:endParaRPr lang="fr-FR"/>
           </a:p>
@@ -3055,7 +3058,7 @@
           <a:p>
             <a:fld id="{0B549186-A197-9540-973C-BBAF2890F410}" type="datetimeFigureOut">
               <a:rPr lang="fr-FR" smtClean="0"/>
-              <a:t>16/02/2020</a:t>
+              <a:t>09/04/2020</a:t>
             </a:fld>
             <a:endParaRPr lang="fr-FR"/>
           </a:p>
@@ -3173,7 +3176,7 @@
           <a:p>
             <a:fld id="{0B549186-A197-9540-973C-BBAF2890F410}" type="datetimeFigureOut">
               <a:rPr lang="fr-FR" smtClean="0"/>
-              <a:t>16/02/2020</a:t>
+              <a:t>09/04/2020</a:t>
             </a:fld>
             <a:endParaRPr lang="fr-FR"/>
           </a:p>
@@ -3268,7 +3271,7 @@
           <a:p>
             <a:fld id="{0B549186-A197-9540-973C-BBAF2890F410}" type="datetimeFigureOut">
               <a:rPr lang="fr-FR" smtClean="0"/>
-              <a:t>16/02/2020</a:t>
+              <a:t>09/04/2020</a:t>
             </a:fld>
             <a:endParaRPr lang="fr-FR"/>
           </a:p>
@@ -3545,7 +3548,7 @@
           <a:p>
             <a:fld id="{0B549186-A197-9540-973C-BBAF2890F410}" type="datetimeFigureOut">
               <a:rPr lang="fr-FR" smtClean="0"/>
-              <a:t>16/02/2020</a:t>
+              <a:t>09/04/2020</a:t>
             </a:fld>
             <a:endParaRPr lang="fr-FR"/>
           </a:p>
@@ -3798,7 +3801,7 @@
           <a:p>
             <a:fld id="{0B549186-A197-9540-973C-BBAF2890F410}" type="datetimeFigureOut">
               <a:rPr lang="fr-FR" smtClean="0"/>
-              <a:t>16/02/2020</a:t>
+              <a:t>09/04/2020</a:t>
             </a:fld>
             <a:endParaRPr lang="fr-FR"/>
           </a:p>
@@ -4011,7 +4014,7 @@
           <a:p>
             <a:fld id="{0B549186-A197-9540-973C-BBAF2890F410}" type="datetimeFigureOut">
               <a:rPr lang="fr-FR" smtClean="0"/>
-              <a:t>16/02/2020</a:t>
+              <a:t>09/04/2020</a:t>
             </a:fld>
             <a:endParaRPr lang="fr-FR"/>
           </a:p>
@@ -4421,14 +4424,14 @@
           </a:ln>
           <a:extLst>
             <a:ext uri="{909E8E84-426E-40dd-AFC4-6F175D3DCCD1}">
-              <a14:hiddenFill xmlns="" xmlns:a14="http://schemas.microsoft.com/office/drawing/2010/main">
+              <a14:hiddenFill xmlns:a14="http://schemas.microsoft.com/office/drawing/2010/main" xmlns="">
                 <a:solidFill>
                   <a:srgbClr val="FFFFFF"/>
                 </a:solidFill>
               </a14:hiddenFill>
             </a:ext>
             <a:ext uri="{91240B29-F687-4f45-9708-019B960494DF}">
-              <a14:hiddenLine xmlns="" xmlns:a14="http://schemas.microsoft.com/office/drawing/2010/main" w="9525">
+              <a14:hiddenLine xmlns:a14="http://schemas.microsoft.com/office/drawing/2010/main" xmlns="" w="9525">
                 <a:solidFill>
                   <a:srgbClr val="000000"/>
                 </a:solidFill>
@@ -4811,6 +4814,1956 @@
       </p:par>
     </p:tnLst>
   </p:timing>
+</p:sld>
+</file>
+
+<file path=ppt/slides/slide10.xml><?xml version="1.0" encoding="utf-8"?>
+<p:sld xmlns:a="http://schemas.openxmlformats.org/drawingml/2006/main" xmlns:r="http://schemas.openxmlformats.org/officeDocument/2006/relationships" xmlns:p="http://schemas.openxmlformats.org/presentationml/2006/main">
+  <p:cSld>
+    <p:spTree>
+      <p:nvGrpSpPr>
+        <p:cNvPr id="1" name=""/>
+        <p:cNvGrpSpPr/>
+        <p:nvPr/>
+      </p:nvGrpSpPr>
+      <p:grpSpPr>
+        <a:xfrm>
+          <a:off x="0" y="0"/>
+          <a:ext cx="0" cy="0"/>
+          <a:chOff x="0" y="0"/>
+          <a:chExt cx="0" cy="0"/>
+        </a:xfrm>
+      </p:grpSpPr>
+      <p:grpSp>
+        <p:nvGrpSpPr>
+          <p:cNvPr id="12" name="Groupe 11"/>
+          <p:cNvGrpSpPr/>
+          <p:nvPr/>
+        </p:nvGrpSpPr>
+        <p:grpSpPr>
+          <a:xfrm>
+            <a:off x="133503" y="100683"/>
+            <a:ext cx="6133370" cy="6782409"/>
+            <a:chOff x="133503" y="100683"/>
+            <a:chExt cx="6133370" cy="6782409"/>
+          </a:xfrm>
+        </p:grpSpPr>
+        <p:grpSp>
+          <p:nvGrpSpPr>
+            <p:cNvPr id="4" name="Grouper 105"/>
+            <p:cNvGrpSpPr/>
+            <p:nvPr/>
+          </p:nvGrpSpPr>
+          <p:grpSpPr>
+            <a:xfrm>
+              <a:off x="133503" y="100683"/>
+              <a:ext cx="3817797" cy="5630773"/>
+              <a:chOff x="-659487" y="557883"/>
+              <a:chExt cx="3817797" cy="5630773"/>
+            </a:xfrm>
+          </p:grpSpPr>
+          <p:sp>
+            <p:nvSpPr>
+              <p:cNvPr id="5" name="Rectangle 4"/>
+              <p:cNvSpPr/>
+              <p:nvPr/>
+            </p:nvSpPr>
+            <p:spPr>
+              <a:xfrm>
+                <a:off x="594141" y="1230283"/>
+                <a:ext cx="2016055" cy="2358869"/>
+              </a:xfrm>
+              <a:prstGeom prst="rect">
+                <a:avLst/>
+              </a:prstGeom>
+              <a:solidFill>
+                <a:schemeClr val="bg1"/>
+              </a:solidFill>
+              <a:ln>
+                <a:solidFill>
+                  <a:schemeClr val="tx1"/>
+                </a:solidFill>
+              </a:ln>
+              <a:effectLst/>
+            </p:spPr>
+            <p:style>
+              <a:lnRef idx="1">
+                <a:schemeClr val="accent1"/>
+              </a:lnRef>
+              <a:fillRef idx="3">
+                <a:schemeClr val="accent1"/>
+              </a:fillRef>
+              <a:effectRef idx="2">
+                <a:schemeClr val="accent1"/>
+              </a:effectRef>
+              <a:fontRef idx="minor">
+                <a:schemeClr val="lt1"/>
+              </a:fontRef>
+            </p:style>
+            <p:txBody>
+              <a:bodyPr rtlCol="0" anchor="ctr"/>
+              <a:lstStyle/>
+              <a:p>
+                <a:pPr algn="ctr"/>
+                <a:endParaRPr lang="fr-FR">
+                  <a:solidFill>
+                    <a:schemeClr val="tx1"/>
+                  </a:solidFill>
+                  <a:latin typeface="Times New Roman" panose="02020603050405020304" pitchFamily="18" charset="0"/>
+                  <a:cs typeface="Times New Roman" panose="02020603050405020304" pitchFamily="18" charset="0"/>
+                </a:endParaRPr>
+              </a:p>
+            </p:txBody>
+          </p:sp>
+          <p:sp>
+            <p:nvSpPr>
+              <p:cNvPr id="6" name="ZoneTexte 5"/>
+              <p:cNvSpPr txBox="1"/>
+              <p:nvPr/>
+            </p:nvSpPr>
+            <p:spPr>
+              <a:xfrm rot="16200000">
+                <a:off x="-2548466" y="3776458"/>
+                <a:ext cx="4301177" cy="523220"/>
+              </a:xfrm>
+              <a:prstGeom prst="rect">
+                <a:avLst/>
+              </a:prstGeom>
+              <a:noFill/>
+            </p:spPr>
+            <p:txBody>
+              <a:bodyPr wrap="none" rtlCol="0">
+                <a:spAutoFit/>
+              </a:bodyPr>
+              <a:lstStyle/>
+              <a:p>
+                <a:pPr algn="ctr"/>
+                <a:r>
+                  <a:rPr lang="fr-FR" sz="2800" dirty="0" smtClean="0">
+                    <a:latin typeface="Times New Roman" panose="02020603050405020304" pitchFamily="18" charset="0"/>
+                    <a:cs typeface="Times New Roman" panose="02020603050405020304" pitchFamily="18" charset="0"/>
+                  </a:rPr>
+                  <a:t>2</a:t>
+                </a:r>
+                <a:r>
+                  <a:rPr lang="fr-FR" sz="2800" i="1" dirty="0" smtClean="0">
+                    <a:latin typeface="Times New Roman" panose="02020603050405020304" pitchFamily="18" charset="0"/>
+                    <a:cs typeface="Times New Roman" panose="02020603050405020304" pitchFamily="18" charset="0"/>
+                  </a:rPr>
+                  <a:t> </a:t>
+                </a:r>
+                <a:r>
+                  <a:rPr lang="fr-FR" sz="2800" dirty="0" smtClean="0">
+                    <a:latin typeface="Times New Roman" panose="02020603050405020304" pitchFamily="18" charset="0"/>
+                    <a:cs typeface="Times New Roman" panose="02020603050405020304" pitchFamily="18" charset="0"/>
+                  </a:rPr>
+                  <a:t>populations : </a:t>
+                </a:r>
+                <a:r>
+                  <a:rPr lang="fr-FR" sz="2800" i="1" dirty="0" smtClean="0">
+                    <a:solidFill>
+                      <a:srgbClr val="012AAF"/>
+                    </a:solidFill>
+                    <a:latin typeface="Times New Roman" panose="02020603050405020304" pitchFamily="18" charset="0"/>
+                    <a:cs typeface="Times New Roman" panose="02020603050405020304" pitchFamily="18" charset="0"/>
+                  </a:rPr>
+                  <a:t>pop1</a:t>
+                </a:r>
+                <a:r>
+                  <a:rPr lang="fr-FR" sz="2800" i="1" dirty="0" smtClean="0">
+                    <a:solidFill>
+                      <a:srgbClr val="00B050"/>
+                    </a:solidFill>
+                    <a:latin typeface="Times New Roman" panose="02020603050405020304" pitchFamily="18" charset="0"/>
+                    <a:cs typeface="Times New Roman" panose="02020603050405020304" pitchFamily="18" charset="0"/>
+                  </a:rPr>
+                  <a:t> </a:t>
+                </a:r>
+                <a:r>
+                  <a:rPr lang="fr-FR" sz="2800" dirty="0" smtClean="0">
+                    <a:latin typeface="Times New Roman" panose="02020603050405020304" pitchFamily="18" charset="0"/>
+                    <a:cs typeface="Times New Roman" panose="02020603050405020304" pitchFamily="18" charset="0"/>
+                  </a:rPr>
+                  <a:t>&amp;</a:t>
+                </a:r>
+                <a:r>
+                  <a:rPr lang="fr-FR" sz="2800" i="1" dirty="0" smtClean="0">
+                    <a:solidFill>
+                      <a:srgbClr val="00B050"/>
+                    </a:solidFill>
+                    <a:latin typeface="Times New Roman" panose="02020603050405020304" pitchFamily="18" charset="0"/>
+                    <a:cs typeface="Times New Roman" panose="02020603050405020304" pitchFamily="18" charset="0"/>
+                  </a:rPr>
+                  <a:t> pop2</a:t>
+                </a:r>
+                <a:endParaRPr lang="fr-FR" sz="2800" i="1" dirty="0">
+                  <a:solidFill>
+                    <a:srgbClr val="00B050"/>
+                  </a:solidFill>
+                  <a:latin typeface="Times New Roman" panose="02020603050405020304" pitchFamily="18" charset="0"/>
+                  <a:cs typeface="Times New Roman" panose="02020603050405020304" pitchFamily="18" charset="0"/>
+                </a:endParaRPr>
+              </a:p>
+            </p:txBody>
+          </p:sp>
+          <p:grpSp>
+            <p:nvGrpSpPr>
+              <p:cNvPr id="10" name="Grouper 6"/>
+              <p:cNvGrpSpPr/>
+              <p:nvPr/>
+            </p:nvGrpSpPr>
+            <p:grpSpPr>
+              <a:xfrm>
+                <a:off x="709968" y="1342252"/>
+                <a:ext cx="1789220" cy="974281"/>
+                <a:chOff x="709968" y="1342252"/>
+                <a:chExt cx="1789220" cy="974281"/>
+              </a:xfrm>
+            </p:grpSpPr>
+            <p:grpSp>
+              <p:nvGrpSpPr>
+                <p:cNvPr id="66" name="Grouper 4"/>
+                <p:cNvGrpSpPr/>
+                <p:nvPr/>
+              </p:nvGrpSpPr>
+              <p:grpSpPr>
+                <a:xfrm>
+                  <a:off x="709968" y="1342252"/>
+                  <a:ext cx="1789220" cy="406400"/>
+                  <a:chOff x="709968" y="1342252"/>
+                  <a:chExt cx="1789220" cy="406400"/>
+                </a:xfrm>
+              </p:grpSpPr>
+              <p:sp>
+                <p:nvSpPr>
+                  <p:cNvPr id="70" name="Rectangle 69"/>
+                  <p:cNvSpPr/>
+                  <p:nvPr/>
+                </p:nvSpPr>
+                <p:spPr>
+                  <a:xfrm>
+                    <a:off x="709968" y="1342252"/>
+                    <a:ext cx="1789220" cy="406400"/>
+                  </a:xfrm>
+                  <a:prstGeom prst="rect">
+                    <a:avLst/>
+                  </a:prstGeom>
+                  <a:noFill/>
+                  <a:ln w="28575" cmpd="sng">
+                    <a:solidFill>
+                      <a:srgbClr val="0000FF"/>
+                    </a:solidFill>
+                  </a:ln>
+                  <a:effectLst/>
+                </p:spPr>
+                <p:style>
+                  <a:lnRef idx="1">
+                    <a:schemeClr val="accent1"/>
+                  </a:lnRef>
+                  <a:fillRef idx="3">
+                    <a:schemeClr val="accent1"/>
+                  </a:fillRef>
+                  <a:effectRef idx="2">
+                    <a:schemeClr val="accent1"/>
+                  </a:effectRef>
+                  <a:fontRef idx="minor">
+                    <a:schemeClr val="lt1"/>
+                  </a:fontRef>
+                </p:style>
+                <p:txBody>
+                  <a:bodyPr rtlCol="0" anchor="ctr"/>
+                  <a:lstStyle/>
+                  <a:p>
+                    <a:pPr algn="ctr"/>
+                    <a:endParaRPr lang="fr-FR">
+                      <a:latin typeface="Times New Roman" panose="02020603050405020304" pitchFamily="18" charset="0"/>
+                      <a:cs typeface="Times New Roman" panose="02020603050405020304" pitchFamily="18" charset="0"/>
+                    </a:endParaRPr>
+                  </a:p>
+                </p:txBody>
+              </p:sp>
+              <p:sp>
+                <p:nvSpPr>
+                  <p:cNvPr id="71" name="ZoneTexte 70"/>
+                  <p:cNvSpPr txBox="1"/>
+                  <p:nvPr/>
+                </p:nvSpPr>
+                <p:spPr>
+                  <a:xfrm>
+                    <a:off x="1938765" y="1342252"/>
+                    <a:ext cx="184730" cy="369332"/>
+                  </a:xfrm>
+                  <a:prstGeom prst="rect">
+                    <a:avLst/>
+                  </a:prstGeom>
+                  <a:noFill/>
+                </p:spPr>
+                <p:txBody>
+                  <a:bodyPr wrap="none" rtlCol="0">
+                    <a:spAutoFit/>
+                  </a:bodyPr>
+                  <a:lstStyle/>
+                  <a:p>
+                    <a:pPr algn="ctr"/>
+                    <a:endParaRPr lang="fr-FR" dirty="0">
+                      <a:solidFill>
+                        <a:srgbClr val="0000FF"/>
+                      </a:solidFill>
+                      <a:latin typeface="Times New Roman" panose="02020603050405020304" pitchFamily="18" charset="0"/>
+                      <a:cs typeface="Times New Roman" panose="02020603050405020304" pitchFamily="18" charset="0"/>
+                    </a:endParaRPr>
+                  </a:p>
+                </p:txBody>
+              </p:sp>
+            </p:grpSp>
+            <p:grpSp>
+              <p:nvGrpSpPr>
+                <p:cNvPr id="67" name="Grouper 16"/>
+                <p:cNvGrpSpPr/>
+                <p:nvPr/>
+              </p:nvGrpSpPr>
+              <p:grpSpPr>
+                <a:xfrm>
+                  <a:off x="709968" y="1910133"/>
+                  <a:ext cx="1789220" cy="406400"/>
+                  <a:chOff x="709968" y="1342252"/>
+                  <a:chExt cx="1789220" cy="406400"/>
+                </a:xfrm>
+              </p:grpSpPr>
+              <p:sp>
+                <p:nvSpPr>
+                  <p:cNvPr id="68" name="Rectangle 67"/>
+                  <p:cNvSpPr/>
+                  <p:nvPr/>
+                </p:nvSpPr>
+                <p:spPr>
+                  <a:xfrm>
+                    <a:off x="709968" y="1342252"/>
+                    <a:ext cx="1789220" cy="406400"/>
+                  </a:xfrm>
+                  <a:prstGeom prst="rect">
+                    <a:avLst/>
+                  </a:prstGeom>
+                  <a:noFill/>
+                  <a:ln w="28575" cmpd="sng">
+                    <a:solidFill>
+                      <a:srgbClr val="0000FF"/>
+                    </a:solidFill>
+                  </a:ln>
+                  <a:effectLst/>
+                </p:spPr>
+                <p:style>
+                  <a:lnRef idx="1">
+                    <a:schemeClr val="accent1"/>
+                  </a:lnRef>
+                  <a:fillRef idx="3">
+                    <a:schemeClr val="accent1"/>
+                  </a:fillRef>
+                  <a:effectRef idx="2">
+                    <a:schemeClr val="accent1"/>
+                  </a:effectRef>
+                  <a:fontRef idx="minor">
+                    <a:schemeClr val="lt1"/>
+                  </a:fontRef>
+                </p:style>
+                <p:txBody>
+                  <a:bodyPr rtlCol="0" anchor="ctr"/>
+                  <a:lstStyle/>
+                  <a:p>
+                    <a:pPr algn="ctr"/>
+                    <a:endParaRPr lang="fr-FR">
+                      <a:latin typeface="Times New Roman" panose="02020603050405020304" pitchFamily="18" charset="0"/>
+                      <a:cs typeface="Times New Roman" panose="02020603050405020304" pitchFamily="18" charset="0"/>
+                    </a:endParaRPr>
+                  </a:p>
+                </p:txBody>
+              </p:sp>
+              <p:sp>
+                <p:nvSpPr>
+                  <p:cNvPr id="69" name="ZoneTexte 68"/>
+                  <p:cNvSpPr txBox="1"/>
+                  <p:nvPr/>
+                </p:nvSpPr>
+                <p:spPr>
+                  <a:xfrm>
+                    <a:off x="1938765" y="1342252"/>
+                    <a:ext cx="184730" cy="369332"/>
+                  </a:xfrm>
+                  <a:prstGeom prst="rect">
+                    <a:avLst/>
+                  </a:prstGeom>
+                  <a:noFill/>
+                </p:spPr>
+                <p:txBody>
+                  <a:bodyPr wrap="none" rtlCol="0">
+                    <a:spAutoFit/>
+                  </a:bodyPr>
+                  <a:lstStyle/>
+                  <a:p>
+                    <a:pPr algn="ctr"/>
+                    <a:endParaRPr lang="fr-FR" dirty="0">
+                      <a:solidFill>
+                        <a:srgbClr val="0000FF"/>
+                      </a:solidFill>
+                      <a:latin typeface="Times New Roman" panose="02020603050405020304" pitchFamily="18" charset="0"/>
+                      <a:cs typeface="Times New Roman" panose="02020603050405020304" pitchFamily="18" charset="0"/>
+                    </a:endParaRPr>
+                  </a:p>
+                </p:txBody>
+              </p:sp>
+            </p:grpSp>
+          </p:grpSp>
+          <p:sp>
+            <p:nvSpPr>
+              <p:cNvPr id="15" name="ZoneTexte 14"/>
+              <p:cNvSpPr txBox="1"/>
+              <p:nvPr/>
+            </p:nvSpPr>
+            <p:spPr>
+              <a:xfrm>
+                <a:off x="85977" y="557883"/>
+                <a:ext cx="3072333" cy="523220"/>
+              </a:xfrm>
+              <a:prstGeom prst="rect">
+                <a:avLst/>
+              </a:prstGeom>
+              <a:noFill/>
+            </p:spPr>
+            <p:txBody>
+              <a:bodyPr wrap="square" rtlCol="0">
+                <a:spAutoFit/>
+              </a:bodyPr>
+              <a:lstStyle/>
+              <a:p>
+                <a:pPr algn="ctr"/>
+                <a:r>
+                  <a:rPr lang="fr-FR" sz="2800" dirty="0">
+                    <a:latin typeface="Times New Roman" panose="02020603050405020304" pitchFamily="18" charset="0"/>
+                    <a:cs typeface="Times New Roman" panose="02020603050405020304" pitchFamily="18" charset="0"/>
+                  </a:rPr>
+                  <a:t>2</a:t>
+                </a:r>
+                <a:r>
+                  <a:rPr lang="fr-FR" sz="2800" dirty="0" smtClean="0">
+                    <a:latin typeface="Times New Roman" panose="02020603050405020304" pitchFamily="18" charset="0"/>
+                    <a:cs typeface="Times New Roman" panose="02020603050405020304" pitchFamily="18" charset="0"/>
+                  </a:rPr>
+                  <a:t> </a:t>
+                </a:r>
+                <a:r>
+                  <a:rPr lang="fr-FR" sz="2800" dirty="0" err="1" smtClean="0">
+                    <a:latin typeface="Times New Roman" panose="02020603050405020304" pitchFamily="18" charset="0"/>
+                    <a:cs typeface="Times New Roman" panose="02020603050405020304" pitchFamily="18" charset="0"/>
+                  </a:rPr>
+                  <a:t>loci</a:t>
+                </a:r>
+                <a:endParaRPr lang="fr-FR" sz="2800" dirty="0">
+                  <a:latin typeface="Times New Roman" panose="02020603050405020304" pitchFamily="18" charset="0"/>
+                  <a:cs typeface="Times New Roman" panose="02020603050405020304" pitchFamily="18" charset="0"/>
+                </a:endParaRPr>
+              </a:p>
+            </p:txBody>
+          </p:sp>
+          <p:grpSp>
+            <p:nvGrpSpPr>
+              <p:cNvPr id="16" name="Grouper 47"/>
+              <p:cNvGrpSpPr/>
+              <p:nvPr/>
+            </p:nvGrpSpPr>
+            <p:grpSpPr>
+              <a:xfrm>
+                <a:off x="704480" y="3047715"/>
+                <a:ext cx="1789220" cy="459587"/>
+                <a:chOff x="689360" y="219028"/>
+                <a:chExt cx="1789220" cy="459587"/>
+              </a:xfrm>
+            </p:grpSpPr>
+            <p:sp>
+              <p:nvSpPr>
+                <p:cNvPr id="52" name="Rectangle 51"/>
+                <p:cNvSpPr/>
+                <p:nvPr/>
+              </p:nvSpPr>
+              <p:spPr>
+                <a:xfrm>
+                  <a:off x="689360" y="219028"/>
+                  <a:ext cx="1789220" cy="406400"/>
+                </a:xfrm>
+                <a:prstGeom prst="rect">
+                  <a:avLst/>
+                </a:prstGeom>
+                <a:noFill/>
+                <a:ln w="28575" cmpd="sng">
+                  <a:solidFill>
+                    <a:srgbClr val="00B050"/>
+                  </a:solidFill>
+                </a:ln>
+                <a:effectLst/>
+              </p:spPr>
+              <p:style>
+                <a:lnRef idx="1">
+                  <a:schemeClr val="accent1"/>
+                </a:lnRef>
+                <a:fillRef idx="3">
+                  <a:schemeClr val="accent1"/>
+                </a:fillRef>
+                <a:effectRef idx="2">
+                  <a:schemeClr val="accent1"/>
+                </a:effectRef>
+                <a:fontRef idx="minor">
+                  <a:schemeClr val="lt1"/>
+                </a:fontRef>
+              </p:style>
+              <p:txBody>
+                <a:bodyPr rtlCol="0" anchor="ctr"/>
+                <a:lstStyle/>
+                <a:p>
+                  <a:pPr algn="ctr"/>
+                  <a:endParaRPr lang="fr-FR">
+                    <a:latin typeface="Times New Roman" panose="02020603050405020304" pitchFamily="18" charset="0"/>
+                    <a:cs typeface="Times New Roman" panose="02020603050405020304" pitchFamily="18" charset="0"/>
+                  </a:endParaRPr>
+                </a:p>
+              </p:txBody>
+            </p:sp>
+            <p:sp>
+              <p:nvSpPr>
+                <p:cNvPr id="53" name="ZoneTexte 52"/>
+                <p:cNvSpPr txBox="1"/>
+                <p:nvPr/>
+              </p:nvSpPr>
+              <p:spPr>
+                <a:xfrm>
+                  <a:off x="1926527" y="309283"/>
+                  <a:ext cx="184730" cy="369332"/>
+                </a:xfrm>
+                <a:prstGeom prst="rect">
+                  <a:avLst/>
+                </a:prstGeom>
+                <a:noFill/>
+              </p:spPr>
+              <p:txBody>
+                <a:bodyPr wrap="none" rtlCol="0">
+                  <a:spAutoFit/>
+                </a:bodyPr>
+                <a:lstStyle/>
+                <a:p>
+                  <a:pPr algn="ctr"/>
+                  <a:endParaRPr lang="fr-FR" dirty="0">
+                    <a:solidFill>
+                      <a:srgbClr val="0000FF"/>
+                    </a:solidFill>
+                    <a:latin typeface="Times New Roman" panose="02020603050405020304" pitchFamily="18" charset="0"/>
+                    <a:cs typeface="Times New Roman" panose="02020603050405020304" pitchFamily="18" charset="0"/>
+                  </a:endParaRPr>
+                </a:p>
+              </p:txBody>
+            </p:sp>
+          </p:grpSp>
+        </p:grpSp>
+        <p:sp>
+          <p:nvSpPr>
+            <p:cNvPr id="75" name="Rectangle 74"/>
+            <p:cNvSpPr/>
+            <p:nvPr/>
+          </p:nvSpPr>
+          <p:spPr>
+            <a:xfrm>
+              <a:off x="1519584" y="2020814"/>
+              <a:ext cx="1789220" cy="406400"/>
+            </a:xfrm>
+            <a:prstGeom prst="rect">
+              <a:avLst/>
+            </a:prstGeom>
+            <a:noFill/>
+            <a:ln w="28575" cmpd="sng">
+              <a:solidFill>
+                <a:srgbClr val="00B050"/>
+              </a:solidFill>
+            </a:ln>
+            <a:effectLst/>
+          </p:spPr>
+          <p:style>
+            <a:lnRef idx="1">
+              <a:schemeClr val="accent1"/>
+            </a:lnRef>
+            <a:fillRef idx="3">
+              <a:schemeClr val="accent1"/>
+            </a:fillRef>
+            <a:effectRef idx="2">
+              <a:schemeClr val="accent1"/>
+            </a:effectRef>
+            <a:fontRef idx="minor">
+              <a:schemeClr val="lt1"/>
+            </a:fontRef>
+          </p:style>
+          <p:txBody>
+            <a:bodyPr rtlCol="0" anchor="ctr"/>
+            <a:lstStyle/>
+            <a:p>
+              <a:pPr algn="ctr"/>
+              <a:endParaRPr lang="fr-FR">
+                <a:latin typeface="Times New Roman" panose="02020603050405020304" pitchFamily="18" charset="0"/>
+                <a:cs typeface="Times New Roman" panose="02020603050405020304" pitchFamily="18" charset="0"/>
+              </a:endParaRPr>
+            </a:p>
+          </p:txBody>
+        </p:sp>
+        <p:sp>
+          <p:nvSpPr>
+            <p:cNvPr id="76" name="ZoneTexte 75"/>
+            <p:cNvSpPr txBox="1"/>
+            <p:nvPr/>
+          </p:nvSpPr>
+          <p:spPr>
+            <a:xfrm>
+              <a:off x="1200932" y="3156273"/>
+              <a:ext cx="2662407" cy="523220"/>
+            </a:xfrm>
+            <a:prstGeom prst="rect">
+              <a:avLst/>
+            </a:prstGeom>
+            <a:noFill/>
+          </p:spPr>
+          <p:txBody>
+            <a:bodyPr wrap="square" rtlCol="0">
+              <a:spAutoFit/>
+            </a:bodyPr>
+            <a:lstStyle/>
+            <a:p>
+              <a:pPr algn="ctr"/>
+              <a:r>
+                <a:rPr lang="fr-FR" sz="2800" dirty="0" smtClean="0">
+                  <a:latin typeface="Times New Roman" panose="02020603050405020304" pitchFamily="18" charset="0"/>
+                  <a:cs typeface="Times New Roman" panose="02020603050405020304" pitchFamily="18" charset="0"/>
+                </a:rPr>
+                <a:t>1</a:t>
+              </a:r>
+              <a:r>
+                <a:rPr lang="fr-FR" sz="2800" baseline="30000" dirty="0" smtClean="0">
+                  <a:latin typeface="Times New Roman" panose="02020603050405020304" pitchFamily="18" charset="0"/>
+                  <a:cs typeface="Times New Roman" panose="02020603050405020304" pitchFamily="18" charset="0"/>
+                </a:rPr>
+                <a:t>st</a:t>
+              </a:r>
+              <a:r>
+                <a:rPr lang="fr-FR" sz="2800" dirty="0" smtClean="0">
+                  <a:latin typeface="Times New Roman" panose="02020603050405020304" pitchFamily="18" charset="0"/>
+                  <a:cs typeface="Times New Roman" panose="02020603050405020304" pitchFamily="18" charset="0"/>
+                </a:rPr>
+                <a:t> </a:t>
+              </a:r>
+              <a:r>
+                <a:rPr lang="fr-FR" sz="2800" dirty="0" err="1" smtClean="0">
+                  <a:latin typeface="Times New Roman" panose="02020603050405020304" pitchFamily="18" charset="0"/>
+                  <a:cs typeface="Times New Roman" panose="02020603050405020304" pitchFamily="18" charset="0"/>
+                </a:rPr>
+                <a:t>s</a:t>
+              </a:r>
+              <a:r>
+                <a:rPr lang="fr-FR" sz="2800" dirty="0" err="1" smtClean="0">
+                  <a:latin typeface="Times New Roman" panose="02020603050405020304" pitchFamily="18" charset="0"/>
+                  <a:cs typeface="Times New Roman" panose="02020603050405020304" pitchFamily="18" charset="0"/>
+                </a:rPr>
+                <a:t>ampling</a:t>
+              </a:r>
+              <a:r>
+                <a:rPr lang="fr-FR" sz="2800" dirty="0" smtClean="0">
+                  <a:latin typeface="Times New Roman" panose="02020603050405020304" pitchFamily="18" charset="0"/>
+                  <a:cs typeface="Times New Roman" panose="02020603050405020304" pitchFamily="18" charset="0"/>
+                </a:rPr>
+                <a:t> (T1)</a:t>
+              </a:r>
+              <a:endParaRPr lang="fr-FR" sz="2800" b="1" dirty="0">
+                <a:latin typeface="Times New Roman" panose="02020603050405020304" pitchFamily="18" charset="0"/>
+                <a:cs typeface="Times New Roman" panose="02020603050405020304" pitchFamily="18" charset="0"/>
+              </a:endParaRPr>
+            </a:p>
+          </p:txBody>
+        </p:sp>
+        <p:sp>
+          <p:nvSpPr>
+            <p:cNvPr id="77" name="ZoneTexte 76"/>
+            <p:cNvSpPr txBox="1"/>
+            <p:nvPr/>
+          </p:nvSpPr>
+          <p:spPr>
+            <a:xfrm>
+              <a:off x="1634693" y="900779"/>
+              <a:ext cx="499290" cy="369332"/>
+            </a:xfrm>
+            <a:prstGeom prst="rect">
+              <a:avLst/>
+            </a:prstGeom>
+            <a:noFill/>
+          </p:spPr>
+          <p:txBody>
+            <a:bodyPr wrap="square" rtlCol="0">
+              <a:spAutoFit/>
+            </a:bodyPr>
+            <a:lstStyle/>
+            <a:p>
+              <a:r>
+                <a:rPr lang="fr-CA" dirty="0" smtClean="0">
+                  <a:latin typeface="Times New Roman" panose="02020603050405020304" pitchFamily="18" charset="0"/>
+                  <a:cs typeface="Times New Roman" panose="02020603050405020304" pitchFamily="18" charset="0"/>
+                </a:rPr>
+                <a:t>a/a</a:t>
+              </a:r>
+              <a:endParaRPr lang="en-US" dirty="0">
+                <a:latin typeface="Times New Roman" panose="02020603050405020304" pitchFamily="18" charset="0"/>
+                <a:cs typeface="Times New Roman" panose="02020603050405020304" pitchFamily="18" charset="0"/>
+              </a:endParaRPr>
+            </a:p>
+          </p:txBody>
+        </p:sp>
+        <p:sp>
+          <p:nvSpPr>
+            <p:cNvPr id="78" name="ZoneTexte 77"/>
+            <p:cNvSpPr txBox="1"/>
+            <p:nvPr/>
+          </p:nvSpPr>
+          <p:spPr>
+            <a:xfrm>
+              <a:off x="1634693" y="2039348"/>
+              <a:ext cx="499290" cy="369332"/>
+            </a:xfrm>
+            <a:prstGeom prst="rect">
+              <a:avLst/>
+            </a:prstGeom>
+            <a:noFill/>
+          </p:spPr>
+          <p:txBody>
+            <a:bodyPr wrap="square" rtlCol="0">
+              <a:spAutoFit/>
+            </a:bodyPr>
+            <a:lstStyle/>
+            <a:p>
+              <a:r>
+                <a:rPr lang="fr-CA" dirty="0" smtClean="0">
+                  <a:latin typeface="Times New Roman" panose="02020603050405020304" pitchFamily="18" charset="0"/>
+                  <a:cs typeface="Times New Roman" panose="02020603050405020304" pitchFamily="18" charset="0"/>
+                </a:rPr>
+                <a:t>a/c</a:t>
+              </a:r>
+              <a:endParaRPr lang="en-US" dirty="0">
+                <a:latin typeface="Times New Roman" panose="02020603050405020304" pitchFamily="18" charset="0"/>
+                <a:cs typeface="Times New Roman" panose="02020603050405020304" pitchFamily="18" charset="0"/>
+              </a:endParaRPr>
+            </a:p>
+          </p:txBody>
+        </p:sp>
+        <p:sp>
+          <p:nvSpPr>
+            <p:cNvPr id="79" name="ZoneTexte 78"/>
+            <p:cNvSpPr txBox="1"/>
+            <p:nvPr/>
+          </p:nvSpPr>
+          <p:spPr>
+            <a:xfrm>
+              <a:off x="1633679" y="1470557"/>
+              <a:ext cx="499290" cy="369332"/>
+            </a:xfrm>
+            <a:prstGeom prst="rect">
+              <a:avLst/>
+            </a:prstGeom>
+            <a:noFill/>
+          </p:spPr>
+          <p:txBody>
+            <a:bodyPr wrap="square" rtlCol="0">
+              <a:spAutoFit/>
+            </a:bodyPr>
+            <a:lstStyle/>
+            <a:p>
+              <a:r>
+                <a:rPr lang="fr-CA" dirty="0" smtClean="0">
+                  <a:latin typeface="Times New Roman" panose="02020603050405020304" pitchFamily="18" charset="0"/>
+                  <a:cs typeface="Times New Roman" panose="02020603050405020304" pitchFamily="18" charset="0"/>
+                </a:rPr>
+                <a:t>b/a</a:t>
+              </a:r>
+              <a:endParaRPr lang="en-US" dirty="0">
+                <a:latin typeface="Times New Roman" panose="02020603050405020304" pitchFamily="18" charset="0"/>
+                <a:cs typeface="Times New Roman" panose="02020603050405020304" pitchFamily="18" charset="0"/>
+              </a:endParaRPr>
+            </a:p>
+          </p:txBody>
+        </p:sp>
+        <p:sp>
+          <p:nvSpPr>
+            <p:cNvPr id="80" name="ZoneTexte 79"/>
+            <p:cNvSpPr txBox="1"/>
+            <p:nvPr/>
+          </p:nvSpPr>
+          <p:spPr>
+            <a:xfrm>
+              <a:off x="1636701" y="2612528"/>
+              <a:ext cx="499290" cy="369332"/>
+            </a:xfrm>
+            <a:prstGeom prst="rect">
+              <a:avLst/>
+            </a:prstGeom>
+            <a:noFill/>
+          </p:spPr>
+          <p:txBody>
+            <a:bodyPr wrap="square" rtlCol="0">
+              <a:spAutoFit/>
+            </a:bodyPr>
+            <a:lstStyle/>
+            <a:p>
+              <a:r>
+                <a:rPr lang="fr-CA" dirty="0" smtClean="0">
+                  <a:latin typeface="Times New Roman" panose="02020603050405020304" pitchFamily="18" charset="0"/>
+                  <a:cs typeface="Times New Roman" panose="02020603050405020304" pitchFamily="18" charset="0"/>
+                </a:rPr>
+                <a:t>b/c</a:t>
+              </a:r>
+              <a:endParaRPr lang="en-US" dirty="0">
+                <a:latin typeface="Times New Roman" panose="02020603050405020304" pitchFamily="18" charset="0"/>
+                <a:cs typeface="Times New Roman" panose="02020603050405020304" pitchFamily="18" charset="0"/>
+              </a:endParaRPr>
+            </a:p>
+          </p:txBody>
+        </p:sp>
+        <p:sp>
+          <p:nvSpPr>
+            <p:cNvPr id="81" name="ZoneTexte 80"/>
+            <p:cNvSpPr txBox="1"/>
+            <p:nvPr/>
+          </p:nvSpPr>
+          <p:spPr>
+            <a:xfrm>
+              <a:off x="2683466" y="906554"/>
+              <a:ext cx="499290" cy="369332"/>
+            </a:xfrm>
+            <a:prstGeom prst="rect">
+              <a:avLst/>
+            </a:prstGeom>
+            <a:noFill/>
+          </p:spPr>
+          <p:txBody>
+            <a:bodyPr wrap="square" rtlCol="0">
+              <a:spAutoFit/>
+            </a:bodyPr>
+            <a:lstStyle/>
+            <a:p>
+              <a:r>
+                <a:rPr lang="fr-CA" dirty="0">
+                  <a:latin typeface="Times New Roman" panose="02020603050405020304" pitchFamily="18" charset="0"/>
+                  <a:cs typeface="Times New Roman" panose="02020603050405020304" pitchFamily="18" charset="0"/>
+                </a:rPr>
+                <a:t>c</a:t>
+              </a:r>
+              <a:r>
+                <a:rPr lang="fr-CA" dirty="0" smtClean="0">
+                  <a:latin typeface="Times New Roman" panose="02020603050405020304" pitchFamily="18" charset="0"/>
+                  <a:cs typeface="Times New Roman" panose="02020603050405020304" pitchFamily="18" charset="0"/>
+                </a:rPr>
+                <a:t>/a</a:t>
+              </a:r>
+              <a:endParaRPr lang="en-US" dirty="0">
+                <a:latin typeface="Times New Roman" panose="02020603050405020304" pitchFamily="18" charset="0"/>
+                <a:cs typeface="Times New Roman" panose="02020603050405020304" pitchFamily="18" charset="0"/>
+              </a:endParaRPr>
+            </a:p>
+          </p:txBody>
+        </p:sp>
+        <p:sp>
+          <p:nvSpPr>
+            <p:cNvPr id="82" name="ZoneTexte 81"/>
+            <p:cNvSpPr txBox="1"/>
+            <p:nvPr/>
+          </p:nvSpPr>
+          <p:spPr>
+            <a:xfrm>
+              <a:off x="2683466" y="2045123"/>
+              <a:ext cx="499290" cy="369332"/>
+            </a:xfrm>
+            <a:prstGeom prst="rect">
+              <a:avLst/>
+            </a:prstGeom>
+            <a:noFill/>
+          </p:spPr>
+          <p:txBody>
+            <a:bodyPr wrap="square" rtlCol="0">
+              <a:spAutoFit/>
+            </a:bodyPr>
+            <a:lstStyle/>
+            <a:p>
+              <a:r>
+                <a:rPr lang="fr-CA" dirty="0" smtClean="0">
+                  <a:latin typeface="Times New Roman" panose="02020603050405020304" pitchFamily="18" charset="0"/>
+                  <a:cs typeface="Times New Roman" panose="02020603050405020304" pitchFamily="18" charset="0"/>
+                </a:rPr>
+                <a:t>d/a</a:t>
+              </a:r>
+              <a:endParaRPr lang="en-US" dirty="0">
+                <a:latin typeface="Times New Roman" panose="02020603050405020304" pitchFamily="18" charset="0"/>
+                <a:cs typeface="Times New Roman" panose="02020603050405020304" pitchFamily="18" charset="0"/>
+              </a:endParaRPr>
+            </a:p>
+          </p:txBody>
+        </p:sp>
+        <p:sp>
+          <p:nvSpPr>
+            <p:cNvPr id="83" name="ZoneTexte 82"/>
+            <p:cNvSpPr txBox="1"/>
+            <p:nvPr/>
+          </p:nvSpPr>
+          <p:spPr>
+            <a:xfrm>
+              <a:off x="2682452" y="1476332"/>
+              <a:ext cx="499290" cy="369332"/>
+            </a:xfrm>
+            <a:prstGeom prst="rect">
+              <a:avLst/>
+            </a:prstGeom>
+            <a:noFill/>
+          </p:spPr>
+          <p:txBody>
+            <a:bodyPr wrap="square" rtlCol="0">
+              <a:spAutoFit/>
+            </a:bodyPr>
+            <a:lstStyle/>
+            <a:p>
+              <a:r>
+                <a:rPr lang="fr-CA" dirty="0" smtClean="0">
+                  <a:latin typeface="Times New Roman" panose="02020603050405020304" pitchFamily="18" charset="0"/>
+                  <a:cs typeface="Times New Roman" panose="02020603050405020304" pitchFamily="18" charset="0"/>
+                </a:rPr>
+                <a:t>c/b</a:t>
+              </a:r>
+              <a:endParaRPr lang="en-US" dirty="0">
+                <a:latin typeface="Times New Roman" panose="02020603050405020304" pitchFamily="18" charset="0"/>
+                <a:cs typeface="Times New Roman" panose="02020603050405020304" pitchFamily="18" charset="0"/>
+              </a:endParaRPr>
+            </a:p>
+          </p:txBody>
+        </p:sp>
+        <p:sp>
+          <p:nvSpPr>
+            <p:cNvPr id="84" name="ZoneTexte 83"/>
+            <p:cNvSpPr txBox="1"/>
+            <p:nvPr/>
+          </p:nvSpPr>
+          <p:spPr>
+            <a:xfrm>
+              <a:off x="2685474" y="2618303"/>
+              <a:ext cx="499290" cy="369332"/>
+            </a:xfrm>
+            <a:prstGeom prst="rect">
+              <a:avLst/>
+            </a:prstGeom>
+            <a:noFill/>
+          </p:spPr>
+          <p:txBody>
+            <a:bodyPr wrap="square" rtlCol="0">
+              <a:spAutoFit/>
+            </a:bodyPr>
+            <a:lstStyle/>
+            <a:p>
+              <a:r>
+                <a:rPr lang="fr-CA" dirty="0" smtClean="0">
+                  <a:latin typeface="Times New Roman" panose="02020603050405020304" pitchFamily="18" charset="0"/>
+                  <a:cs typeface="Times New Roman" panose="02020603050405020304" pitchFamily="18" charset="0"/>
+                </a:rPr>
+                <a:t>d/c</a:t>
+              </a:r>
+              <a:endParaRPr lang="en-US" dirty="0">
+                <a:latin typeface="Times New Roman" panose="02020603050405020304" pitchFamily="18" charset="0"/>
+                <a:cs typeface="Times New Roman" panose="02020603050405020304" pitchFamily="18" charset="0"/>
+              </a:endParaRPr>
+            </a:p>
+          </p:txBody>
+        </p:sp>
+        <p:sp>
+          <p:nvSpPr>
+            <p:cNvPr id="85" name="ZoneTexte 84"/>
+            <p:cNvSpPr txBox="1"/>
+            <p:nvPr/>
+          </p:nvSpPr>
+          <p:spPr>
+            <a:xfrm rot="16200000">
+              <a:off x="119547" y="3338607"/>
+              <a:ext cx="1701107" cy="461665"/>
+            </a:xfrm>
+            <a:prstGeom prst="rect">
+              <a:avLst/>
+            </a:prstGeom>
+            <a:noFill/>
+          </p:spPr>
+          <p:txBody>
+            <a:bodyPr wrap="none" rtlCol="0">
+              <a:spAutoFit/>
+            </a:bodyPr>
+            <a:lstStyle/>
+            <a:p>
+              <a:pPr algn="ctr"/>
+              <a:r>
+                <a:rPr lang="fr-FR" sz="2400" dirty="0" smtClean="0">
+                  <a:latin typeface="Times New Roman" panose="02020603050405020304" pitchFamily="18" charset="0"/>
+                  <a:cs typeface="Times New Roman" panose="02020603050405020304" pitchFamily="18" charset="0"/>
+                </a:rPr>
+                <a:t>(</a:t>
+              </a:r>
+              <a:r>
+                <a:rPr lang="fr-FR" sz="2000" dirty="0" smtClean="0">
+                  <a:latin typeface="Times New Roman" panose="02020603050405020304" pitchFamily="18" charset="0"/>
+                  <a:cs typeface="Times New Roman" panose="02020603050405020304" pitchFamily="18" charset="0"/>
+                </a:rPr>
+                <a:t>4</a:t>
+              </a:r>
+              <a:r>
+                <a:rPr lang="fr-FR" sz="2000" i="1" dirty="0" smtClean="0">
+                  <a:latin typeface="Times New Roman" panose="02020603050405020304" pitchFamily="18" charset="0"/>
+                  <a:cs typeface="Times New Roman" panose="02020603050405020304" pitchFamily="18" charset="0"/>
+                </a:rPr>
+                <a:t> </a:t>
+              </a:r>
+              <a:r>
+                <a:rPr lang="fr-FR" sz="2000" dirty="0" err="1" smtClean="0">
+                  <a:latin typeface="Times New Roman" panose="02020603050405020304" pitchFamily="18" charset="0"/>
+                  <a:cs typeface="Times New Roman" panose="02020603050405020304" pitchFamily="18" charset="0"/>
+                </a:rPr>
+                <a:t>individual</a:t>
+              </a:r>
+              <a:r>
+                <a:rPr lang="fr-FR" sz="2000" dirty="0" err="1" smtClean="0">
+                  <a:latin typeface="Times New Roman" panose="02020603050405020304" pitchFamily="18" charset="0"/>
+                  <a:cs typeface="Times New Roman" panose="02020603050405020304" pitchFamily="18" charset="0"/>
+                </a:rPr>
+                <a:t>s</a:t>
+              </a:r>
+              <a:r>
+                <a:rPr lang="fr-FR" sz="2000" dirty="0" smtClean="0">
+                  <a:latin typeface="Times New Roman" panose="02020603050405020304" pitchFamily="18" charset="0"/>
+                  <a:cs typeface="Times New Roman" panose="02020603050405020304" pitchFamily="18" charset="0"/>
+                </a:rPr>
+                <a:t>)</a:t>
+              </a:r>
+              <a:endParaRPr lang="fr-FR" sz="2000" i="1" dirty="0">
+                <a:latin typeface="Times New Roman" panose="02020603050405020304" pitchFamily="18" charset="0"/>
+                <a:cs typeface="Times New Roman" panose="02020603050405020304" pitchFamily="18" charset="0"/>
+              </a:endParaRPr>
+            </a:p>
+          </p:txBody>
+        </p:sp>
+        <p:sp>
+          <p:nvSpPr>
+            <p:cNvPr id="142" name="Rectangle 141"/>
+            <p:cNvSpPr/>
+            <p:nvPr/>
+          </p:nvSpPr>
+          <p:spPr>
+            <a:xfrm>
+              <a:off x="1343856" y="3968018"/>
+              <a:ext cx="2016055" cy="2358869"/>
+            </a:xfrm>
+            <a:prstGeom prst="rect">
+              <a:avLst/>
+            </a:prstGeom>
+            <a:solidFill>
+              <a:schemeClr val="bg1"/>
+            </a:solidFill>
+            <a:ln>
+              <a:solidFill>
+                <a:schemeClr val="tx1"/>
+              </a:solidFill>
+            </a:ln>
+            <a:effectLst/>
+          </p:spPr>
+          <p:style>
+            <a:lnRef idx="1">
+              <a:schemeClr val="accent1"/>
+            </a:lnRef>
+            <a:fillRef idx="3">
+              <a:schemeClr val="accent1"/>
+            </a:fillRef>
+            <a:effectRef idx="2">
+              <a:schemeClr val="accent1"/>
+            </a:effectRef>
+            <a:fontRef idx="minor">
+              <a:schemeClr val="lt1"/>
+            </a:fontRef>
+          </p:style>
+          <p:txBody>
+            <a:bodyPr rtlCol="0" anchor="ctr"/>
+            <a:lstStyle/>
+            <a:p>
+              <a:pPr algn="ctr"/>
+              <a:endParaRPr lang="fr-FR">
+                <a:solidFill>
+                  <a:schemeClr val="tx1"/>
+                </a:solidFill>
+                <a:latin typeface="Times New Roman" panose="02020603050405020304" pitchFamily="18" charset="0"/>
+                <a:cs typeface="Times New Roman" panose="02020603050405020304" pitchFamily="18" charset="0"/>
+              </a:endParaRPr>
+            </a:p>
+          </p:txBody>
+        </p:sp>
+        <p:sp>
+          <p:nvSpPr>
+            <p:cNvPr id="143" name="Rectangle 142"/>
+            <p:cNvSpPr/>
+            <p:nvPr/>
+          </p:nvSpPr>
+          <p:spPr>
+            <a:xfrm>
+              <a:off x="1459680" y="5232378"/>
+              <a:ext cx="1789220" cy="406400"/>
+            </a:xfrm>
+            <a:prstGeom prst="rect">
+              <a:avLst/>
+            </a:prstGeom>
+            <a:noFill/>
+            <a:ln w="28575" cmpd="sng">
+              <a:solidFill>
+                <a:srgbClr val="00B050"/>
+              </a:solidFill>
+            </a:ln>
+            <a:effectLst/>
+          </p:spPr>
+          <p:style>
+            <a:lnRef idx="1">
+              <a:schemeClr val="accent1"/>
+            </a:lnRef>
+            <a:fillRef idx="3">
+              <a:schemeClr val="accent1"/>
+            </a:fillRef>
+            <a:effectRef idx="2">
+              <a:schemeClr val="accent1"/>
+            </a:effectRef>
+            <a:fontRef idx="minor">
+              <a:schemeClr val="lt1"/>
+            </a:fontRef>
+          </p:style>
+          <p:txBody>
+            <a:bodyPr rtlCol="0" anchor="ctr"/>
+            <a:lstStyle/>
+            <a:p>
+              <a:pPr algn="ctr"/>
+              <a:endParaRPr lang="fr-FR">
+                <a:latin typeface="Times New Roman" panose="02020603050405020304" pitchFamily="18" charset="0"/>
+                <a:cs typeface="Times New Roman" panose="02020603050405020304" pitchFamily="18" charset="0"/>
+              </a:endParaRPr>
+            </a:p>
+          </p:txBody>
+        </p:sp>
+        <p:sp>
+          <p:nvSpPr>
+            <p:cNvPr id="144" name="ZoneTexte 143"/>
+            <p:cNvSpPr txBox="1"/>
+            <p:nvPr/>
+          </p:nvSpPr>
+          <p:spPr>
+            <a:xfrm>
+              <a:off x="1574789" y="4112343"/>
+              <a:ext cx="499290" cy="369332"/>
+            </a:xfrm>
+            <a:prstGeom prst="rect">
+              <a:avLst/>
+            </a:prstGeom>
+            <a:noFill/>
+          </p:spPr>
+          <p:txBody>
+            <a:bodyPr wrap="square" rtlCol="0">
+              <a:spAutoFit/>
+            </a:bodyPr>
+            <a:lstStyle/>
+            <a:p>
+              <a:r>
+                <a:rPr lang="fr-CA" dirty="0">
+                  <a:latin typeface="Times New Roman" panose="02020603050405020304" pitchFamily="18" charset="0"/>
+                  <a:cs typeface="Times New Roman" panose="02020603050405020304" pitchFamily="18" charset="0"/>
+                </a:rPr>
+                <a:t>c</a:t>
+              </a:r>
+              <a:r>
+                <a:rPr lang="fr-CA" dirty="0" smtClean="0">
+                  <a:latin typeface="Times New Roman" panose="02020603050405020304" pitchFamily="18" charset="0"/>
+                  <a:cs typeface="Times New Roman" panose="02020603050405020304" pitchFamily="18" charset="0"/>
+                </a:rPr>
+                <a:t>/c</a:t>
+              </a:r>
+              <a:endParaRPr lang="en-US" dirty="0">
+                <a:latin typeface="Times New Roman" panose="02020603050405020304" pitchFamily="18" charset="0"/>
+                <a:cs typeface="Times New Roman" panose="02020603050405020304" pitchFamily="18" charset="0"/>
+              </a:endParaRPr>
+            </a:p>
+          </p:txBody>
+        </p:sp>
+        <p:sp>
+          <p:nvSpPr>
+            <p:cNvPr id="145" name="ZoneTexte 144"/>
+            <p:cNvSpPr txBox="1"/>
+            <p:nvPr/>
+          </p:nvSpPr>
+          <p:spPr>
+            <a:xfrm>
+              <a:off x="1574789" y="5250912"/>
+              <a:ext cx="499290" cy="369332"/>
+            </a:xfrm>
+            <a:prstGeom prst="rect">
+              <a:avLst/>
+            </a:prstGeom>
+            <a:noFill/>
+          </p:spPr>
+          <p:txBody>
+            <a:bodyPr wrap="square" rtlCol="0">
+              <a:spAutoFit/>
+            </a:bodyPr>
+            <a:lstStyle/>
+            <a:p>
+              <a:r>
+                <a:rPr lang="fr-CA" dirty="0" smtClean="0">
+                  <a:latin typeface="Times New Roman" panose="02020603050405020304" pitchFamily="18" charset="0"/>
+                  <a:cs typeface="Times New Roman" panose="02020603050405020304" pitchFamily="18" charset="0"/>
+                </a:rPr>
+                <a:t>d/d</a:t>
+              </a:r>
+              <a:endParaRPr lang="en-US" dirty="0">
+                <a:latin typeface="Times New Roman" panose="02020603050405020304" pitchFamily="18" charset="0"/>
+                <a:cs typeface="Times New Roman" panose="02020603050405020304" pitchFamily="18" charset="0"/>
+              </a:endParaRPr>
+            </a:p>
+          </p:txBody>
+        </p:sp>
+        <p:sp>
+          <p:nvSpPr>
+            <p:cNvPr id="146" name="ZoneTexte 145"/>
+            <p:cNvSpPr txBox="1"/>
+            <p:nvPr/>
+          </p:nvSpPr>
+          <p:spPr>
+            <a:xfrm>
+              <a:off x="1573775" y="4682121"/>
+              <a:ext cx="499290" cy="369332"/>
+            </a:xfrm>
+            <a:prstGeom prst="rect">
+              <a:avLst/>
+            </a:prstGeom>
+            <a:noFill/>
+          </p:spPr>
+          <p:txBody>
+            <a:bodyPr wrap="square" rtlCol="0">
+              <a:spAutoFit/>
+            </a:bodyPr>
+            <a:lstStyle/>
+            <a:p>
+              <a:r>
+                <a:rPr lang="fr-CA" dirty="0" smtClean="0">
+                  <a:latin typeface="Times New Roman" panose="02020603050405020304" pitchFamily="18" charset="0"/>
+                  <a:cs typeface="Times New Roman" panose="02020603050405020304" pitchFamily="18" charset="0"/>
+                </a:rPr>
+                <a:t>a/b</a:t>
+              </a:r>
+              <a:endParaRPr lang="en-US" dirty="0">
+                <a:latin typeface="Times New Roman" panose="02020603050405020304" pitchFamily="18" charset="0"/>
+                <a:cs typeface="Times New Roman" panose="02020603050405020304" pitchFamily="18" charset="0"/>
+              </a:endParaRPr>
+            </a:p>
+          </p:txBody>
+        </p:sp>
+        <p:sp>
+          <p:nvSpPr>
+            <p:cNvPr id="147" name="ZoneTexte 146"/>
+            <p:cNvSpPr txBox="1"/>
+            <p:nvPr/>
+          </p:nvSpPr>
+          <p:spPr>
+            <a:xfrm>
+              <a:off x="1576797" y="5824092"/>
+              <a:ext cx="499290" cy="369332"/>
+            </a:xfrm>
+            <a:prstGeom prst="rect">
+              <a:avLst/>
+            </a:prstGeom>
+            <a:noFill/>
+          </p:spPr>
+          <p:txBody>
+            <a:bodyPr wrap="square" rtlCol="0">
+              <a:spAutoFit/>
+            </a:bodyPr>
+            <a:lstStyle/>
+            <a:p>
+              <a:r>
+                <a:rPr lang="fr-CA" dirty="0" smtClean="0">
+                  <a:latin typeface="Times New Roman" panose="02020603050405020304" pitchFamily="18" charset="0"/>
+                  <a:cs typeface="Times New Roman" panose="02020603050405020304" pitchFamily="18" charset="0"/>
+                </a:rPr>
+                <a:t>a/a</a:t>
+              </a:r>
+              <a:endParaRPr lang="en-US" dirty="0">
+                <a:latin typeface="Times New Roman" panose="02020603050405020304" pitchFamily="18" charset="0"/>
+                <a:cs typeface="Times New Roman" panose="02020603050405020304" pitchFamily="18" charset="0"/>
+              </a:endParaRPr>
+            </a:p>
+          </p:txBody>
+        </p:sp>
+        <p:sp>
+          <p:nvSpPr>
+            <p:cNvPr id="148" name="ZoneTexte 147"/>
+            <p:cNvSpPr txBox="1"/>
+            <p:nvPr/>
+          </p:nvSpPr>
+          <p:spPr>
+            <a:xfrm>
+              <a:off x="2623562" y="4118118"/>
+              <a:ext cx="499290" cy="369332"/>
+            </a:xfrm>
+            <a:prstGeom prst="rect">
+              <a:avLst/>
+            </a:prstGeom>
+            <a:noFill/>
+          </p:spPr>
+          <p:txBody>
+            <a:bodyPr wrap="square" rtlCol="0">
+              <a:spAutoFit/>
+            </a:bodyPr>
+            <a:lstStyle/>
+            <a:p>
+              <a:r>
+                <a:rPr lang="fr-CA" dirty="0" smtClean="0">
+                  <a:latin typeface="Times New Roman" panose="02020603050405020304" pitchFamily="18" charset="0"/>
+                  <a:cs typeface="Times New Roman" panose="02020603050405020304" pitchFamily="18" charset="0"/>
+                </a:rPr>
+                <a:t>b/c</a:t>
+              </a:r>
+              <a:endParaRPr lang="en-US" dirty="0">
+                <a:latin typeface="Times New Roman" panose="02020603050405020304" pitchFamily="18" charset="0"/>
+                <a:cs typeface="Times New Roman" panose="02020603050405020304" pitchFamily="18" charset="0"/>
+              </a:endParaRPr>
+            </a:p>
+          </p:txBody>
+        </p:sp>
+        <p:sp>
+          <p:nvSpPr>
+            <p:cNvPr id="149" name="ZoneTexte 148"/>
+            <p:cNvSpPr txBox="1"/>
+            <p:nvPr/>
+          </p:nvSpPr>
+          <p:spPr>
+            <a:xfrm>
+              <a:off x="2623562" y="5256687"/>
+              <a:ext cx="499290" cy="369332"/>
+            </a:xfrm>
+            <a:prstGeom prst="rect">
+              <a:avLst/>
+            </a:prstGeom>
+            <a:noFill/>
+          </p:spPr>
+          <p:txBody>
+            <a:bodyPr wrap="square" rtlCol="0">
+              <a:spAutoFit/>
+            </a:bodyPr>
+            <a:lstStyle/>
+            <a:p>
+              <a:r>
+                <a:rPr lang="fr-CA" dirty="0">
+                  <a:latin typeface="Times New Roman" panose="02020603050405020304" pitchFamily="18" charset="0"/>
+                  <a:cs typeface="Times New Roman" panose="02020603050405020304" pitchFamily="18" charset="0"/>
+                </a:rPr>
+                <a:t>b</a:t>
+              </a:r>
+              <a:r>
+                <a:rPr lang="fr-CA" dirty="0" smtClean="0">
+                  <a:latin typeface="Times New Roman" panose="02020603050405020304" pitchFamily="18" charset="0"/>
+                  <a:cs typeface="Times New Roman" panose="02020603050405020304" pitchFamily="18" charset="0"/>
+                </a:rPr>
+                <a:t>/a</a:t>
+              </a:r>
+              <a:endParaRPr lang="en-US" dirty="0">
+                <a:latin typeface="Times New Roman" panose="02020603050405020304" pitchFamily="18" charset="0"/>
+                <a:cs typeface="Times New Roman" panose="02020603050405020304" pitchFamily="18" charset="0"/>
+              </a:endParaRPr>
+            </a:p>
+          </p:txBody>
+        </p:sp>
+        <p:sp>
+          <p:nvSpPr>
+            <p:cNvPr id="150" name="ZoneTexte 149"/>
+            <p:cNvSpPr txBox="1"/>
+            <p:nvPr/>
+          </p:nvSpPr>
+          <p:spPr>
+            <a:xfrm>
+              <a:off x="2622548" y="4687896"/>
+              <a:ext cx="499290" cy="369332"/>
+            </a:xfrm>
+            <a:prstGeom prst="rect">
+              <a:avLst/>
+            </a:prstGeom>
+            <a:noFill/>
+          </p:spPr>
+          <p:txBody>
+            <a:bodyPr wrap="square" rtlCol="0">
+              <a:spAutoFit/>
+            </a:bodyPr>
+            <a:lstStyle/>
+            <a:p>
+              <a:r>
+                <a:rPr lang="fr-CA" dirty="0" smtClean="0">
+                  <a:latin typeface="Times New Roman" panose="02020603050405020304" pitchFamily="18" charset="0"/>
+                  <a:cs typeface="Times New Roman" panose="02020603050405020304" pitchFamily="18" charset="0"/>
+                </a:rPr>
+                <a:t>a/d</a:t>
+              </a:r>
+              <a:endParaRPr lang="en-US" dirty="0">
+                <a:latin typeface="Times New Roman" panose="02020603050405020304" pitchFamily="18" charset="0"/>
+                <a:cs typeface="Times New Roman" panose="02020603050405020304" pitchFamily="18" charset="0"/>
+              </a:endParaRPr>
+            </a:p>
+          </p:txBody>
+        </p:sp>
+        <p:sp>
+          <p:nvSpPr>
+            <p:cNvPr id="151" name="ZoneTexte 150"/>
+            <p:cNvSpPr txBox="1"/>
+            <p:nvPr/>
+          </p:nvSpPr>
+          <p:spPr>
+            <a:xfrm>
+              <a:off x="2625570" y="5829867"/>
+              <a:ext cx="499290" cy="369332"/>
+            </a:xfrm>
+            <a:prstGeom prst="rect">
+              <a:avLst/>
+            </a:prstGeom>
+            <a:noFill/>
+          </p:spPr>
+          <p:txBody>
+            <a:bodyPr wrap="square" rtlCol="0">
+              <a:spAutoFit/>
+            </a:bodyPr>
+            <a:lstStyle/>
+            <a:p>
+              <a:r>
+                <a:rPr lang="fr-CA" dirty="0" smtClean="0">
+                  <a:latin typeface="Times New Roman" panose="02020603050405020304" pitchFamily="18" charset="0"/>
+                  <a:cs typeface="Times New Roman" panose="02020603050405020304" pitchFamily="18" charset="0"/>
+                </a:rPr>
+                <a:t>c/b</a:t>
+              </a:r>
+              <a:endParaRPr lang="en-US" dirty="0">
+                <a:latin typeface="Times New Roman" panose="02020603050405020304" pitchFamily="18" charset="0"/>
+                <a:cs typeface="Times New Roman" panose="02020603050405020304" pitchFamily="18" charset="0"/>
+              </a:endParaRPr>
+            </a:p>
+          </p:txBody>
+        </p:sp>
+        <p:sp>
+          <p:nvSpPr>
+            <p:cNvPr id="153" name="Rectangle 152"/>
+            <p:cNvSpPr/>
+            <p:nvPr/>
+          </p:nvSpPr>
+          <p:spPr>
+            <a:xfrm>
+              <a:off x="1476302" y="4071680"/>
+              <a:ext cx="1789220" cy="406400"/>
+            </a:xfrm>
+            <a:prstGeom prst="rect">
+              <a:avLst/>
+            </a:prstGeom>
+            <a:noFill/>
+            <a:ln w="28575" cmpd="sng">
+              <a:solidFill>
+                <a:srgbClr val="0000FF"/>
+              </a:solidFill>
+            </a:ln>
+            <a:effectLst/>
+          </p:spPr>
+          <p:style>
+            <a:lnRef idx="1">
+              <a:schemeClr val="accent1"/>
+            </a:lnRef>
+            <a:fillRef idx="3">
+              <a:schemeClr val="accent1"/>
+            </a:fillRef>
+            <a:effectRef idx="2">
+              <a:schemeClr val="accent1"/>
+            </a:effectRef>
+            <a:fontRef idx="minor">
+              <a:schemeClr val="lt1"/>
+            </a:fontRef>
+          </p:style>
+          <p:txBody>
+            <a:bodyPr rtlCol="0" anchor="ctr"/>
+            <a:lstStyle/>
+            <a:p>
+              <a:pPr algn="ctr"/>
+              <a:endParaRPr lang="fr-FR">
+                <a:latin typeface="Times New Roman" panose="02020603050405020304" pitchFamily="18" charset="0"/>
+                <a:cs typeface="Times New Roman" panose="02020603050405020304" pitchFamily="18" charset="0"/>
+              </a:endParaRPr>
+            </a:p>
+          </p:txBody>
+        </p:sp>
+        <p:sp>
+          <p:nvSpPr>
+            <p:cNvPr id="154" name="Rectangle 153"/>
+            <p:cNvSpPr/>
+            <p:nvPr/>
+          </p:nvSpPr>
+          <p:spPr>
+            <a:xfrm>
+              <a:off x="1476302" y="4639561"/>
+              <a:ext cx="1789220" cy="406400"/>
+            </a:xfrm>
+            <a:prstGeom prst="rect">
+              <a:avLst/>
+            </a:prstGeom>
+            <a:noFill/>
+            <a:ln w="28575" cmpd="sng">
+              <a:solidFill>
+                <a:srgbClr val="0000FF"/>
+              </a:solidFill>
+            </a:ln>
+            <a:effectLst/>
+          </p:spPr>
+          <p:style>
+            <a:lnRef idx="1">
+              <a:schemeClr val="accent1"/>
+            </a:lnRef>
+            <a:fillRef idx="3">
+              <a:schemeClr val="accent1"/>
+            </a:fillRef>
+            <a:effectRef idx="2">
+              <a:schemeClr val="accent1"/>
+            </a:effectRef>
+            <a:fontRef idx="minor">
+              <a:schemeClr val="lt1"/>
+            </a:fontRef>
+          </p:style>
+          <p:txBody>
+            <a:bodyPr rtlCol="0" anchor="ctr"/>
+            <a:lstStyle/>
+            <a:p>
+              <a:pPr algn="ctr"/>
+              <a:endParaRPr lang="fr-FR">
+                <a:latin typeface="Times New Roman" panose="02020603050405020304" pitchFamily="18" charset="0"/>
+                <a:cs typeface="Times New Roman" panose="02020603050405020304" pitchFamily="18" charset="0"/>
+              </a:endParaRPr>
+            </a:p>
+          </p:txBody>
+        </p:sp>
+        <p:sp>
+          <p:nvSpPr>
+            <p:cNvPr id="155" name="Rectangle 154"/>
+            <p:cNvSpPr/>
+            <p:nvPr/>
+          </p:nvSpPr>
+          <p:spPr>
+            <a:xfrm>
+              <a:off x="1470814" y="5777143"/>
+              <a:ext cx="1789220" cy="406400"/>
+            </a:xfrm>
+            <a:prstGeom prst="rect">
+              <a:avLst/>
+            </a:prstGeom>
+            <a:noFill/>
+            <a:ln w="28575" cmpd="sng">
+              <a:solidFill>
+                <a:srgbClr val="00B050"/>
+              </a:solidFill>
+            </a:ln>
+            <a:effectLst/>
+          </p:spPr>
+          <p:style>
+            <a:lnRef idx="1">
+              <a:schemeClr val="accent1"/>
+            </a:lnRef>
+            <a:fillRef idx="3">
+              <a:schemeClr val="accent1"/>
+            </a:fillRef>
+            <a:effectRef idx="2">
+              <a:schemeClr val="accent1"/>
+            </a:effectRef>
+            <a:fontRef idx="minor">
+              <a:schemeClr val="lt1"/>
+            </a:fontRef>
+          </p:style>
+          <p:txBody>
+            <a:bodyPr rtlCol="0" anchor="ctr"/>
+            <a:lstStyle/>
+            <a:p>
+              <a:pPr algn="ctr"/>
+              <a:endParaRPr lang="fr-FR">
+                <a:latin typeface="Times New Roman" panose="02020603050405020304" pitchFamily="18" charset="0"/>
+                <a:cs typeface="Times New Roman" panose="02020603050405020304" pitchFamily="18" charset="0"/>
+              </a:endParaRPr>
+            </a:p>
+          </p:txBody>
+        </p:sp>
+        <p:sp>
+          <p:nvSpPr>
+            <p:cNvPr id="45" name="ZoneTexte 44"/>
+            <p:cNvSpPr txBox="1"/>
+            <p:nvPr/>
+          </p:nvSpPr>
+          <p:spPr>
+            <a:xfrm>
+              <a:off x="1155213" y="6359872"/>
+              <a:ext cx="2828521" cy="523220"/>
+            </a:xfrm>
+            <a:prstGeom prst="rect">
+              <a:avLst/>
+            </a:prstGeom>
+            <a:noFill/>
+          </p:spPr>
+          <p:txBody>
+            <a:bodyPr wrap="square" rtlCol="0">
+              <a:spAutoFit/>
+            </a:bodyPr>
+            <a:lstStyle/>
+            <a:p>
+              <a:pPr algn="ctr"/>
+              <a:r>
+                <a:rPr lang="fr-FR" sz="2800" dirty="0" smtClean="0">
+                  <a:latin typeface="Times New Roman" panose="02020603050405020304" pitchFamily="18" charset="0"/>
+                  <a:cs typeface="Times New Roman" panose="02020603050405020304" pitchFamily="18" charset="0"/>
+                </a:rPr>
+                <a:t>2</a:t>
+              </a:r>
+              <a:r>
+                <a:rPr lang="fr-FR" sz="2800" baseline="30000" dirty="0" smtClean="0">
+                  <a:latin typeface="Times New Roman" panose="02020603050405020304" pitchFamily="18" charset="0"/>
+                  <a:cs typeface="Times New Roman" panose="02020603050405020304" pitchFamily="18" charset="0"/>
+                </a:rPr>
+                <a:t>n</a:t>
+              </a:r>
+              <a:r>
+                <a:rPr lang="fr-FR" sz="2800" baseline="30000" dirty="0">
+                  <a:latin typeface="Times New Roman" panose="02020603050405020304" pitchFamily="18" charset="0"/>
+                  <a:cs typeface="Times New Roman" panose="02020603050405020304" pitchFamily="18" charset="0"/>
+                </a:rPr>
+                <a:t>d</a:t>
+              </a:r>
+              <a:r>
+                <a:rPr lang="fr-FR" sz="2800" dirty="0" smtClean="0">
+                  <a:latin typeface="Times New Roman" panose="02020603050405020304" pitchFamily="18" charset="0"/>
+                  <a:cs typeface="Times New Roman" panose="02020603050405020304" pitchFamily="18" charset="0"/>
+                </a:rPr>
+                <a:t> </a:t>
+              </a:r>
+              <a:r>
+                <a:rPr lang="fr-FR" sz="2800" dirty="0" err="1" smtClean="0">
+                  <a:latin typeface="Times New Roman" panose="02020603050405020304" pitchFamily="18" charset="0"/>
+                  <a:cs typeface="Times New Roman" panose="02020603050405020304" pitchFamily="18" charset="0"/>
+                </a:rPr>
+                <a:t>s</a:t>
+              </a:r>
+              <a:r>
+                <a:rPr lang="fr-FR" sz="2800" dirty="0" err="1" smtClean="0">
+                  <a:latin typeface="Times New Roman" panose="02020603050405020304" pitchFamily="18" charset="0"/>
+                  <a:cs typeface="Times New Roman" panose="02020603050405020304" pitchFamily="18" charset="0"/>
+                </a:rPr>
+                <a:t>ampling</a:t>
+              </a:r>
+              <a:r>
+                <a:rPr lang="fr-FR" sz="2800" dirty="0" smtClean="0">
+                  <a:latin typeface="Times New Roman" panose="02020603050405020304" pitchFamily="18" charset="0"/>
+                  <a:cs typeface="Times New Roman" panose="02020603050405020304" pitchFamily="18" charset="0"/>
+                </a:rPr>
+                <a:t> (T2)</a:t>
+              </a:r>
+              <a:endParaRPr lang="fr-FR" sz="2800" b="1" dirty="0">
+                <a:latin typeface="Times New Roman" panose="02020603050405020304" pitchFamily="18" charset="0"/>
+                <a:cs typeface="Times New Roman" panose="02020603050405020304" pitchFamily="18" charset="0"/>
+              </a:endParaRPr>
+            </a:p>
+          </p:txBody>
+        </p:sp>
+        <p:cxnSp>
+          <p:nvCxnSpPr>
+            <p:cNvPr id="3" name="Connecteur droit avec flèche 2"/>
+            <p:cNvCxnSpPr/>
+            <p:nvPr/>
+          </p:nvCxnSpPr>
+          <p:spPr>
+            <a:xfrm>
+              <a:off x="3479971" y="1971292"/>
+              <a:ext cx="646259" cy="1343408"/>
+            </a:xfrm>
+            <a:prstGeom prst="straightConnector1">
+              <a:avLst/>
+            </a:prstGeom>
+            <a:ln w="28575">
+              <a:tailEnd type="triangle"/>
+            </a:ln>
+          </p:spPr>
+          <p:style>
+            <a:lnRef idx="1">
+              <a:schemeClr val="dk1"/>
+            </a:lnRef>
+            <a:fillRef idx="0">
+              <a:schemeClr val="dk1"/>
+            </a:fillRef>
+            <a:effectRef idx="0">
+              <a:schemeClr val="dk1"/>
+            </a:effectRef>
+            <a:fontRef idx="minor">
+              <a:schemeClr val="tx1"/>
+            </a:fontRef>
+          </p:style>
+        </p:cxnSp>
+        <p:cxnSp>
+          <p:nvCxnSpPr>
+            <p:cNvPr id="48" name="Connecteur droit avec flèche 47"/>
+            <p:cNvCxnSpPr/>
+            <p:nvPr/>
+          </p:nvCxnSpPr>
+          <p:spPr>
+            <a:xfrm flipV="1">
+              <a:off x="3403186" y="3765370"/>
+              <a:ext cx="723044" cy="1382082"/>
+            </a:xfrm>
+            <a:prstGeom prst="straightConnector1">
+              <a:avLst/>
+            </a:prstGeom>
+            <a:ln w="28575">
+              <a:tailEnd type="triangle"/>
+            </a:ln>
+          </p:spPr>
+          <p:style>
+            <a:lnRef idx="1">
+              <a:schemeClr val="dk1"/>
+            </a:lnRef>
+            <a:fillRef idx="0">
+              <a:schemeClr val="dk1"/>
+            </a:fillRef>
+            <a:effectRef idx="0">
+              <a:schemeClr val="dk1"/>
+            </a:effectRef>
+            <a:fontRef idx="minor">
+              <a:schemeClr val="tx1"/>
+            </a:fontRef>
+          </p:style>
+        </p:cxnSp>
+        <p:sp>
+          <p:nvSpPr>
+            <p:cNvPr id="51" name="Rectangle 50"/>
+            <p:cNvSpPr/>
+            <p:nvPr/>
+          </p:nvSpPr>
+          <p:spPr>
+            <a:xfrm>
+              <a:off x="4202284" y="3003415"/>
+              <a:ext cx="2064589" cy="1126134"/>
+            </a:xfrm>
+            <a:prstGeom prst="rect">
+              <a:avLst/>
+            </a:prstGeom>
+            <a:solidFill>
+              <a:schemeClr val="bg1"/>
+            </a:solidFill>
+            <a:ln>
+              <a:solidFill>
+                <a:schemeClr val="tx1"/>
+              </a:solidFill>
+            </a:ln>
+            <a:effectLst/>
+          </p:spPr>
+          <p:style>
+            <a:lnRef idx="1">
+              <a:schemeClr val="accent1"/>
+            </a:lnRef>
+            <a:fillRef idx="3">
+              <a:schemeClr val="accent1"/>
+            </a:fillRef>
+            <a:effectRef idx="2">
+              <a:schemeClr val="accent1"/>
+            </a:effectRef>
+            <a:fontRef idx="minor">
+              <a:schemeClr val="lt1"/>
+            </a:fontRef>
+          </p:style>
+          <p:txBody>
+            <a:bodyPr rtlCol="0" anchor="ctr"/>
+            <a:lstStyle/>
+            <a:p>
+              <a:pPr algn="ctr"/>
+              <a:endParaRPr lang="fr-FR">
+                <a:solidFill>
+                  <a:schemeClr val="tx1"/>
+                </a:solidFill>
+                <a:latin typeface="Times New Roman" panose="02020603050405020304" pitchFamily="18" charset="0"/>
+                <a:cs typeface="Times New Roman" panose="02020603050405020304" pitchFamily="18" charset="0"/>
+              </a:endParaRPr>
+            </a:p>
+          </p:txBody>
+        </p:sp>
+        <p:sp>
+          <p:nvSpPr>
+            <p:cNvPr id="9" name="ZoneTexte 8"/>
+            <p:cNvSpPr txBox="1"/>
+            <p:nvPr/>
+          </p:nvSpPr>
+          <p:spPr>
+            <a:xfrm>
+              <a:off x="4231892" y="2981707"/>
+              <a:ext cx="2034981" cy="523220"/>
+            </a:xfrm>
+            <a:prstGeom prst="rect">
+              <a:avLst/>
+            </a:prstGeom>
+            <a:noFill/>
+          </p:spPr>
+          <p:txBody>
+            <a:bodyPr wrap="square" rtlCol="0">
+              <a:spAutoFit/>
+            </a:bodyPr>
+            <a:lstStyle/>
+            <a:p>
+              <a:r>
+                <a:rPr lang="en-US" sz="2800" i="1" dirty="0" smtClean="0">
+                  <a:solidFill>
+                    <a:srgbClr val="012AAF"/>
+                  </a:solidFill>
+                  <a:latin typeface="Times New Roman" panose="02020603050405020304" pitchFamily="18" charset="0"/>
+                  <a:cs typeface="Times New Roman" panose="02020603050405020304" pitchFamily="18" charset="0"/>
+                </a:rPr>
+                <a:t>D</a:t>
+              </a:r>
+              <a:r>
+                <a:rPr lang="en-US" sz="2800" i="1" baseline="-25000" dirty="0" smtClean="0">
+                  <a:solidFill>
+                    <a:srgbClr val="012AAF"/>
+                  </a:solidFill>
+                  <a:latin typeface="Times New Roman" panose="02020603050405020304" pitchFamily="18" charset="0"/>
+                  <a:cs typeface="Times New Roman" panose="02020603050405020304" pitchFamily="18" charset="0"/>
+                </a:rPr>
+                <a:t>pop1</a:t>
+              </a:r>
+              <a:r>
+                <a:rPr lang="en-US" sz="2800" i="1" dirty="0" smtClean="0">
+                  <a:solidFill>
+                    <a:srgbClr val="012AAF"/>
+                  </a:solidFill>
+                  <a:latin typeface="Times New Roman" panose="02020603050405020304" pitchFamily="18" charset="0"/>
+                  <a:cs typeface="Times New Roman" panose="02020603050405020304" pitchFamily="18" charset="0"/>
+                </a:rPr>
+                <a:t>(T1,T2)</a:t>
+              </a:r>
+              <a:endParaRPr lang="en-US" sz="2800" i="1" dirty="0">
+                <a:solidFill>
+                  <a:srgbClr val="012AAF"/>
+                </a:solidFill>
+                <a:latin typeface="Times New Roman" panose="02020603050405020304" pitchFamily="18" charset="0"/>
+                <a:cs typeface="Times New Roman" panose="02020603050405020304" pitchFamily="18" charset="0"/>
+              </a:endParaRPr>
+            </a:p>
+          </p:txBody>
+        </p:sp>
+        <p:sp>
+          <p:nvSpPr>
+            <p:cNvPr id="11" name="ZoneTexte 10"/>
+            <p:cNvSpPr txBox="1"/>
+            <p:nvPr/>
+          </p:nvSpPr>
+          <p:spPr>
+            <a:xfrm>
+              <a:off x="4338065" y="4274820"/>
+              <a:ext cx="1776985" cy="523220"/>
+            </a:xfrm>
+            <a:prstGeom prst="rect">
+              <a:avLst/>
+            </a:prstGeom>
+            <a:noFill/>
+          </p:spPr>
+          <p:txBody>
+            <a:bodyPr wrap="square" rtlCol="0">
+              <a:spAutoFit/>
+            </a:bodyPr>
+            <a:lstStyle/>
+            <a:p>
+              <a:r>
+                <a:rPr lang="en-US" sz="2800" dirty="0" smtClean="0">
+                  <a:latin typeface="Times New Roman" panose="02020603050405020304" pitchFamily="18" charset="0"/>
+                  <a:cs typeface="Times New Roman" panose="02020603050405020304" pitchFamily="18" charset="0"/>
+                </a:rPr>
+                <a:t>TGI values</a:t>
+              </a:r>
+              <a:endParaRPr lang="en-US" sz="2800" dirty="0">
+                <a:latin typeface="Times New Roman" panose="02020603050405020304" pitchFamily="18" charset="0"/>
+                <a:cs typeface="Times New Roman" panose="02020603050405020304" pitchFamily="18" charset="0"/>
+              </a:endParaRPr>
+            </a:p>
+          </p:txBody>
+        </p:sp>
+        <p:sp>
+          <p:nvSpPr>
+            <p:cNvPr id="55" name="ZoneTexte 54"/>
+            <p:cNvSpPr txBox="1"/>
+            <p:nvPr/>
+          </p:nvSpPr>
+          <p:spPr>
+            <a:xfrm>
+              <a:off x="4224272" y="3545587"/>
+              <a:ext cx="2042601" cy="523220"/>
+            </a:xfrm>
+            <a:prstGeom prst="rect">
+              <a:avLst/>
+            </a:prstGeom>
+            <a:noFill/>
+          </p:spPr>
+          <p:txBody>
+            <a:bodyPr wrap="square" rtlCol="0">
+              <a:spAutoFit/>
+            </a:bodyPr>
+            <a:lstStyle/>
+            <a:p>
+              <a:r>
+                <a:rPr lang="en-US" sz="2800" i="1" dirty="0" smtClean="0">
+                  <a:solidFill>
+                    <a:srgbClr val="00B050"/>
+                  </a:solidFill>
+                  <a:latin typeface="Times New Roman" panose="02020603050405020304" pitchFamily="18" charset="0"/>
+                  <a:cs typeface="Times New Roman" panose="02020603050405020304" pitchFamily="18" charset="0"/>
+                </a:rPr>
+                <a:t>D</a:t>
+              </a:r>
+              <a:r>
+                <a:rPr lang="en-US" sz="2800" i="1" baseline="-25000" dirty="0" smtClean="0">
+                  <a:solidFill>
+                    <a:srgbClr val="00B050"/>
+                  </a:solidFill>
+                  <a:latin typeface="Times New Roman" panose="02020603050405020304" pitchFamily="18" charset="0"/>
+                  <a:cs typeface="Times New Roman" panose="02020603050405020304" pitchFamily="18" charset="0"/>
+                </a:rPr>
+                <a:t>pop2</a:t>
+              </a:r>
+              <a:r>
+                <a:rPr lang="en-US" sz="2800" i="1" dirty="0" smtClean="0">
+                  <a:solidFill>
+                    <a:srgbClr val="00B050"/>
+                  </a:solidFill>
+                  <a:latin typeface="Times New Roman" panose="02020603050405020304" pitchFamily="18" charset="0"/>
+                  <a:cs typeface="Times New Roman" panose="02020603050405020304" pitchFamily="18" charset="0"/>
+                </a:rPr>
+                <a:t>(T1,T2)</a:t>
+              </a:r>
+              <a:endParaRPr lang="en-US" sz="2800" i="1" dirty="0">
+                <a:solidFill>
+                  <a:srgbClr val="00B050"/>
+                </a:solidFill>
+                <a:latin typeface="Times New Roman" panose="02020603050405020304" pitchFamily="18" charset="0"/>
+                <a:cs typeface="Times New Roman" panose="02020603050405020304" pitchFamily="18" charset="0"/>
+              </a:endParaRPr>
+            </a:p>
+          </p:txBody>
+        </p:sp>
+      </p:grpSp>
+    </p:spTree>
+    <p:extLst>
+      <p:ext uri="{BB962C8B-B14F-4D97-AF65-F5344CB8AC3E}">
+        <p14:creationId xmlns:p14="http://schemas.microsoft.com/office/powerpoint/2010/main" val="1315196648"/>
+      </p:ext>
+    </p:extLst>
+  </p:cSld>
+  <p:clrMapOvr>
+    <a:masterClrMapping/>
+  </p:clrMapOvr>
 </p:sld>
 </file>
 
@@ -12123,6 +14076,5083 @@
 </p:sld>
 </file>
 
+<file path=ppt/slides/slide8.xml><?xml version="1.0" encoding="utf-8"?>
+<p:sld xmlns:a="http://schemas.openxmlformats.org/drawingml/2006/main" xmlns:r="http://schemas.openxmlformats.org/officeDocument/2006/relationships" xmlns:p="http://schemas.openxmlformats.org/presentationml/2006/main">
+  <p:cSld>
+    <p:spTree>
+      <p:nvGrpSpPr>
+        <p:cNvPr id="1" name=""/>
+        <p:cNvGrpSpPr/>
+        <p:nvPr/>
+      </p:nvGrpSpPr>
+      <p:grpSpPr>
+        <a:xfrm>
+          <a:off x="0" y="0"/>
+          <a:ext cx="0" cy="0"/>
+          <a:chOff x="0" y="0"/>
+          <a:chExt cx="0" cy="0"/>
+        </a:xfrm>
+      </p:grpSpPr>
+      <p:grpSp>
+        <p:nvGrpSpPr>
+          <p:cNvPr id="4" name="Grouper 105"/>
+          <p:cNvGrpSpPr/>
+          <p:nvPr/>
+        </p:nvGrpSpPr>
+        <p:grpSpPr>
+          <a:xfrm>
+            <a:off x="102722" y="100683"/>
+            <a:ext cx="3848578" cy="3072572"/>
+            <a:chOff x="-690268" y="557883"/>
+            <a:chExt cx="3848578" cy="3072572"/>
+          </a:xfrm>
+        </p:grpSpPr>
+        <p:sp>
+          <p:nvSpPr>
+            <p:cNvPr id="5" name="Rectangle 4"/>
+            <p:cNvSpPr/>
+            <p:nvPr/>
+          </p:nvSpPr>
+          <p:spPr>
+            <a:xfrm>
+              <a:off x="594141" y="1230283"/>
+              <a:ext cx="2016055" cy="2358869"/>
+            </a:xfrm>
+            <a:prstGeom prst="rect">
+              <a:avLst/>
+            </a:prstGeom>
+            <a:solidFill>
+              <a:schemeClr val="bg1"/>
+            </a:solidFill>
+            <a:ln>
+              <a:solidFill>
+                <a:schemeClr val="tx1"/>
+              </a:solidFill>
+            </a:ln>
+            <a:effectLst/>
+          </p:spPr>
+          <p:style>
+            <a:lnRef idx="1">
+              <a:schemeClr val="accent1"/>
+            </a:lnRef>
+            <a:fillRef idx="3">
+              <a:schemeClr val="accent1"/>
+            </a:fillRef>
+            <a:effectRef idx="2">
+              <a:schemeClr val="accent1"/>
+            </a:effectRef>
+            <a:fontRef idx="minor">
+              <a:schemeClr val="lt1"/>
+            </a:fontRef>
+          </p:style>
+          <p:txBody>
+            <a:bodyPr rtlCol="0" anchor="ctr"/>
+            <a:lstStyle/>
+            <a:p>
+              <a:pPr algn="ctr"/>
+              <a:endParaRPr lang="fr-FR">
+                <a:solidFill>
+                  <a:schemeClr val="tx1"/>
+                </a:solidFill>
+                <a:latin typeface="Times" panose="02020603050405020304" pitchFamily="18" charset="0"/>
+                <a:cs typeface="Times" panose="02020603050405020304" pitchFamily="18" charset="0"/>
+              </a:endParaRPr>
+            </a:p>
+          </p:txBody>
+        </p:sp>
+        <p:sp>
+          <p:nvSpPr>
+            <p:cNvPr id="6" name="ZoneTexte 5"/>
+            <p:cNvSpPr txBox="1"/>
+            <p:nvPr/>
+          </p:nvSpPr>
+          <p:spPr>
+            <a:xfrm rot="16200000">
+              <a:off x="-1601896" y="2134051"/>
+              <a:ext cx="2408032" cy="584775"/>
+            </a:xfrm>
+            <a:prstGeom prst="rect">
+              <a:avLst/>
+            </a:prstGeom>
+            <a:noFill/>
+          </p:spPr>
+          <p:txBody>
+            <a:bodyPr wrap="none" rtlCol="0">
+              <a:spAutoFit/>
+            </a:bodyPr>
+            <a:lstStyle/>
+            <a:p>
+              <a:pPr algn="ctr"/>
+              <a:r>
+                <a:rPr lang="fr-FR" sz="3200" dirty="0" smtClean="0">
+                  <a:latin typeface="Times" panose="02020603050405020304" pitchFamily="18" charset="0"/>
+                  <a:cs typeface="Times" panose="02020603050405020304" pitchFamily="18" charset="0"/>
+                </a:rPr>
+                <a:t>2</a:t>
+              </a:r>
+              <a:r>
+                <a:rPr lang="fr-FR" sz="3200" i="1" dirty="0" smtClean="0">
+                  <a:latin typeface="Times" panose="02020603050405020304" pitchFamily="18" charset="0"/>
+                  <a:cs typeface="Times" panose="02020603050405020304" pitchFamily="18" charset="0"/>
+                </a:rPr>
+                <a:t> </a:t>
+              </a:r>
+              <a:r>
+                <a:rPr lang="fr-FR" sz="3200" dirty="0" smtClean="0">
+                  <a:latin typeface="Times" panose="02020603050405020304" pitchFamily="18" charset="0"/>
+                  <a:cs typeface="Times" panose="02020603050405020304" pitchFamily="18" charset="0"/>
+                </a:rPr>
+                <a:t>populations</a:t>
+              </a:r>
+              <a:endParaRPr lang="fr-FR" sz="3200" i="1" dirty="0">
+                <a:latin typeface="Times" panose="02020603050405020304" pitchFamily="18" charset="0"/>
+                <a:cs typeface="Times" panose="02020603050405020304" pitchFamily="18" charset="0"/>
+              </a:endParaRPr>
+            </a:p>
+          </p:txBody>
+        </p:sp>
+        <p:grpSp>
+          <p:nvGrpSpPr>
+            <p:cNvPr id="10" name="Grouper 6"/>
+            <p:cNvGrpSpPr/>
+            <p:nvPr/>
+          </p:nvGrpSpPr>
+          <p:grpSpPr>
+            <a:xfrm>
+              <a:off x="709968" y="1342252"/>
+              <a:ext cx="1789220" cy="974281"/>
+              <a:chOff x="709968" y="1342252"/>
+              <a:chExt cx="1789220" cy="974281"/>
+            </a:xfrm>
+          </p:grpSpPr>
+          <p:grpSp>
+            <p:nvGrpSpPr>
+              <p:cNvPr id="66" name="Grouper 4"/>
+              <p:cNvGrpSpPr/>
+              <p:nvPr/>
+            </p:nvGrpSpPr>
+            <p:grpSpPr>
+              <a:xfrm>
+                <a:off x="709968" y="1342252"/>
+                <a:ext cx="1789220" cy="406400"/>
+                <a:chOff x="709968" y="1342252"/>
+                <a:chExt cx="1789220" cy="406400"/>
+              </a:xfrm>
+            </p:grpSpPr>
+            <p:sp>
+              <p:nvSpPr>
+                <p:cNvPr id="70" name="Rectangle 69"/>
+                <p:cNvSpPr/>
+                <p:nvPr/>
+              </p:nvSpPr>
+              <p:spPr>
+                <a:xfrm>
+                  <a:off x="709968" y="1342252"/>
+                  <a:ext cx="1789220" cy="406400"/>
+                </a:xfrm>
+                <a:prstGeom prst="rect">
+                  <a:avLst/>
+                </a:prstGeom>
+                <a:noFill/>
+                <a:ln w="28575" cmpd="sng">
+                  <a:solidFill>
+                    <a:srgbClr val="0000FF"/>
+                  </a:solidFill>
+                </a:ln>
+                <a:effectLst/>
+              </p:spPr>
+              <p:style>
+                <a:lnRef idx="1">
+                  <a:schemeClr val="accent1"/>
+                </a:lnRef>
+                <a:fillRef idx="3">
+                  <a:schemeClr val="accent1"/>
+                </a:fillRef>
+                <a:effectRef idx="2">
+                  <a:schemeClr val="accent1"/>
+                </a:effectRef>
+                <a:fontRef idx="minor">
+                  <a:schemeClr val="lt1"/>
+                </a:fontRef>
+              </p:style>
+              <p:txBody>
+                <a:bodyPr rtlCol="0" anchor="ctr"/>
+                <a:lstStyle/>
+                <a:p>
+                  <a:pPr algn="ctr"/>
+                  <a:endParaRPr lang="fr-FR">
+                    <a:latin typeface="Times" panose="02020603050405020304" pitchFamily="18" charset="0"/>
+                    <a:cs typeface="Times" panose="02020603050405020304" pitchFamily="18" charset="0"/>
+                  </a:endParaRPr>
+                </a:p>
+              </p:txBody>
+            </p:sp>
+            <p:sp>
+              <p:nvSpPr>
+                <p:cNvPr id="71" name="ZoneTexte 70"/>
+                <p:cNvSpPr txBox="1"/>
+                <p:nvPr/>
+              </p:nvSpPr>
+              <p:spPr>
+                <a:xfrm>
+                  <a:off x="1938765" y="1342252"/>
+                  <a:ext cx="184730" cy="369332"/>
+                </a:xfrm>
+                <a:prstGeom prst="rect">
+                  <a:avLst/>
+                </a:prstGeom>
+                <a:noFill/>
+              </p:spPr>
+              <p:txBody>
+                <a:bodyPr wrap="none" rtlCol="0">
+                  <a:spAutoFit/>
+                </a:bodyPr>
+                <a:lstStyle/>
+                <a:p>
+                  <a:pPr algn="ctr"/>
+                  <a:endParaRPr lang="fr-FR" dirty="0">
+                    <a:solidFill>
+                      <a:srgbClr val="0000FF"/>
+                    </a:solidFill>
+                    <a:latin typeface="Times" panose="02020603050405020304" pitchFamily="18" charset="0"/>
+                    <a:cs typeface="Times" panose="02020603050405020304" pitchFamily="18" charset="0"/>
+                  </a:endParaRPr>
+                </a:p>
+              </p:txBody>
+            </p:sp>
+          </p:grpSp>
+          <p:grpSp>
+            <p:nvGrpSpPr>
+              <p:cNvPr id="67" name="Grouper 16"/>
+              <p:cNvGrpSpPr/>
+              <p:nvPr/>
+            </p:nvGrpSpPr>
+            <p:grpSpPr>
+              <a:xfrm>
+                <a:off x="709968" y="1910133"/>
+                <a:ext cx="1789220" cy="406400"/>
+                <a:chOff x="709968" y="1342252"/>
+                <a:chExt cx="1789220" cy="406400"/>
+              </a:xfrm>
+            </p:grpSpPr>
+            <p:sp>
+              <p:nvSpPr>
+                <p:cNvPr id="68" name="Rectangle 67"/>
+                <p:cNvSpPr/>
+                <p:nvPr/>
+              </p:nvSpPr>
+              <p:spPr>
+                <a:xfrm>
+                  <a:off x="709968" y="1342252"/>
+                  <a:ext cx="1789220" cy="406400"/>
+                </a:xfrm>
+                <a:prstGeom prst="rect">
+                  <a:avLst/>
+                </a:prstGeom>
+                <a:noFill/>
+                <a:ln w="28575" cmpd="sng">
+                  <a:solidFill>
+                    <a:srgbClr val="0000FF"/>
+                  </a:solidFill>
+                </a:ln>
+                <a:effectLst/>
+              </p:spPr>
+              <p:style>
+                <a:lnRef idx="1">
+                  <a:schemeClr val="accent1"/>
+                </a:lnRef>
+                <a:fillRef idx="3">
+                  <a:schemeClr val="accent1"/>
+                </a:fillRef>
+                <a:effectRef idx="2">
+                  <a:schemeClr val="accent1"/>
+                </a:effectRef>
+                <a:fontRef idx="minor">
+                  <a:schemeClr val="lt1"/>
+                </a:fontRef>
+              </p:style>
+              <p:txBody>
+                <a:bodyPr rtlCol="0" anchor="ctr"/>
+                <a:lstStyle/>
+                <a:p>
+                  <a:pPr algn="ctr"/>
+                  <a:endParaRPr lang="fr-FR">
+                    <a:latin typeface="Times" panose="02020603050405020304" pitchFamily="18" charset="0"/>
+                    <a:cs typeface="Times" panose="02020603050405020304" pitchFamily="18" charset="0"/>
+                  </a:endParaRPr>
+                </a:p>
+              </p:txBody>
+            </p:sp>
+            <p:sp>
+              <p:nvSpPr>
+                <p:cNvPr id="69" name="ZoneTexte 68"/>
+                <p:cNvSpPr txBox="1"/>
+                <p:nvPr/>
+              </p:nvSpPr>
+              <p:spPr>
+                <a:xfrm>
+                  <a:off x="1938765" y="1342252"/>
+                  <a:ext cx="184730" cy="369332"/>
+                </a:xfrm>
+                <a:prstGeom prst="rect">
+                  <a:avLst/>
+                </a:prstGeom>
+                <a:noFill/>
+              </p:spPr>
+              <p:txBody>
+                <a:bodyPr wrap="none" rtlCol="0">
+                  <a:spAutoFit/>
+                </a:bodyPr>
+                <a:lstStyle/>
+                <a:p>
+                  <a:pPr algn="ctr"/>
+                  <a:endParaRPr lang="fr-FR" dirty="0">
+                    <a:solidFill>
+                      <a:srgbClr val="0000FF"/>
+                    </a:solidFill>
+                    <a:latin typeface="Times" panose="02020603050405020304" pitchFamily="18" charset="0"/>
+                    <a:cs typeface="Times" panose="02020603050405020304" pitchFamily="18" charset="0"/>
+                  </a:endParaRPr>
+                </a:p>
+              </p:txBody>
+            </p:sp>
+          </p:grpSp>
+        </p:grpSp>
+        <p:sp>
+          <p:nvSpPr>
+            <p:cNvPr id="15" name="ZoneTexte 14"/>
+            <p:cNvSpPr txBox="1"/>
+            <p:nvPr/>
+          </p:nvSpPr>
+          <p:spPr>
+            <a:xfrm>
+              <a:off x="85977" y="557883"/>
+              <a:ext cx="3072333" cy="584775"/>
+            </a:xfrm>
+            <a:prstGeom prst="rect">
+              <a:avLst/>
+            </a:prstGeom>
+            <a:noFill/>
+          </p:spPr>
+          <p:txBody>
+            <a:bodyPr wrap="square" rtlCol="0">
+              <a:spAutoFit/>
+            </a:bodyPr>
+            <a:lstStyle/>
+            <a:p>
+              <a:pPr algn="ctr"/>
+              <a:r>
+                <a:rPr lang="fr-FR" sz="3200" dirty="0">
+                  <a:latin typeface="Times" panose="02020603050405020304" pitchFamily="18" charset="0"/>
+                  <a:cs typeface="Times" panose="02020603050405020304" pitchFamily="18" charset="0"/>
+                </a:rPr>
+                <a:t>2</a:t>
+              </a:r>
+              <a:r>
+                <a:rPr lang="fr-FR" sz="3200" dirty="0" smtClean="0">
+                  <a:latin typeface="Times" panose="02020603050405020304" pitchFamily="18" charset="0"/>
+                  <a:cs typeface="Times" panose="02020603050405020304" pitchFamily="18" charset="0"/>
+                </a:rPr>
+                <a:t> </a:t>
+              </a:r>
+              <a:r>
+                <a:rPr lang="fr-FR" sz="3200" dirty="0" err="1" smtClean="0">
+                  <a:latin typeface="Times" panose="02020603050405020304" pitchFamily="18" charset="0"/>
+                  <a:cs typeface="Times" panose="02020603050405020304" pitchFamily="18" charset="0"/>
+                </a:rPr>
+                <a:t>loci</a:t>
+              </a:r>
+              <a:endParaRPr lang="fr-FR" sz="3200" dirty="0">
+                <a:latin typeface="Times" panose="02020603050405020304" pitchFamily="18" charset="0"/>
+                <a:cs typeface="Times" panose="02020603050405020304" pitchFamily="18" charset="0"/>
+              </a:endParaRPr>
+            </a:p>
+          </p:txBody>
+        </p:sp>
+        <p:grpSp>
+          <p:nvGrpSpPr>
+            <p:cNvPr id="16" name="Grouper 47"/>
+            <p:cNvGrpSpPr/>
+            <p:nvPr/>
+          </p:nvGrpSpPr>
+          <p:grpSpPr>
+            <a:xfrm>
+              <a:off x="704480" y="3047715"/>
+              <a:ext cx="1789220" cy="459587"/>
+              <a:chOff x="689360" y="219028"/>
+              <a:chExt cx="1789220" cy="459587"/>
+            </a:xfrm>
+          </p:grpSpPr>
+          <p:sp>
+            <p:nvSpPr>
+              <p:cNvPr id="52" name="Rectangle 51"/>
+              <p:cNvSpPr/>
+              <p:nvPr/>
+            </p:nvSpPr>
+            <p:spPr>
+              <a:xfrm>
+                <a:off x="689360" y="219028"/>
+                <a:ext cx="1789220" cy="406400"/>
+              </a:xfrm>
+              <a:prstGeom prst="rect">
+                <a:avLst/>
+              </a:prstGeom>
+              <a:noFill/>
+              <a:ln w="28575" cmpd="sng">
+                <a:solidFill>
+                  <a:srgbClr val="00B050"/>
+                </a:solidFill>
+              </a:ln>
+              <a:effectLst/>
+            </p:spPr>
+            <p:style>
+              <a:lnRef idx="1">
+                <a:schemeClr val="accent1"/>
+              </a:lnRef>
+              <a:fillRef idx="3">
+                <a:schemeClr val="accent1"/>
+              </a:fillRef>
+              <a:effectRef idx="2">
+                <a:schemeClr val="accent1"/>
+              </a:effectRef>
+              <a:fontRef idx="minor">
+                <a:schemeClr val="lt1"/>
+              </a:fontRef>
+            </p:style>
+            <p:txBody>
+              <a:bodyPr rtlCol="0" anchor="ctr"/>
+              <a:lstStyle/>
+              <a:p>
+                <a:pPr algn="ctr"/>
+                <a:endParaRPr lang="fr-FR">
+                  <a:latin typeface="Times" panose="02020603050405020304" pitchFamily="18" charset="0"/>
+                  <a:cs typeface="Times" panose="02020603050405020304" pitchFamily="18" charset="0"/>
+                </a:endParaRPr>
+              </a:p>
+            </p:txBody>
+          </p:sp>
+          <p:sp>
+            <p:nvSpPr>
+              <p:cNvPr id="53" name="ZoneTexte 52"/>
+              <p:cNvSpPr txBox="1"/>
+              <p:nvPr/>
+            </p:nvSpPr>
+            <p:spPr>
+              <a:xfrm>
+                <a:off x="1926527" y="309283"/>
+                <a:ext cx="184730" cy="369332"/>
+              </a:xfrm>
+              <a:prstGeom prst="rect">
+                <a:avLst/>
+              </a:prstGeom>
+              <a:noFill/>
+            </p:spPr>
+            <p:txBody>
+              <a:bodyPr wrap="none" rtlCol="0">
+                <a:spAutoFit/>
+              </a:bodyPr>
+              <a:lstStyle/>
+              <a:p>
+                <a:pPr algn="ctr"/>
+                <a:endParaRPr lang="fr-FR" dirty="0">
+                  <a:solidFill>
+                    <a:srgbClr val="0000FF"/>
+                  </a:solidFill>
+                  <a:latin typeface="Times" panose="02020603050405020304" pitchFamily="18" charset="0"/>
+                  <a:cs typeface="Times" panose="02020603050405020304" pitchFamily="18" charset="0"/>
+                </a:endParaRPr>
+              </a:p>
+            </p:txBody>
+          </p:sp>
+        </p:grpSp>
+      </p:grpSp>
+      <p:sp>
+        <p:nvSpPr>
+          <p:cNvPr id="75" name="Rectangle 74"/>
+          <p:cNvSpPr/>
+          <p:nvPr/>
+        </p:nvSpPr>
+        <p:spPr>
+          <a:xfrm>
+            <a:off x="1519584" y="2020814"/>
+            <a:ext cx="1789220" cy="406400"/>
+          </a:xfrm>
+          <a:prstGeom prst="rect">
+            <a:avLst/>
+          </a:prstGeom>
+          <a:noFill/>
+          <a:ln w="28575" cmpd="sng">
+            <a:solidFill>
+              <a:srgbClr val="00B050"/>
+            </a:solidFill>
+          </a:ln>
+          <a:effectLst/>
+        </p:spPr>
+        <p:style>
+          <a:lnRef idx="1">
+            <a:schemeClr val="accent1"/>
+          </a:lnRef>
+          <a:fillRef idx="3">
+            <a:schemeClr val="accent1"/>
+          </a:fillRef>
+          <a:effectRef idx="2">
+            <a:schemeClr val="accent1"/>
+          </a:effectRef>
+          <a:fontRef idx="minor">
+            <a:schemeClr val="lt1"/>
+          </a:fontRef>
+        </p:style>
+        <p:txBody>
+          <a:bodyPr rtlCol="0" anchor="ctr"/>
+          <a:lstStyle/>
+          <a:p>
+            <a:pPr algn="ctr"/>
+            <a:endParaRPr lang="fr-FR">
+              <a:latin typeface="Times" panose="02020603050405020304" pitchFamily="18" charset="0"/>
+              <a:cs typeface="Times" panose="02020603050405020304" pitchFamily="18" charset="0"/>
+            </a:endParaRPr>
+          </a:p>
+        </p:txBody>
+      </p:sp>
+      <p:sp>
+        <p:nvSpPr>
+          <p:cNvPr id="76" name="ZoneTexte 75"/>
+          <p:cNvSpPr txBox="1"/>
+          <p:nvPr/>
+        </p:nvSpPr>
+        <p:spPr>
+          <a:xfrm>
+            <a:off x="1200933" y="3293433"/>
+            <a:ext cx="2279038" cy="584776"/>
+          </a:xfrm>
+          <a:prstGeom prst="rect">
+            <a:avLst/>
+          </a:prstGeom>
+          <a:noFill/>
+        </p:spPr>
+        <p:txBody>
+          <a:bodyPr wrap="square" rtlCol="0">
+            <a:spAutoFit/>
+          </a:bodyPr>
+          <a:lstStyle/>
+          <a:p>
+            <a:pPr algn="ctr"/>
+            <a:r>
+              <a:rPr lang="fr-FR" sz="3200" dirty="0" smtClean="0">
+                <a:latin typeface="Times" panose="02020603050405020304" pitchFamily="18" charset="0"/>
+                <a:cs typeface="Times" panose="02020603050405020304" pitchFamily="18" charset="0"/>
+              </a:rPr>
+              <a:t>1</a:t>
+            </a:r>
+            <a:r>
+              <a:rPr lang="fr-FR" sz="3200" baseline="30000" dirty="0" smtClean="0">
+                <a:latin typeface="Times" panose="02020603050405020304" pitchFamily="18" charset="0"/>
+                <a:cs typeface="Times" panose="02020603050405020304" pitchFamily="18" charset="0"/>
+              </a:rPr>
+              <a:t>st</a:t>
+            </a:r>
+            <a:r>
+              <a:rPr lang="fr-FR" sz="3200" dirty="0" smtClean="0">
+                <a:latin typeface="Times" panose="02020603050405020304" pitchFamily="18" charset="0"/>
+                <a:cs typeface="Times" panose="02020603050405020304" pitchFamily="18" charset="0"/>
+              </a:rPr>
+              <a:t> </a:t>
+            </a:r>
+            <a:r>
+              <a:rPr lang="fr-FR" sz="3200" dirty="0" err="1" smtClean="0">
+                <a:latin typeface="Times" panose="02020603050405020304" pitchFamily="18" charset="0"/>
+                <a:cs typeface="Times" panose="02020603050405020304" pitchFamily="18" charset="0"/>
+              </a:rPr>
+              <a:t>s</a:t>
+            </a:r>
+            <a:r>
+              <a:rPr lang="fr-FR" sz="3200" dirty="0" err="1" smtClean="0">
+                <a:latin typeface="Times" panose="02020603050405020304" pitchFamily="18" charset="0"/>
+                <a:cs typeface="Times" panose="02020603050405020304" pitchFamily="18" charset="0"/>
+              </a:rPr>
+              <a:t>ampling</a:t>
+            </a:r>
+            <a:endParaRPr lang="fr-FR" sz="3200" b="1" dirty="0">
+              <a:latin typeface="Times" panose="02020603050405020304" pitchFamily="18" charset="0"/>
+              <a:cs typeface="Times" panose="02020603050405020304" pitchFamily="18" charset="0"/>
+            </a:endParaRPr>
+          </a:p>
+        </p:txBody>
+      </p:sp>
+      <p:sp>
+        <p:nvSpPr>
+          <p:cNvPr id="77" name="ZoneTexte 76"/>
+          <p:cNvSpPr txBox="1"/>
+          <p:nvPr/>
+        </p:nvSpPr>
+        <p:spPr>
+          <a:xfrm>
+            <a:off x="1634693" y="900779"/>
+            <a:ext cx="499290" cy="369332"/>
+          </a:xfrm>
+          <a:prstGeom prst="rect">
+            <a:avLst/>
+          </a:prstGeom>
+          <a:noFill/>
+        </p:spPr>
+        <p:txBody>
+          <a:bodyPr wrap="square" rtlCol="0">
+            <a:spAutoFit/>
+          </a:bodyPr>
+          <a:lstStyle/>
+          <a:p>
+            <a:r>
+              <a:rPr lang="fr-CA" dirty="0" smtClean="0">
+                <a:latin typeface="Times" panose="02020603050405020304" pitchFamily="18" charset="0"/>
+                <a:cs typeface="Times" panose="02020603050405020304" pitchFamily="18" charset="0"/>
+              </a:rPr>
+              <a:t>a/a</a:t>
+            </a:r>
+            <a:endParaRPr lang="en-US" dirty="0">
+              <a:latin typeface="Times" panose="02020603050405020304" pitchFamily="18" charset="0"/>
+              <a:cs typeface="Times" panose="02020603050405020304" pitchFamily="18" charset="0"/>
+            </a:endParaRPr>
+          </a:p>
+        </p:txBody>
+      </p:sp>
+      <p:sp>
+        <p:nvSpPr>
+          <p:cNvPr id="78" name="ZoneTexte 77"/>
+          <p:cNvSpPr txBox="1"/>
+          <p:nvPr/>
+        </p:nvSpPr>
+        <p:spPr>
+          <a:xfrm>
+            <a:off x="1634693" y="2039348"/>
+            <a:ext cx="499290" cy="369332"/>
+          </a:xfrm>
+          <a:prstGeom prst="rect">
+            <a:avLst/>
+          </a:prstGeom>
+          <a:noFill/>
+        </p:spPr>
+        <p:txBody>
+          <a:bodyPr wrap="square" rtlCol="0">
+            <a:spAutoFit/>
+          </a:bodyPr>
+          <a:lstStyle/>
+          <a:p>
+            <a:r>
+              <a:rPr lang="fr-CA" dirty="0" smtClean="0">
+                <a:latin typeface="Times" panose="02020603050405020304" pitchFamily="18" charset="0"/>
+                <a:cs typeface="Times" panose="02020603050405020304" pitchFamily="18" charset="0"/>
+              </a:rPr>
+              <a:t>a/c</a:t>
+            </a:r>
+            <a:endParaRPr lang="en-US" dirty="0">
+              <a:latin typeface="Times" panose="02020603050405020304" pitchFamily="18" charset="0"/>
+              <a:cs typeface="Times" panose="02020603050405020304" pitchFamily="18" charset="0"/>
+            </a:endParaRPr>
+          </a:p>
+        </p:txBody>
+      </p:sp>
+      <p:sp>
+        <p:nvSpPr>
+          <p:cNvPr id="79" name="ZoneTexte 78"/>
+          <p:cNvSpPr txBox="1"/>
+          <p:nvPr/>
+        </p:nvSpPr>
+        <p:spPr>
+          <a:xfrm>
+            <a:off x="1633679" y="1470557"/>
+            <a:ext cx="499290" cy="369332"/>
+          </a:xfrm>
+          <a:prstGeom prst="rect">
+            <a:avLst/>
+          </a:prstGeom>
+          <a:noFill/>
+        </p:spPr>
+        <p:txBody>
+          <a:bodyPr wrap="square" rtlCol="0">
+            <a:spAutoFit/>
+          </a:bodyPr>
+          <a:lstStyle/>
+          <a:p>
+            <a:r>
+              <a:rPr lang="fr-CA" dirty="0" smtClean="0">
+                <a:latin typeface="Times" panose="02020603050405020304" pitchFamily="18" charset="0"/>
+                <a:cs typeface="Times" panose="02020603050405020304" pitchFamily="18" charset="0"/>
+              </a:rPr>
+              <a:t>b/a</a:t>
+            </a:r>
+            <a:endParaRPr lang="en-US" dirty="0">
+              <a:latin typeface="Times" panose="02020603050405020304" pitchFamily="18" charset="0"/>
+              <a:cs typeface="Times" panose="02020603050405020304" pitchFamily="18" charset="0"/>
+            </a:endParaRPr>
+          </a:p>
+        </p:txBody>
+      </p:sp>
+      <p:sp>
+        <p:nvSpPr>
+          <p:cNvPr id="80" name="ZoneTexte 79"/>
+          <p:cNvSpPr txBox="1"/>
+          <p:nvPr/>
+        </p:nvSpPr>
+        <p:spPr>
+          <a:xfrm>
+            <a:off x="1636701" y="2612528"/>
+            <a:ext cx="499290" cy="369332"/>
+          </a:xfrm>
+          <a:prstGeom prst="rect">
+            <a:avLst/>
+          </a:prstGeom>
+          <a:noFill/>
+        </p:spPr>
+        <p:txBody>
+          <a:bodyPr wrap="square" rtlCol="0">
+            <a:spAutoFit/>
+          </a:bodyPr>
+          <a:lstStyle/>
+          <a:p>
+            <a:r>
+              <a:rPr lang="fr-CA" dirty="0" smtClean="0">
+                <a:latin typeface="Times" panose="02020603050405020304" pitchFamily="18" charset="0"/>
+                <a:cs typeface="Times" panose="02020603050405020304" pitchFamily="18" charset="0"/>
+              </a:rPr>
+              <a:t>b/c</a:t>
+            </a:r>
+            <a:endParaRPr lang="en-US" dirty="0">
+              <a:latin typeface="Times" panose="02020603050405020304" pitchFamily="18" charset="0"/>
+              <a:cs typeface="Times" panose="02020603050405020304" pitchFamily="18" charset="0"/>
+            </a:endParaRPr>
+          </a:p>
+        </p:txBody>
+      </p:sp>
+      <p:sp>
+        <p:nvSpPr>
+          <p:cNvPr id="81" name="ZoneTexte 80"/>
+          <p:cNvSpPr txBox="1"/>
+          <p:nvPr/>
+        </p:nvSpPr>
+        <p:spPr>
+          <a:xfrm>
+            <a:off x="2683466" y="906554"/>
+            <a:ext cx="499290" cy="369332"/>
+          </a:xfrm>
+          <a:prstGeom prst="rect">
+            <a:avLst/>
+          </a:prstGeom>
+          <a:noFill/>
+        </p:spPr>
+        <p:txBody>
+          <a:bodyPr wrap="square" rtlCol="0">
+            <a:spAutoFit/>
+          </a:bodyPr>
+          <a:lstStyle/>
+          <a:p>
+            <a:r>
+              <a:rPr lang="fr-CA" dirty="0">
+                <a:latin typeface="Times" panose="02020603050405020304" pitchFamily="18" charset="0"/>
+                <a:cs typeface="Times" panose="02020603050405020304" pitchFamily="18" charset="0"/>
+              </a:rPr>
+              <a:t>c</a:t>
+            </a:r>
+            <a:r>
+              <a:rPr lang="fr-CA" dirty="0" smtClean="0">
+                <a:latin typeface="Times" panose="02020603050405020304" pitchFamily="18" charset="0"/>
+                <a:cs typeface="Times" panose="02020603050405020304" pitchFamily="18" charset="0"/>
+              </a:rPr>
+              <a:t>/a</a:t>
+            </a:r>
+            <a:endParaRPr lang="en-US" dirty="0">
+              <a:latin typeface="Times" panose="02020603050405020304" pitchFamily="18" charset="0"/>
+              <a:cs typeface="Times" panose="02020603050405020304" pitchFamily="18" charset="0"/>
+            </a:endParaRPr>
+          </a:p>
+        </p:txBody>
+      </p:sp>
+      <p:sp>
+        <p:nvSpPr>
+          <p:cNvPr id="82" name="ZoneTexte 81"/>
+          <p:cNvSpPr txBox="1"/>
+          <p:nvPr/>
+        </p:nvSpPr>
+        <p:spPr>
+          <a:xfrm>
+            <a:off x="2683466" y="2045123"/>
+            <a:ext cx="499290" cy="369332"/>
+          </a:xfrm>
+          <a:prstGeom prst="rect">
+            <a:avLst/>
+          </a:prstGeom>
+          <a:noFill/>
+        </p:spPr>
+        <p:txBody>
+          <a:bodyPr wrap="square" rtlCol="0">
+            <a:spAutoFit/>
+          </a:bodyPr>
+          <a:lstStyle/>
+          <a:p>
+            <a:r>
+              <a:rPr lang="fr-CA" dirty="0" smtClean="0">
+                <a:latin typeface="Times" panose="02020603050405020304" pitchFamily="18" charset="0"/>
+                <a:cs typeface="Times" panose="02020603050405020304" pitchFamily="18" charset="0"/>
+              </a:rPr>
+              <a:t>d/a</a:t>
+            </a:r>
+            <a:endParaRPr lang="en-US" dirty="0">
+              <a:latin typeface="Times" panose="02020603050405020304" pitchFamily="18" charset="0"/>
+              <a:cs typeface="Times" panose="02020603050405020304" pitchFamily="18" charset="0"/>
+            </a:endParaRPr>
+          </a:p>
+        </p:txBody>
+      </p:sp>
+      <p:sp>
+        <p:nvSpPr>
+          <p:cNvPr id="83" name="ZoneTexte 82"/>
+          <p:cNvSpPr txBox="1"/>
+          <p:nvPr/>
+        </p:nvSpPr>
+        <p:spPr>
+          <a:xfrm>
+            <a:off x="2682452" y="1476332"/>
+            <a:ext cx="499290" cy="369332"/>
+          </a:xfrm>
+          <a:prstGeom prst="rect">
+            <a:avLst/>
+          </a:prstGeom>
+          <a:noFill/>
+        </p:spPr>
+        <p:txBody>
+          <a:bodyPr wrap="square" rtlCol="0">
+            <a:spAutoFit/>
+          </a:bodyPr>
+          <a:lstStyle/>
+          <a:p>
+            <a:r>
+              <a:rPr lang="fr-CA" dirty="0" smtClean="0">
+                <a:latin typeface="Times" panose="02020603050405020304" pitchFamily="18" charset="0"/>
+                <a:cs typeface="Times" panose="02020603050405020304" pitchFamily="18" charset="0"/>
+              </a:rPr>
+              <a:t>c/b</a:t>
+            </a:r>
+            <a:endParaRPr lang="en-US" dirty="0">
+              <a:latin typeface="Times" panose="02020603050405020304" pitchFamily="18" charset="0"/>
+              <a:cs typeface="Times" panose="02020603050405020304" pitchFamily="18" charset="0"/>
+            </a:endParaRPr>
+          </a:p>
+        </p:txBody>
+      </p:sp>
+      <p:sp>
+        <p:nvSpPr>
+          <p:cNvPr id="84" name="ZoneTexte 83"/>
+          <p:cNvSpPr txBox="1"/>
+          <p:nvPr/>
+        </p:nvSpPr>
+        <p:spPr>
+          <a:xfrm>
+            <a:off x="2685474" y="2618303"/>
+            <a:ext cx="499290" cy="369332"/>
+          </a:xfrm>
+          <a:prstGeom prst="rect">
+            <a:avLst/>
+          </a:prstGeom>
+          <a:noFill/>
+        </p:spPr>
+        <p:txBody>
+          <a:bodyPr wrap="square" rtlCol="0">
+            <a:spAutoFit/>
+          </a:bodyPr>
+          <a:lstStyle/>
+          <a:p>
+            <a:r>
+              <a:rPr lang="fr-CA" dirty="0" smtClean="0">
+                <a:latin typeface="Times" panose="02020603050405020304" pitchFamily="18" charset="0"/>
+                <a:cs typeface="Times" panose="02020603050405020304" pitchFamily="18" charset="0"/>
+              </a:rPr>
+              <a:t>d/c</a:t>
+            </a:r>
+            <a:endParaRPr lang="en-US" dirty="0">
+              <a:latin typeface="Times" panose="02020603050405020304" pitchFamily="18" charset="0"/>
+              <a:cs typeface="Times" panose="02020603050405020304" pitchFamily="18" charset="0"/>
+            </a:endParaRPr>
+          </a:p>
+        </p:txBody>
+      </p:sp>
+      <p:sp>
+        <p:nvSpPr>
+          <p:cNvPr id="85" name="ZoneTexte 84"/>
+          <p:cNvSpPr txBox="1"/>
+          <p:nvPr/>
+        </p:nvSpPr>
+        <p:spPr>
+          <a:xfrm rot="16200000">
+            <a:off x="119547" y="1738407"/>
+            <a:ext cx="1701107" cy="461665"/>
+          </a:xfrm>
+          <a:prstGeom prst="rect">
+            <a:avLst/>
+          </a:prstGeom>
+          <a:noFill/>
+        </p:spPr>
+        <p:txBody>
+          <a:bodyPr wrap="none" rtlCol="0">
+            <a:spAutoFit/>
+          </a:bodyPr>
+          <a:lstStyle/>
+          <a:p>
+            <a:pPr algn="ctr"/>
+            <a:r>
+              <a:rPr lang="fr-FR" sz="2400" dirty="0" smtClean="0">
+                <a:latin typeface="Times" panose="02020603050405020304" pitchFamily="18" charset="0"/>
+                <a:cs typeface="Times" panose="02020603050405020304" pitchFamily="18" charset="0"/>
+              </a:rPr>
+              <a:t>(</a:t>
+            </a:r>
+            <a:r>
+              <a:rPr lang="fr-FR" sz="2000" dirty="0" smtClean="0">
+                <a:latin typeface="Times" panose="02020603050405020304" pitchFamily="18" charset="0"/>
+                <a:cs typeface="Times" panose="02020603050405020304" pitchFamily="18" charset="0"/>
+              </a:rPr>
+              <a:t>4</a:t>
+            </a:r>
+            <a:r>
+              <a:rPr lang="fr-FR" sz="2000" i="1" dirty="0" smtClean="0">
+                <a:latin typeface="Times" panose="02020603050405020304" pitchFamily="18" charset="0"/>
+                <a:cs typeface="Times" panose="02020603050405020304" pitchFamily="18" charset="0"/>
+              </a:rPr>
+              <a:t> </a:t>
+            </a:r>
+            <a:r>
+              <a:rPr lang="fr-FR" sz="2000" dirty="0" err="1" smtClean="0">
+                <a:latin typeface="Times" panose="02020603050405020304" pitchFamily="18" charset="0"/>
+                <a:cs typeface="Times" panose="02020603050405020304" pitchFamily="18" charset="0"/>
+              </a:rPr>
+              <a:t>individual</a:t>
+            </a:r>
+            <a:r>
+              <a:rPr lang="fr-FR" sz="2000" dirty="0" err="1" smtClean="0">
+                <a:latin typeface="Times" panose="02020603050405020304" pitchFamily="18" charset="0"/>
+                <a:cs typeface="Times" panose="02020603050405020304" pitchFamily="18" charset="0"/>
+              </a:rPr>
+              <a:t>s</a:t>
+            </a:r>
+            <a:r>
+              <a:rPr lang="fr-FR" sz="2000" dirty="0" smtClean="0">
+                <a:latin typeface="Times" panose="02020603050405020304" pitchFamily="18" charset="0"/>
+                <a:cs typeface="Times" panose="02020603050405020304" pitchFamily="18" charset="0"/>
+              </a:rPr>
+              <a:t>)</a:t>
+            </a:r>
+            <a:endParaRPr lang="fr-FR" sz="2000" i="1" dirty="0">
+              <a:latin typeface="Times" panose="02020603050405020304" pitchFamily="18" charset="0"/>
+              <a:cs typeface="Times" panose="02020603050405020304" pitchFamily="18" charset="0"/>
+            </a:endParaRPr>
+          </a:p>
+        </p:txBody>
+      </p:sp>
+      <p:cxnSp>
+        <p:nvCxnSpPr>
+          <p:cNvPr id="89" name="Connecteur droit 88"/>
+          <p:cNvCxnSpPr/>
+          <p:nvPr/>
+        </p:nvCxnSpPr>
+        <p:spPr>
+          <a:xfrm>
+            <a:off x="3479912" y="1969238"/>
+            <a:ext cx="432262" cy="0"/>
+          </a:xfrm>
+          <a:prstGeom prst="line">
+            <a:avLst/>
+          </a:prstGeom>
+          <a:ln w="28575">
+            <a:solidFill>
+              <a:schemeClr val="tx1"/>
+            </a:solidFill>
+          </a:ln>
+        </p:spPr>
+        <p:style>
+          <a:lnRef idx="1">
+            <a:schemeClr val="dk1"/>
+          </a:lnRef>
+          <a:fillRef idx="0">
+            <a:schemeClr val="dk1"/>
+          </a:fillRef>
+          <a:effectRef idx="0">
+            <a:schemeClr val="dk1"/>
+          </a:effectRef>
+          <a:fontRef idx="minor">
+            <a:schemeClr val="tx1"/>
+          </a:fontRef>
+        </p:style>
+      </p:cxnSp>
+      <p:cxnSp>
+        <p:nvCxnSpPr>
+          <p:cNvPr id="104" name="Connecteur droit avec flèche 103"/>
+          <p:cNvCxnSpPr/>
+          <p:nvPr/>
+        </p:nvCxnSpPr>
+        <p:spPr>
+          <a:xfrm>
+            <a:off x="5200644" y="1969238"/>
+            <a:ext cx="465513" cy="0"/>
+          </a:xfrm>
+          <a:prstGeom prst="straightConnector1">
+            <a:avLst/>
+          </a:prstGeom>
+          <a:ln w="28575">
+            <a:tailEnd type="triangle"/>
+          </a:ln>
+        </p:spPr>
+        <p:style>
+          <a:lnRef idx="1">
+            <a:schemeClr val="dk1"/>
+          </a:lnRef>
+          <a:fillRef idx="0">
+            <a:schemeClr val="dk1"/>
+          </a:fillRef>
+          <a:effectRef idx="0">
+            <a:schemeClr val="dk1"/>
+          </a:effectRef>
+          <a:fontRef idx="minor">
+            <a:schemeClr val="tx1"/>
+          </a:fontRef>
+        </p:style>
+      </p:cxnSp>
+      <p:sp>
+        <p:nvSpPr>
+          <p:cNvPr id="105" name="ZoneTexte 104"/>
+          <p:cNvSpPr txBox="1"/>
+          <p:nvPr/>
+        </p:nvSpPr>
+        <p:spPr>
+          <a:xfrm>
+            <a:off x="3884796" y="1499965"/>
+            <a:ext cx="1523670" cy="2308324"/>
+          </a:xfrm>
+          <a:prstGeom prst="rect">
+            <a:avLst/>
+          </a:prstGeom>
+          <a:noFill/>
+        </p:spPr>
+        <p:txBody>
+          <a:bodyPr wrap="square" rtlCol="0">
+            <a:spAutoFit/>
+          </a:bodyPr>
+          <a:lstStyle/>
+          <a:p>
+            <a:r>
+              <a:rPr lang="fr-CA" dirty="0" err="1" smtClean="0"/>
+              <a:t>Genotype</a:t>
+            </a:r>
+            <a:r>
+              <a:rPr lang="fr-CA" dirty="0" smtClean="0"/>
+              <a:t> permutation per locus</a:t>
+            </a:r>
+          </a:p>
+          <a:p>
+            <a:endParaRPr lang="fr-CA" dirty="0" smtClean="0"/>
+          </a:p>
+          <a:p>
+            <a:r>
+              <a:rPr lang="fr-CA" u="sng" dirty="0" err="1" smtClean="0"/>
+              <a:t>Randomized</a:t>
+            </a:r>
+            <a:r>
+              <a:rPr lang="fr-CA" u="sng" dirty="0" smtClean="0"/>
+              <a:t> </a:t>
+            </a:r>
+            <a:r>
+              <a:rPr lang="fr-CA" u="sng" dirty="0"/>
+              <a:t>i</a:t>
+            </a:r>
+            <a:r>
+              <a:rPr lang="fr-CA" u="sng" dirty="0" smtClean="0"/>
+              <a:t>ndices:</a:t>
+            </a:r>
+          </a:p>
+          <a:p>
+            <a:r>
+              <a:rPr lang="fr-CA" i="1" dirty="0" smtClean="0"/>
+              <a:t>L</a:t>
+            </a:r>
+            <a:r>
+              <a:rPr lang="fr-CA" i="1" baseline="-25000" dirty="0" smtClean="0"/>
+              <a:t>1</a:t>
+            </a:r>
+            <a:r>
+              <a:rPr lang="fr-CA" i="1" dirty="0" smtClean="0"/>
+              <a:t> </a:t>
+            </a:r>
+            <a:r>
+              <a:rPr lang="fr-CA" dirty="0" smtClean="0"/>
+              <a:t>(3, 1, 4, 2)</a:t>
+            </a:r>
+          </a:p>
+          <a:p>
+            <a:r>
+              <a:rPr lang="fr-CA" i="1" dirty="0" smtClean="0"/>
+              <a:t>L</a:t>
+            </a:r>
+            <a:r>
+              <a:rPr lang="fr-CA" i="1" baseline="-25000" dirty="0" smtClean="0"/>
+              <a:t>2</a:t>
+            </a:r>
+            <a:r>
+              <a:rPr lang="fr-CA" i="1" dirty="0" smtClean="0"/>
+              <a:t> </a:t>
+            </a:r>
+            <a:r>
+              <a:rPr lang="fr-CA" dirty="0" smtClean="0"/>
+              <a:t>(4, 2, 1, 3)</a:t>
+            </a:r>
+            <a:endParaRPr lang="en-US" i="1" dirty="0"/>
+          </a:p>
+        </p:txBody>
+      </p:sp>
+      <p:sp>
+        <p:nvSpPr>
+          <p:cNvPr id="142" name="Rectangle 141"/>
+          <p:cNvSpPr/>
+          <p:nvPr/>
+        </p:nvSpPr>
+        <p:spPr>
+          <a:xfrm>
+            <a:off x="5720832" y="775849"/>
+            <a:ext cx="2016055" cy="2358869"/>
+          </a:xfrm>
+          <a:prstGeom prst="rect">
+            <a:avLst/>
+          </a:prstGeom>
+          <a:solidFill>
+            <a:schemeClr val="bg1"/>
+          </a:solidFill>
+          <a:ln>
+            <a:solidFill>
+              <a:schemeClr val="tx1"/>
+            </a:solidFill>
+          </a:ln>
+          <a:effectLst/>
+        </p:spPr>
+        <p:style>
+          <a:lnRef idx="1">
+            <a:schemeClr val="accent1"/>
+          </a:lnRef>
+          <a:fillRef idx="3">
+            <a:schemeClr val="accent1"/>
+          </a:fillRef>
+          <a:effectRef idx="2">
+            <a:schemeClr val="accent1"/>
+          </a:effectRef>
+          <a:fontRef idx="minor">
+            <a:schemeClr val="lt1"/>
+          </a:fontRef>
+        </p:style>
+        <p:txBody>
+          <a:bodyPr rtlCol="0" anchor="ctr"/>
+          <a:lstStyle/>
+          <a:p>
+            <a:pPr algn="ctr"/>
+            <a:endParaRPr lang="fr-FR">
+              <a:solidFill>
+                <a:schemeClr val="tx1"/>
+              </a:solidFill>
+              <a:latin typeface="Times" panose="02020603050405020304" pitchFamily="18" charset="0"/>
+              <a:cs typeface="Times" panose="02020603050405020304" pitchFamily="18" charset="0"/>
+            </a:endParaRPr>
+          </a:p>
+        </p:txBody>
+      </p:sp>
+      <p:sp>
+        <p:nvSpPr>
+          <p:cNvPr id="143" name="Rectangle 142"/>
+          <p:cNvSpPr/>
+          <p:nvPr/>
+        </p:nvSpPr>
+        <p:spPr>
+          <a:xfrm>
+            <a:off x="5836656" y="2040209"/>
+            <a:ext cx="1789220" cy="406400"/>
+          </a:xfrm>
+          <a:prstGeom prst="rect">
+            <a:avLst/>
+          </a:prstGeom>
+          <a:noFill/>
+          <a:ln w="28575" cmpd="sng">
+            <a:solidFill>
+              <a:srgbClr val="00B050"/>
+            </a:solidFill>
+          </a:ln>
+          <a:effectLst/>
+        </p:spPr>
+        <p:style>
+          <a:lnRef idx="1">
+            <a:schemeClr val="accent1"/>
+          </a:lnRef>
+          <a:fillRef idx="3">
+            <a:schemeClr val="accent1"/>
+          </a:fillRef>
+          <a:effectRef idx="2">
+            <a:schemeClr val="accent1"/>
+          </a:effectRef>
+          <a:fontRef idx="minor">
+            <a:schemeClr val="lt1"/>
+          </a:fontRef>
+        </p:style>
+        <p:txBody>
+          <a:bodyPr rtlCol="0" anchor="ctr"/>
+          <a:lstStyle/>
+          <a:p>
+            <a:pPr algn="ctr"/>
+            <a:endParaRPr lang="fr-FR">
+              <a:latin typeface="Times" panose="02020603050405020304" pitchFamily="18" charset="0"/>
+              <a:cs typeface="Times" panose="02020603050405020304" pitchFamily="18" charset="0"/>
+            </a:endParaRPr>
+          </a:p>
+        </p:txBody>
+      </p:sp>
+      <p:sp>
+        <p:nvSpPr>
+          <p:cNvPr id="144" name="ZoneTexte 143"/>
+          <p:cNvSpPr txBox="1"/>
+          <p:nvPr/>
+        </p:nvSpPr>
+        <p:spPr>
+          <a:xfrm>
+            <a:off x="5951765" y="920174"/>
+            <a:ext cx="499290" cy="369332"/>
+          </a:xfrm>
+          <a:prstGeom prst="rect">
+            <a:avLst/>
+          </a:prstGeom>
+          <a:noFill/>
+        </p:spPr>
+        <p:txBody>
+          <a:bodyPr wrap="square" rtlCol="0">
+            <a:spAutoFit/>
+          </a:bodyPr>
+          <a:lstStyle/>
+          <a:p>
+            <a:r>
+              <a:rPr lang="fr-CA" dirty="0" smtClean="0">
+                <a:latin typeface="Times" panose="02020603050405020304" pitchFamily="18" charset="0"/>
+                <a:cs typeface="Times" panose="02020603050405020304" pitchFamily="18" charset="0"/>
+              </a:rPr>
+              <a:t>a/c</a:t>
+            </a:r>
+            <a:endParaRPr lang="en-US" dirty="0">
+              <a:latin typeface="Times" panose="02020603050405020304" pitchFamily="18" charset="0"/>
+              <a:cs typeface="Times" panose="02020603050405020304" pitchFamily="18" charset="0"/>
+            </a:endParaRPr>
+          </a:p>
+        </p:txBody>
+      </p:sp>
+      <p:sp>
+        <p:nvSpPr>
+          <p:cNvPr id="145" name="ZoneTexte 144"/>
+          <p:cNvSpPr txBox="1"/>
+          <p:nvPr/>
+        </p:nvSpPr>
+        <p:spPr>
+          <a:xfrm>
+            <a:off x="5951765" y="2058743"/>
+            <a:ext cx="499290" cy="369332"/>
+          </a:xfrm>
+          <a:prstGeom prst="rect">
+            <a:avLst/>
+          </a:prstGeom>
+          <a:noFill/>
+        </p:spPr>
+        <p:txBody>
+          <a:bodyPr wrap="square" rtlCol="0">
+            <a:spAutoFit/>
+          </a:bodyPr>
+          <a:lstStyle/>
+          <a:p>
+            <a:r>
+              <a:rPr lang="fr-CA" dirty="0">
+                <a:latin typeface="Times" panose="02020603050405020304" pitchFamily="18" charset="0"/>
+                <a:cs typeface="Times" panose="02020603050405020304" pitchFamily="18" charset="0"/>
+              </a:rPr>
+              <a:t>b</a:t>
+            </a:r>
+            <a:r>
+              <a:rPr lang="fr-CA" dirty="0" smtClean="0">
+                <a:latin typeface="Times" panose="02020603050405020304" pitchFamily="18" charset="0"/>
+                <a:cs typeface="Times" panose="02020603050405020304" pitchFamily="18" charset="0"/>
+              </a:rPr>
+              <a:t>/c</a:t>
+            </a:r>
+            <a:endParaRPr lang="en-US" dirty="0">
+              <a:latin typeface="Times" panose="02020603050405020304" pitchFamily="18" charset="0"/>
+              <a:cs typeface="Times" panose="02020603050405020304" pitchFamily="18" charset="0"/>
+            </a:endParaRPr>
+          </a:p>
+        </p:txBody>
+      </p:sp>
+      <p:sp>
+        <p:nvSpPr>
+          <p:cNvPr id="146" name="ZoneTexte 145"/>
+          <p:cNvSpPr txBox="1"/>
+          <p:nvPr/>
+        </p:nvSpPr>
+        <p:spPr>
+          <a:xfrm>
+            <a:off x="5950751" y="1489952"/>
+            <a:ext cx="499290" cy="369332"/>
+          </a:xfrm>
+          <a:prstGeom prst="rect">
+            <a:avLst/>
+          </a:prstGeom>
+          <a:noFill/>
+        </p:spPr>
+        <p:txBody>
+          <a:bodyPr wrap="square" rtlCol="0">
+            <a:spAutoFit/>
+          </a:bodyPr>
+          <a:lstStyle/>
+          <a:p>
+            <a:r>
+              <a:rPr lang="fr-CA" dirty="0">
+                <a:latin typeface="Times" panose="02020603050405020304" pitchFamily="18" charset="0"/>
+                <a:cs typeface="Times" panose="02020603050405020304" pitchFamily="18" charset="0"/>
+              </a:rPr>
+              <a:t>a</a:t>
+            </a:r>
+            <a:r>
+              <a:rPr lang="fr-CA" dirty="0" smtClean="0">
+                <a:latin typeface="Times" panose="02020603050405020304" pitchFamily="18" charset="0"/>
+                <a:cs typeface="Times" panose="02020603050405020304" pitchFamily="18" charset="0"/>
+              </a:rPr>
+              <a:t>/a</a:t>
+            </a:r>
+            <a:endParaRPr lang="en-US" dirty="0">
+              <a:latin typeface="Times" panose="02020603050405020304" pitchFamily="18" charset="0"/>
+              <a:cs typeface="Times" panose="02020603050405020304" pitchFamily="18" charset="0"/>
+            </a:endParaRPr>
+          </a:p>
+        </p:txBody>
+      </p:sp>
+      <p:sp>
+        <p:nvSpPr>
+          <p:cNvPr id="147" name="ZoneTexte 146"/>
+          <p:cNvSpPr txBox="1"/>
+          <p:nvPr/>
+        </p:nvSpPr>
+        <p:spPr>
+          <a:xfrm>
+            <a:off x="5953773" y="2631923"/>
+            <a:ext cx="499290" cy="369332"/>
+          </a:xfrm>
+          <a:prstGeom prst="rect">
+            <a:avLst/>
+          </a:prstGeom>
+          <a:noFill/>
+        </p:spPr>
+        <p:txBody>
+          <a:bodyPr wrap="square" rtlCol="0">
+            <a:spAutoFit/>
+          </a:bodyPr>
+          <a:lstStyle/>
+          <a:p>
+            <a:r>
+              <a:rPr lang="fr-CA" dirty="0" smtClean="0">
+                <a:latin typeface="Times" panose="02020603050405020304" pitchFamily="18" charset="0"/>
+                <a:cs typeface="Times" panose="02020603050405020304" pitchFamily="18" charset="0"/>
+              </a:rPr>
+              <a:t>b/a</a:t>
+            </a:r>
+            <a:endParaRPr lang="en-US" dirty="0">
+              <a:latin typeface="Times" panose="02020603050405020304" pitchFamily="18" charset="0"/>
+              <a:cs typeface="Times" panose="02020603050405020304" pitchFamily="18" charset="0"/>
+            </a:endParaRPr>
+          </a:p>
+        </p:txBody>
+      </p:sp>
+      <p:sp>
+        <p:nvSpPr>
+          <p:cNvPr id="148" name="ZoneTexte 147"/>
+          <p:cNvSpPr txBox="1"/>
+          <p:nvPr/>
+        </p:nvSpPr>
+        <p:spPr>
+          <a:xfrm>
+            <a:off x="7000538" y="925949"/>
+            <a:ext cx="499290" cy="369332"/>
+          </a:xfrm>
+          <a:prstGeom prst="rect">
+            <a:avLst/>
+          </a:prstGeom>
+          <a:noFill/>
+        </p:spPr>
+        <p:txBody>
+          <a:bodyPr wrap="square" rtlCol="0">
+            <a:spAutoFit/>
+          </a:bodyPr>
+          <a:lstStyle/>
+          <a:p>
+            <a:r>
+              <a:rPr lang="fr-CA" dirty="0" smtClean="0">
+                <a:latin typeface="Times" panose="02020603050405020304" pitchFamily="18" charset="0"/>
+                <a:cs typeface="Times" panose="02020603050405020304" pitchFamily="18" charset="0"/>
+              </a:rPr>
+              <a:t>d/c</a:t>
+            </a:r>
+            <a:endParaRPr lang="en-US" dirty="0">
+              <a:latin typeface="Times" panose="02020603050405020304" pitchFamily="18" charset="0"/>
+              <a:cs typeface="Times" panose="02020603050405020304" pitchFamily="18" charset="0"/>
+            </a:endParaRPr>
+          </a:p>
+        </p:txBody>
+      </p:sp>
+      <p:sp>
+        <p:nvSpPr>
+          <p:cNvPr id="149" name="ZoneTexte 148"/>
+          <p:cNvSpPr txBox="1"/>
+          <p:nvPr/>
+        </p:nvSpPr>
+        <p:spPr>
+          <a:xfrm>
+            <a:off x="7000538" y="2064518"/>
+            <a:ext cx="499290" cy="369332"/>
+          </a:xfrm>
+          <a:prstGeom prst="rect">
+            <a:avLst/>
+          </a:prstGeom>
+          <a:noFill/>
+        </p:spPr>
+        <p:txBody>
+          <a:bodyPr wrap="square" rtlCol="0">
+            <a:spAutoFit/>
+          </a:bodyPr>
+          <a:lstStyle/>
+          <a:p>
+            <a:r>
+              <a:rPr lang="fr-CA" dirty="0">
+                <a:latin typeface="Times" panose="02020603050405020304" pitchFamily="18" charset="0"/>
+                <a:cs typeface="Times" panose="02020603050405020304" pitchFamily="18" charset="0"/>
+              </a:rPr>
+              <a:t>c</a:t>
+            </a:r>
+            <a:r>
+              <a:rPr lang="fr-CA" dirty="0" smtClean="0">
+                <a:latin typeface="Times" panose="02020603050405020304" pitchFamily="18" charset="0"/>
+                <a:cs typeface="Times" panose="02020603050405020304" pitchFamily="18" charset="0"/>
+              </a:rPr>
+              <a:t>/a</a:t>
+            </a:r>
+            <a:endParaRPr lang="en-US" dirty="0">
+              <a:latin typeface="Times" panose="02020603050405020304" pitchFamily="18" charset="0"/>
+              <a:cs typeface="Times" panose="02020603050405020304" pitchFamily="18" charset="0"/>
+            </a:endParaRPr>
+          </a:p>
+        </p:txBody>
+      </p:sp>
+      <p:sp>
+        <p:nvSpPr>
+          <p:cNvPr id="150" name="ZoneTexte 149"/>
+          <p:cNvSpPr txBox="1"/>
+          <p:nvPr/>
+        </p:nvSpPr>
+        <p:spPr>
+          <a:xfrm>
+            <a:off x="6999524" y="1495727"/>
+            <a:ext cx="499290" cy="369332"/>
+          </a:xfrm>
+          <a:prstGeom prst="rect">
+            <a:avLst/>
+          </a:prstGeom>
+          <a:noFill/>
+        </p:spPr>
+        <p:txBody>
+          <a:bodyPr wrap="square" rtlCol="0">
+            <a:spAutoFit/>
+          </a:bodyPr>
+          <a:lstStyle/>
+          <a:p>
+            <a:r>
+              <a:rPr lang="fr-CA" dirty="0" smtClean="0">
+                <a:latin typeface="Times" panose="02020603050405020304" pitchFamily="18" charset="0"/>
+                <a:cs typeface="Times" panose="02020603050405020304" pitchFamily="18" charset="0"/>
+              </a:rPr>
+              <a:t>c/b</a:t>
+            </a:r>
+            <a:endParaRPr lang="en-US" dirty="0">
+              <a:latin typeface="Times" panose="02020603050405020304" pitchFamily="18" charset="0"/>
+              <a:cs typeface="Times" panose="02020603050405020304" pitchFamily="18" charset="0"/>
+            </a:endParaRPr>
+          </a:p>
+        </p:txBody>
+      </p:sp>
+      <p:sp>
+        <p:nvSpPr>
+          <p:cNvPr id="151" name="ZoneTexte 150"/>
+          <p:cNvSpPr txBox="1"/>
+          <p:nvPr/>
+        </p:nvSpPr>
+        <p:spPr>
+          <a:xfrm>
+            <a:off x="7002546" y="2637698"/>
+            <a:ext cx="499290" cy="369332"/>
+          </a:xfrm>
+          <a:prstGeom prst="rect">
+            <a:avLst/>
+          </a:prstGeom>
+          <a:noFill/>
+        </p:spPr>
+        <p:txBody>
+          <a:bodyPr wrap="square" rtlCol="0">
+            <a:spAutoFit/>
+          </a:bodyPr>
+          <a:lstStyle/>
+          <a:p>
+            <a:r>
+              <a:rPr lang="fr-CA" dirty="0" smtClean="0">
+                <a:latin typeface="Times" panose="02020603050405020304" pitchFamily="18" charset="0"/>
+                <a:cs typeface="Times" panose="02020603050405020304" pitchFamily="18" charset="0"/>
+              </a:rPr>
+              <a:t>d/a</a:t>
+            </a:r>
+            <a:endParaRPr lang="en-US" dirty="0">
+              <a:latin typeface="Times" panose="02020603050405020304" pitchFamily="18" charset="0"/>
+              <a:cs typeface="Times" panose="02020603050405020304" pitchFamily="18" charset="0"/>
+            </a:endParaRPr>
+          </a:p>
+        </p:txBody>
+      </p:sp>
+      <p:sp>
+        <p:nvSpPr>
+          <p:cNvPr id="153" name="Rectangle 152"/>
+          <p:cNvSpPr/>
+          <p:nvPr/>
+        </p:nvSpPr>
+        <p:spPr>
+          <a:xfrm>
+            <a:off x="5853278" y="879511"/>
+            <a:ext cx="1789220" cy="406400"/>
+          </a:xfrm>
+          <a:prstGeom prst="rect">
+            <a:avLst/>
+          </a:prstGeom>
+          <a:noFill/>
+          <a:ln w="28575" cmpd="sng">
+            <a:solidFill>
+              <a:srgbClr val="0000FF"/>
+            </a:solidFill>
+          </a:ln>
+          <a:effectLst/>
+        </p:spPr>
+        <p:style>
+          <a:lnRef idx="1">
+            <a:schemeClr val="accent1"/>
+          </a:lnRef>
+          <a:fillRef idx="3">
+            <a:schemeClr val="accent1"/>
+          </a:fillRef>
+          <a:effectRef idx="2">
+            <a:schemeClr val="accent1"/>
+          </a:effectRef>
+          <a:fontRef idx="minor">
+            <a:schemeClr val="lt1"/>
+          </a:fontRef>
+        </p:style>
+        <p:txBody>
+          <a:bodyPr rtlCol="0" anchor="ctr"/>
+          <a:lstStyle/>
+          <a:p>
+            <a:pPr algn="ctr"/>
+            <a:endParaRPr lang="fr-FR">
+              <a:latin typeface="Times" panose="02020603050405020304" pitchFamily="18" charset="0"/>
+              <a:cs typeface="Times" panose="02020603050405020304" pitchFamily="18" charset="0"/>
+            </a:endParaRPr>
+          </a:p>
+        </p:txBody>
+      </p:sp>
+      <p:sp>
+        <p:nvSpPr>
+          <p:cNvPr id="154" name="Rectangle 153"/>
+          <p:cNvSpPr/>
+          <p:nvPr/>
+        </p:nvSpPr>
+        <p:spPr>
+          <a:xfrm>
+            <a:off x="5853278" y="1447392"/>
+            <a:ext cx="1789220" cy="406400"/>
+          </a:xfrm>
+          <a:prstGeom prst="rect">
+            <a:avLst/>
+          </a:prstGeom>
+          <a:noFill/>
+          <a:ln w="28575" cmpd="sng">
+            <a:solidFill>
+              <a:srgbClr val="0000FF"/>
+            </a:solidFill>
+          </a:ln>
+          <a:effectLst/>
+        </p:spPr>
+        <p:style>
+          <a:lnRef idx="1">
+            <a:schemeClr val="accent1"/>
+          </a:lnRef>
+          <a:fillRef idx="3">
+            <a:schemeClr val="accent1"/>
+          </a:fillRef>
+          <a:effectRef idx="2">
+            <a:schemeClr val="accent1"/>
+          </a:effectRef>
+          <a:fontRef idx="minor">
+            <a:schemeClr val="lt1"/>
+          </a:fontRef>
+        </p:style>
+        <p:txBody>
+          <a:bodyPr rtlCol="0" anchor="ctr"/>
+          <a:lstStyle/>
+          <a:p>
+            <a:pPr algn="ctr"/>
+            <a:endParaRPr lang="fr-FR">
+              <a:latin typeface="Times" panose="02020603050405020304" pitchFamily="18" charset="0"/>
+              <a:cs typeface="Times" panose="02020603050405020304" pitchFamily="18" charset="0"/>
+            </a:endParaRPr>
+          </a:p>
+        </p:txBody>
+      </p:sp>
+      <p:sp>
+        <p:nvSpPr>
+          <p:cNvPr id="155" name="Rectangle 154"/>
+          <p:cNvSpPr/>
+          <p:nvPr/>
+        </p:nvSpPr>
+        <p:spPr>
+          <a:xfrm>
+            <a:off x="5847790" y="2584974"/>
+            <a:ext cx="1789220" cy="406400"/>
+          </a:xfrm>
+          <a:prstGeom prst="rect">
+            <a:avLst/>
+          </a:prstGeom>
+          <a:noFill/>
+          <a:ln w="28575" cmpd="sng">
+            <a:solidFill>
+              <a:srgbClr val="00B050"/>
+            </a:solidFill>
+          </a:ln>
+          <a:effectLst/>
+        </p:spPr>
+        <p:style>
+          <a:lnRef idx="1">
+            <a:schemeClr val="accent1"/>
+          </a:lnRef>
+          <a:fillRef idx="3">
+            <a:schemeClr val="accent1"/>
+          </a:fillRef>
+          <a:effectRef idx="2">
+            <a:schemeClr val="accent1"/>
+          </a:effectRef>
+          <a:fontRef idx="minor">
+            <a:schemeClr val="lt1"/>
+          </a:fontRef>
+        </p:style>
+        <p:txBody>
+          <a:bodyPr rtlCol="0" anchor="ctr"/>
+          <a:lstStyle/>
+          <a:p>
+            <a:pPr algn="ctr"/>
+            <a:endParaRPr lang="fr-FR">
+              <a:latin typeface="Times" panose="02020603050405020304" pitchFamily="18" charset="0"/>
+              <a:cs typeface="Times" panose="02020603050405020304" pitchFamily="18" charset="0"/>
+            </a:endParaRPr>
+          </a:p>
+        </p:txBody>
+      </p:sp>
+      <p:sp>
+        <p:nvSpPr>
+          <p:cNvPr id="162" name="Flèche en arc 161"/>
+          <p:cNvSpPr/>
+          <p:nvPr/>
+        </p:nvSpPr>
+        <p:spPr>
+          <a:xfrm rot="10800000">
+            <a:off x="7839757" y="5597090"/>
+            <a:ext cx="711439" cy="841205"/>
+          </a:xfrm>
+          <a:prstGeom prst="circularArrow">
+            <a:avLst>
+              <a:gd name="adj1" fmla="val 8592"/>
+              <a:gd name="adj2" fmla="val 1236791"/>
+              <a:gd name="adj3" fmla="val 20357023"/>
+              <a:gd name="adj4" fmla="val 10800000"/>
+              <a:gd name="adj5" fmla="val 13660"/>
+            </a:avLst>
+          </a:prstGeom>
+          <a:solidFill>
+            <a:schemeClr val="tx1"/>
+          </a:solidFill>
+        </p:spPr>
+        <p:style>
+          <a:lnRef idx="2">
+            <a:schemeClr val="dk1"/>
+          </a:lnRef>
+          <a:fillRef idx="1">
+            <a:schemeClr val="lt1"/>
+          </a:fillRef>
+          <a:effectRef idx="0">
+            <a:schemeClr val="dk1"/>
+          </a:effectRef>
+          <a:fontRef idx="minor">
+            <a:schemeClr val="dk1"/>
+          </a:fontRef>
+        </p:style>
+        <p:txBody>
+          <a:bodyPr rtlCol="0" anchor="ctr"/>
+          <a:lstStyle/>
+          <a:p>
+            <a:pPr algn="ctr"/>
+            <a:endParaRPr lang="en-US">
+              <a:solidFill>
+                <a:schemeClr val="tx1"/>
+              </a:solidFill>
+            </a:endParaRPr>
+          </a:p>
+        </p:txBody>
+      </p:sp>
+      <p:sp>
+        <p:nvSpPr>
+          <p:cNvPr id="164" name="Flèche en arc 163"/>
+          <p:cNvSpPr/>
+          <p:nvPr/>
+        </p:nvSpPr>
+        <p:spPr>
+          <a:xfrm>
+            <a:off x="7839756" y="5627180"/>
+            <a:ext cx="711439" cy="841205"/>
+          </a:xfrm>
+          <a:prstGeom prst="circularArrow">
+            <a:avLst>
+              <a:gd name="adj1" fmla="val 8592"/>
+              <a:gd name="adj2" fmla="val 1236791"/>
+              <a:gd name="adj3" fmla="val 20357023"/>
+              <a:gd name="adj4" fmla="val 10800000"/>
+              <a:gd name="adj5" fmla="val 13660"/>
+            </a:avLst>
+          </a:prstGeom>
+          <a:solidFill>
+            <a:schemeClr val="tx1"/>
+          </a:solidFill>
+        </p:spPr>
+        <p:style>
+          <a:lnRef idx="2">
+            <a:schemeClr val="dk1"/>
+          </a:lnRef>
+          <a:fillRef idx="1">
+            <a:schemeClr val="lt1"/>
+          </a:fillRef>
+          <a:effectRef idx="0">
+            <a:schemeClr val="dk1"/>
+          </a:effectRef>
+          <a:fontRef idx="minor">
+            <a:schemeClr val="dk1"/>
+          </a:fontRef>
+        </p:style>
+        <p:txBody>
+          <a:bodyPr rtlCol="0" anchor="ctr"/>
+          <a:lstStyle/>
+          <a:p>
+            <a:pPr algn="ctr"/>
+            <a:endParaRPr lang="en-US">
+              <a:solidFill>
+                <a:schemeClr val="tx1"/>
+              </a:solidFill>
+            </a:endParaRPr>
+          </a:p>
+        </p:txBody>
+      </p:sp>
+    </p:spTree>
+    <p:extLst>
+      <p:ext uri="{BB962C8B-B14F-4D97-AF65-F5344CB8AC3E}">
+        <p14:creationId xmlns:p14="http://schemas.microsoft.com/office/powerpoint/2010/main" val="4130402911"/>
+      </p:ext>
+    </p:extLst>
+  </p:cSld>
+  <p:clrMapOvr>
+    <a:masterClrMapping/>
+  </p:clrMapOvr>
+</p:sld>
+</file>
+
+<file path=ppt/slides/slide9.xml><?xml version="1.0" encoding="utf-8"?>
+<p:sld xmlns:a="http://schemas.openxmlformats.org/drawingml/2006/main" xmlns:r="http://schemas.openxmlformats.org/officeDocument/2006/relationships" xmlns:p="http://schemas.openxmlformats.org/presentationml/2006/main">
+  <p:cSld>
+    <p:spTree>
+      <p:nvGrpSpPr>
+        <p:cNvPr id="1" name=""/>
+        <p:cNvGrpSpPr/>
+        <p:nvPr/>
+      </p:nvGrpSpPr>
+      <p:grpSpPr>
+        <a:xfrm>
+          <a:off x="0" y="0"/>
+          <a:ext cx="0" cy="0"/>
+          <a:chOff x="0" y="0"/>
+          <a:chExt cx="0" cy="0"/>
+        </a:xfrm>
+      </p:grpSpPr>
+      <p:grpSp>
+        <p:nvGrpSpPr>
+          <p:cNvPr id="14" name="Groupe 13"/>
+          <p:cNvGrpSpPr/>
+          <p:nvPr/>
+        </p:nvGrpSpPr>
+        <p:grpSpPr>
+          <a:xfrm>
+            <a:off x="-41141" y="100683"/>
+            <a:ext cx="9185141" cy="6782409"/>
+            <a:chOff x="-41141" y="100683"/>
+            <a:chExt cx="9185141" cy="6782409"/>
+          </a:xfrm>
+        </p:grpSpPr>
+        <p:cxnSp>
+          <p:nvCxnSpPr>
+            <p:cNvPr id="89" name="Connecteur droit 88"/>
+            <p:cNvCxnSpPr/>
+            <p:nvPr/>
+          </p:nvCxnSpPr>
+          <p:spPr>
+            <a:xfrm>
+              <a:off x="3479912" y="1969238"/>
+              <a:ext cx="432262" cy="0"/>
+            </a:xfrm>
+            <a:prstGeom prst="line">
+              <a:avLst/>
+            </a:prstGeom>
+            <a:ln w="28575">
+              <a:solidFill>
+                <a:schemeClr val="tx1"/>
+              </a:solidFill>
+            </a:ln>
+          </p:spPr>
+          <p:style>
+            <a:lnRef idx="1">
+              <a:schemeClr val="dk1"/>
+            </a:lnRef>
+            <a:fillRef idx="0">
+              <a:schemeClr val="dk1"/>
+            </a:fillRef>
+            <a:effectRef idx="0">
+              <a:schemeClr val="dk1"/>
+            </a:effectRef>
+            <a:fontRef idx="minor">
+              <a:schemeClr val="tx1"/>
+            </a:fontRef>
+          </p:style>
+        </p:cxnSp>
+        <p:cxnSp>
+          <p:nvCxnSpPr>
+            <p:cNvPr id="104" name="Connecteur droit avec flèche 103"/>
+            <p:cNvCxnSpPr/>
+            <p:nvPr/>
+          </p:nvCxnSpPr>
+          <p:spPr>
+            <a:xfrm>
+              <a:off x="5200644" y="1969238"/>
+              <a:ext cx="465513" cy="0"/>
+            </a:xfrm>
+            <a:prstGeom prst="straightConnector1">
+              <a:avLst/>
+            </a:prstGeom>
+            <a:ln w="28575">
+              <a:tailEnd type="triangle"/>
+            </a:ln>
+          </p:spPr>
+          <p:style>
+            <a:lnRef idx="1">
+              <a:schemeClr val="dk1"/>
+            </a:lnRef>
+            <a:fillRef idx="0">
+              <a:schemeClr val="dk1"/>
+            </a:fillRef>
+            <a:effectRef idx="0">
+              <a:schemeClr val="dk1"/>
+            </a:effectRef>
+            <a:fontRef idx="minor">
+              <a:schemeClr val="tx1"/>
+            </a:fontRef>
+          </p:style>
+        </p:cxnSp>
+        <p:sp>
+          <p:nvSpPr>
+            <p:cNvPr id="105" name="ZoneTexte 104"/>
+            <p:cNvSpPr txBox="1"/>
+            <p:nvPr/>
+          </p:nvSpPr>
+          <p:spPr>
+            <a:xfrm>
+              <a:off x="3884796" y="1499965"/>
+              <a:ext cx="1523670" cy="1477328"/>
+            </a:xfrm>
+            <a:prstGeom prst="rect">
+              <a:avLst/>
+            </a:prstGeom>
+            <a:noFill/>
+          </p:spPr>
+          <p:txBody>
+            <a:bodyPr wrap="square" rtlCol="0">
+              <a:spAutoFit/>
+            </a:bodyPr>
+            <a:lstStyle/>
+            <a:p>
+              <a:r>
+                <a:rPr lang="fr-CA" dirty="0" err="1" smtClean="0"/>
+                <a:t>Genotype</a:t>
+              </a:r>
+              <a:r>
+                <a:rPr lang="fr-CA" dirty="0" smtClean="0"/>
+                <a:t> permutation per locus</a:t>
+              </a:r>
+            </a:p>
+            <a:p>
+              <a:endParaRPr lang="fr-CA" dirty="0" smtClean="0"/>
+            </a:p>
+            <a:p>
+              <a:endParaRPr lang="fr-CA" u="sng" dirty="0" smtClean="0"/>
+            </a:p>
+          </p:txBody>
+        </p:sp>
+        <p:sp>
+          <p:nvSpPr>
+            <p:cNvPr id="142" name="Rectangle 141"/>
+            <p:cNvSpPr/>
+            <p:nvPr/>
+          </p:nvSpPr>
+          <p:spPr>
+            <a:xfrm>
+              <a:off x="5720832" y="775849"/>
+              <a:ext cx="2016055" cy="2358869"/>
+            </a:xfrm>
+            <a:prstGeom prst="rect">
+              <a:avLst/>
+            </a:prstGeom>
+            <a:solidFill>
+              <a:schemeClr val="bg1"/>
+            </a:solidFill>
+            <a:ln>
+              <a:solidFill>
+                <a:schemeClr val="tx1"/>
+              </a:solidFill>
+            </a:ln>
+            <a:effectLst/>
+          </p:spPr>
+          <p:style>
+            <a:lnRef idx="1">
+              <a:schemeClr val="accent1"/>
+            </a:lnRef>
+            <a:fillRef idx="3">
+              <a:schemeClr val="accent1"/>
+            </a:fillRef>
+            <a:effectRef idx="2">
+              <a:schemeClr val="accent1"/>
+            </a:effectRef>
+            <a:fontRef idx="minor">
+              <a:schemeClr val="lt1"/>
+            </a:fontRef>
+          </p:style>
+          <p:txBody>
+            <a:bodyPr rtlCol="0" anchor="ctr"/>
+            <a:lstStyle/>
+            <a:p>
+              <a:pPr algn="ctr"/>
+              <a:endParaRPr lang="fr-FR">
+                <a:solidFill>
+                  <a:schemeClr val="tx1"/>
+                </a:solidFill>
+                <a:latin typeface="Times" panose="02020603050405020304" pitchFamily="18" charset="0"/>
+                <a:cs typeface="Times" panose="02020603050405020304" pitchFamily="18" charset="0"/>
+              </a:endParaRPr>
+            </a:p>
+          </p:txBody>
+        </p:sp>
+        <p:sp>
+          <p:nvSpPr>
+            <p:cNvPr id="143" name="Rectangle 142"/>
+            <p:cNvSpPr/>
+            <p:nvPr/>
+          </p:nvSpPr>
+          <p:spPr>
+            <a:xfrm>
+              <a:off x="5836656" y="2040209"/>
+              <a:ext cx="1789220" cy="406400"/>
+            </a:xfrm>
+            <a:prstGeom prst="rect">
+              <a:avLst/>
+            </a:prstGeom>
+            <a:noFill/>
+            <a:ln w="28575" cmpd="sng">
+              <a:solidFill>
+                <a:srgbClr val="00B050"/>
+              </a:solidFill>
+            </a:ln>
+            <a:effectLst/>
+          </p:spPr>
+          <p:style>
+            <a:lnRef idx="1">
+              <a:schemeClr val="accent1"/>
+            </a:lnRef>
+            <a:fillRef idx="3">
+              <a:schemeClr val="accent1"/>
+            </a:fillRef>
+            <a:effectRef idx="2">
+              <a:schemeClr val="accent1"/>
+            </a:effectRef>
+            <a:fontRef idx="minor">
+              <a:schemeClr val="lt1"/>
+            </a:fontRef>
+          </p:style>
+          <p:txBody>
+            <a:bodyPr rtlCol="0" anchor="ctr"/>
+            <a:lstStyle/>
+            <a:p>
+              <a:pPr algn="ctr"/>
+              <a:endParaRPr lang="fr-FR">
+                <a:latin typeface="Times" panose="02020603050405020304" pitchFamily="18" charset="0"/>
+                <a:cs typeface="Times" panose="02020603050405020304" pitchFamily="18" charset="0"/>
+              </a:endParaRPr>
+            </a:p>
+          </p:txBody>
+        </p:sp>
+        <p:sp>
+          <p:nvSpPr>
+            <p:cNvPr id="144" name="ZoneTexte 143"/>
+            <p:cNvSpPr txBox="1"/>
+            <p:nvPr/>
+          </p:nvSpPr>
+          <p:spPr>
+            <a:xfrm>
+              <a:off x="5951765" y="920174"/>
+              <a:ext cx="499290" cy="369332"/>
+            </a:xfrm>
+            <a:prstGeom prst="rect">
+              <a:avLst/>
+            </a:prstGeom>
+            <a:noFill/>
+          </p:spPr>
+          <p:txBody>
+            <a:bodyPr wrap="square" rtlCol="0">
+              <a:spAutoFit/>
+            </a:bodyPr>
+            <a:lstStyle/>
+            <a:p>
+              <a:r>
+                <a:rPr lang="fr-CA" dirty="0" smtClean="0">
+                  <a:latin typeface="Times" panose="02020603050405020304" pitchFamily="18" charset="0"/>
+                  <a:cs typeface="Times" panose="02020603050405020304" pitchFamily="18" charset="0"/>
+                </a:rPr>
+                <a:t>a/c</a:t>
+              </a:r>
+              <a:endParaRPr lang="en-US" dirty="0">
+                <a:latin typeface="Times" panose="02020603050405020304" pitchFamily="18" charset="0"/>
+                <a:cs typeface="Times" panose="02020603050405020304" pitchFamily="18" charset="0"/>
+              </a:endParaRPr>
+            </a:p>
+          </p:txBody>
+        </p:sp>
+        <p:sp>
+          <p:nvSpPr>
+            <p:cNvPr id="145" name="ZoneTexte 144"/>
+            <p:cNvSpPr txBox="1"/>
+            <p:nvPr/>
+          </p:nvSpPr>
+          <p:spPr>
+            <a:xfrm>
+              <a:off x="5951765" y="2058743"/>
+              <a:ext cx="499290" cy="369332"/>
+            </a:xfrm>
+            <a:prstGeom prst="rect">
+              <a:avLst/>
+            </a:prstGeom>
+            <a:noFill/>
+          </p:spPr>
+          <p:txBody>
+            <a:bodyPr wrap="square" rtlCol="0">
+              <a:spAutoFit/>
+            </a:bodyPr>
+            <a:lstStyle/>
+            <a:p>
+              <a:r>
+                <a:rPr lang="fr-CA" dirty="0">
+                  <a:latin typeface="Times" panose="02020603050405020304" pitchFamily="18" charset="0"/>
+                  <a:cs typeface="Times" panose="02020603050405020304" pitchFamily="18" charset="0"/>
+                </a:rPr>
+                <a:t>b</a:t>
+              </a:r>
+              <a:r>
+                <a:rPr lang="fr-CA" dirty="0" smtClean="0">
+                  <a:latin typeface="Times" panose="02020603050405020304" pitchFamily="18" charset="0"/>
+                  <a:cs typeface="Times" panose="02020603050405020304" pitchFamily="18" charset="0"/>
+                </a:rPr>
+                <a:t>/c</a:t>
+              </a:r>
+              <a:endParaRPr lang="en-US" dirty="0">
+                <a:latin typeface="Times" panose="02020603050405020304" pitchFamily="18" charset="0"/>
+                <a:cs typeface="Times" panose="02020603050405020304" pitchFamily="18" charset="0"/>
+              </a:endParaRPr>
+            </a:p>
+          </p:txBody>
+        </p:sp>
+        <p:sp>
+          <p:nvSpPr>
+            <p:cNvPr id="146" name="ZoneTexte 145"/>
+            <p:cNvSpPr txBox="1"/>
+            <p:nvPr/>
+          </p:nvSpPr>
+          <p:spPr>
+            <a:xfrm>
+              <a:off x="5950751" y="1489952"/>
+              <a:ext cx="499290" cy="369332"/>
+            </a:xfrm>
+            <a:prstGeom prst="rect">
+              <a:avLst/>
+            </a:prstGeom>
+            <a:noFill/>
+          </p:spPr>
+          <p:txBody>
+            <a:bodyPr wrap="square" rtlCol="0">
+              <a:spAutoFit/>
+            </a:bodyPr>
+            <a:lstStyle/>
+            <a:p>
+              <a:r>
+                <a:rPr lang="fr-CA" dirty="0">
+                  <a:latin typeface="Times" panose="02020603050405020304" pitchFamily="18" charset="0"/>
+                  <a:cs typeface="Times" panose="02020603050405020304" pitchFamily="18" charset="0"/>
+                </a:rPr>
+                <a:t>a</a:t>
+              </a:r>
+              <a:r>
+                <a:rPr lang="fr-CA" dirty="0" smtClean="0">
+                  <a:latin typeface="Times" panose="02020603050405020304" pitchFamily="18" charset="0"/>
+                  <a:cs typeface="Times" panose="02020603050405020304" pitchFamily="18" charset="0"/>
+                </a:rPr>
+                <a:t>/a</a:t>
+              </a:r>
+              <a:endParaRPr lang="en-US" dirty="0">
+                <a:latin typeface="Times" panose="02020603050405020304" pitchFamily="18" charset="0"/>
+                <a:cs typeface="Times" panose="02020603050405020304" pitchFamily="18" charset="0"/>
+              </a:endParaRPr>
+            </a:p>
+          </p:txBody>
+        </p:sp>
+        <p:sp>
+          <p:nvSpPr>
+            <p:cNvPr id="147" name="ZoneTexte 146"/>
+            <p:cNvSpPr txBox="1"/>
+            <p:nvPr/>
+          </p:nvSpPr>
+          <p:spPr>
+            <a:xfrm>
+              <a:off x="5953773" y="2631923"/>
+              <a:ext cx="499290" cy="369332"/>
+            </a:xfrm>
+            <a:prstGeom prst="rect">
+              <a:avLst/>
+            </a:prstGeom>
+            <a:noFill/>
+          </p:spPr>
+          <p:txBody>
+            <a:bodyPr wrap="square" rtlCol="0">
+              <a:spAutoFit/>
+            </a:bodyPr>
+            <a:lstStyle/>
+            <a:p>
+              <a:r>
+                <a:rPr lang="fr-CA" dirty="0" smtClean="0">
+                  <a:latin typeface="Times" panose="02020603050405020304" pitchFamily="18" charset="0"/>
+                  <a:cs typeface="Times" panose="02020603050405020304" pitchFamily="18" charset="0"/>
+                </a:rPr>
+                <a:t>b/a</a:t>
+              </a:r>
+              <a:endParaRPr lang="en-US" dirty="0">
+                <a:latin typeface="Times" panose="02020603050405020304" pitchFamily="18" charset="0"/>
+                <a:cs typeface="Times" panose="02020603050405020304" pitchFamily="18" charset="0"/>
+              </a:endParaRPr>
+            </a:p>
+          </p:txBody>
+        </p:sp>
+        <p:sp>
+          <p:nvSpPr>
+            <p:cNvPr id="148" name="ZoneTexte 147"/>
+            <p:cNvSpPr txBox="1"/>
+            <p:nvPr/>
+          </p:nvSpPr>
+          <p:spPr>
+            <a:xfrm>
+              <a:off x="7000538" y="925949"/>
+              <a:ext cx="499290" cy="369332"/>
+            </a:xfrm>
+            <a:prstGeom prst="rect">
+              <a:avLst/>
+            </a:prstGeom>
+            <a:noFill/>
+          </p:spPr>
+          <p:txBody>
+            <a:bodyPr wrap="square" rtlCol="0">
+              <a:spAutoFit/>
+            </a:bodyPr>
+            <a:lstStyle/>
+            <a:p>
+              <a:r>
+                <a:rPr lang="fr-CA" dirty="0" smtClean="0">
+                  <a:latin typeface="Times" panose="02020603050405020304" pitchFamily="18" charset="0"/>
+                  <a:cs typeface="Times" panose="02020603050405020304" pitchFamily="18" charset="0"/>
+                </a:rPr>
+                <a:t>d/c</a:t>
+              </a:r>
+              <a:endParaRPr lang="en-US" dirty="0">
+                <a:latin typeface="Times" panose="02020603050405020304" pitchFamily="18" charset="0"/>
+                <a:cs typeface="Times" panose="02020603050405020304" pitchFamily="18" charset="0"/>
+              </a:endParaRPr>
+            </a:p>
+          </p:txBody>
+        </p:sp>
+        <p:sp>
+          <p:nvSpPr>
+            <p:cNvPr id="149" name="ZoneTexte 148"/>
+            <p:cNvSpPr txBox="1"/>
+            <p:nvPr/>
+          </p:nvSpPr>
+          <p:spPr>
+            <a:xfrm>
+              <a:off x="7000538" y="2064518"/>
+              <a:ext cx="499290" cy="369332"/>
+            </a:xfrm>
+            <a:prstGeom prst="rect">
+              <a:avLst/>
+            </a:prstGeom>
+            <a:noFill/>
+          </p:spPr>
+          <p:txBody>
+            <a:bodyPr wrap="square" rtlCol="0">
+              <a:spAutoFit/>
+            </a:bodyPr>
+            <a:lstStyle/>
+            <a:p>
+              <a:r>
+                <a:rPr lang="fr-CA" dirty="0">
+                  <a:latin typeface="Times" panose="02020603050405020304" pitchFamily="18" charset="0"/>
+                  <a:cs typeface="Times" panose="02020603050405020304" pitchFamily="18" charset="0"/>
+                </a:rPr>
+                <a:t>c</a:t>
+              </a:r>
+              <a:r>
+                <a:rPr lang="fr-CA" dirty="0" smtClean="0">
+                  <a:latin typeface="Times" panose="02020603050405020304" pitchFamily="18" charset="0"/>
+                  <a:cs typeface="Times" panose="02020603050405020304" pitchFamily="18" charset="0"/>
+                </a:rPr>
+                <a:t>/a</a:t>
+              </a:r>
+              <a:endParaRPr lang="en-US" dirty="0">
+                <a:latin typeface="Times" panose="02020603050405020304" pitchFamily="18" charset="0"/>
+                <a:cs typeface="Times" panose="02020603050405020304" pitchFamily="18" charset="0"/>
+              </a:endParaRPr>
+            </a:p>
+          </p:txBody>
+        </p:sp>
+        <p:sp>
+          <p:nvSpPr>
+            <p:cNvPr id="150" name="ZoneTexte 149"/>
+            <p:cNvSpPr txBox="1"/>
+            <p:nvPr/>
+          </p:nvSpPr>
+          <p:spPr>
+            <a:xfrm>
+              <a:off x="6999524" y="1495727"/>
+              <a:ext cx="499290" cy="369332"/>
+            </a:xfrm>
+            <a:prstGeom prst="rect">
+              <a:avLst/>
+            </a:prstGeom>
+            <a:noFill/>
+          </p:spPr>
+          <p:txBody>
+            <a:bodyPr wrap="square" rtlCol="0">
+              <a:spAutoFit/>
+            </a:bodyPr>
+            <a:lstStyle/>
+            <a:p>
+              <a:r>
+                <a:rPr lang="fr-CA" dirty="0" smtClean="0">
+                  <a:latin typeface="Times" panose="02020603050405020304" pitchFamily="18" charset="0"/>
+                  <a:cs typeface="Times" panose="02020603050405020304" pitchFamily="18" charset="0"/>
+                </a:rPr>
+                <a:t>c/b</a:t>
+              </a:r>
+              <a:endParaRPr lang="en-US" dirty="0">
+                <a:latin typeface="Times" panose="02020603050405020304" pitchFamily="18" charset="0"/>
+                <a:cs typeface="Times" panose="02020603050405020304" pitchFamily="18" charset="0"/>
+              </a:endParaRPr>
+            </a:p>
+          </p:txBody>
+        </p:sp>
+        <p:sp>
+          <p:nvSpPr>
+            <p:cNvPr id="151" name="ZoneTexte 150"/>
+            <p:cNvSpPr txBox="1"/>
+            <p:nvPr/>
+          </p:nvSpPr>
+          <p:spPr>
+            <a:xfrm>
+              <a:off x="7002546" y="2637698"/>
+              <a:ext cx="499290" cy="369332"/>
+            </a:xfrm>
+            <a:prstGeom prst="rect">
+              <a:avLst/>
+            </a:prstGeom>
+            <a:noFill/>
+          </p:spPr>
+          <p:txBody>
+            <a:bodyPr wrap="square" rtlCol="0">
+              <a:spAutoFit/>
+            </a:bodyPr>
+            <a:lstStyle/>
+            <a:p>
+              <a:r>
+                <a:rPr lang="fr-CA" dirty="0" smtClean="0">
+                  <a:latin typeface="Times" panose="02020603050405020304" pitchFamily="18" charset="0"/>
+                  <a:cs typeface="Times" panose="02020603050405020304" pitchFamily="18" charset="0"/>
+                </a:rPr>
+                <a:t>d/a</a:t>
+              </a:r>
+              <a:endParaRPr lang="en-US" dirty="0">
+                <a:latin typeface="Times" panose="02020603050405020304" pitchFamily="18" charset="0"/>
+                <a:cs typeface="Times" panose="02020603050405020304" pitchFamily="18" charset="0"/>
+              </a:endParaRPr>
+            </a:p>
+          </p:txBody>
+        </p:sp>
+        <p:sp>
+          <p:nvSpPr>
+            <p:cNvPr id="153" name="Rectangle 152"/>
+            <p:cNvSpPr/>
+            <p:nvPr/>
+          </p:nvSpPr>
+          <p:spPr>
+            <a:xfrm>
+              <a:off x="5853278" y="879511"/>
+              <a:ext cx="1789220" cy="406400"/>
+            </a:xfrm>
+            <a:prstGeom prst="rect">
+              <a:avLst/>
+            </a:prstGeom>
+            <a:noFill/>
+            <a:ln w="28575" cmpd="sng">
+              <a:solidFill>
+                <a:srgbClr val="0000FF"/>
+              </a:solidFill>
+            </a:ln>
+            <a:effectLst/>
+          </p:spPr>
+          <p:style>
+            <a:lnRef idx="1">
+              <a:schemeClr val="accent1"/>
+            </a:lnRef>
+            <a:fillRef idx="3">
+              <a:schemeClr val="accent1"/>
+            </a:fillRef>
+            <a:effectRef idx="2">
+              <a:schemeClr val="accent1"/>
+            </a:effectRef>
+            <a:fontRef idx="minor">
+              <a:schemeClr val="lt1"/>
+            </a:fontRef>
+          </p:style>
+          <p:txBody>
+            <a:bodyPr rtlCol="0" anchor="ctr"/>
+            <a:lstStyle/>
+            <a:p>
+              <a:pPr algn="ctr"/>
+              <a:endParaRPr lang="fr-FR">
+                <a:latin typeface="Times" panose="02020603050405020304" pitchFamily="18" charset="0"/>
+                <a:cs typeface="Times" panose="02020603050405020304" pitchFamily="18" charset="0"/>
+              </a:endParaRPr>
+            </a:p>
+          </p:txBody>
+        </p:sp>
+        <p:sp>
+          <p:nvSpPr>
+            <p:cNvPr id="154" name="Rectangle 153"/>
+            <p:cNvSpPr/>
+            <p:nvPr/>
+          </p:nvSpPr>
+          <p:spPr>
+            <a:xfrm>
+              <a:off x="5853278" y="1447392"/>
+              <a:ext cx="1789220" cy="406400"/>
+            </a:xfrm>
+            <a:prstGeom prst="rect">
+              <a:avLst/>
+            </a:prstGeom>
+            <a:noFill/>
+            <a:ln w="28575" cmpd="sng">
+              <a:solidFill>
+                <a:srgbClr val="0000FF"/>
+              </a:solidFill>
+            </a:ln>
+            <a:effectLst/>
+          </p:spPr>
+          <p:style>
+            <a:lnRef idx="1">
+              <a:schemeClr val="accent1"/>
+            </a:lnRef>
+            <a:fillRef idx="3">
+              <a:schemeClr val="accent1"/>
+            </a:fillRef>
+            <a:effectRef idx="2">
+              <a:schemeClr val="accent1"/>
+            </a:effectRef>
+            <a:fontRef idx="minor">
+              <a:schemeClr val="lt1"/>
+            </a:fontRef>
+          </p:style>
+          <p:txBody>
+            <a:bodyPr rtlCol="0" anchor="ctr"/>
+            <a:lstStyle/>
+            <a:p>
+              <a:pPr algn="ctr"/>
+              <a:endParaRPr lang="fr-FR">
+                <a:latin typeface="Times" panose="02020603050405020304" pitchFamily="18" charset="0"/>
+                <a:cs typeface="Times" panose="02020603050405020304" pitchFamily="18" charset="0"/>
+              </a:endParaRPr>
+            </a:p>
+          </p:txBody>
+        </p:sp>
+        <p:sp>
+          <p:nvSpPr>
+            <p:cNvPr id="155" name="Rectangle 154"/>
+            <p:cNvSpPr/>
+            <p:nvPr/>
+          </p:nvSpPr>
+          <p:spPr>
+            <a:xfrm>
+              <a:off x="5847790" y="2584974"/>
+              <a:ext cx="1789220" cy="406400"/>
+            </a:xfrm>
+            <a:prstGeom prst="rect">
+              <a:avLst/>
+            </a:prstGeom>
+            <a:noFill/>
+            <a:ln w="28575" cmpd="sng">
+              <a:solidFill>
+                <a:srgbClr val="00B050"/>
+              </a:solidFill>
+            </a:ln>
+            <a:effectLst/>
+          </p:spPr>
+          <p:style>
+            <a:lnRef idx="1">
+              <a:schemeClr val="accent1"/>
+            </a:lnRef>
+            <a:fillRef idx="3">
+              <a:schemeClr val="accent1"/>
+            </a:fillRef>
+            <a:effectRef idx="2">
+              <a:schemeClr val="accent1"/>
+            </a:effectRef>
+            <a:fontRef idx="minor">
+              <a:schemeClr val="lt1"/>
+            </a:fontRef>
+          </p:style>
+          <p:txBody>
+            <a:bodyPr rtlCol="0" anchor="ctr"/>
+            <a:lstStyle/>
+            <a:p>
+              <a:pPr algn="ctr"/>
+              <a:endParaRPr lang="fr-FR">
+                <a:latin typeface="Times" panose="02020603050405020304" pitchFamily="18" charset="0"/>
+                <a:cs typeface="Times" panose="02020603050405020304" pitchFamily="18" charset="0"/>
+              </a:endParaRPr>
+            </a:p>
+          </p:txBody>
+        </p:sp>
+        <p:grpSp>
+          <p:nvGrpSpPr>
+            <p:cNvPr id="12" name="Groupe 11"/>
+            <p:cNvGrpSpPr/>
+            <p:nvPr/>
+          </p:nvGrpSpPr>
+          <p:grpSpPr>
+            <a:xfrm>
+              <a:off x="8049253" y="2910504"/>
+              <a:ext cx="1094747" cy="1340728"/>
+              <a:chOff x="7839756" y="5597090"/>
+              <a:chExt cx="711440" cy="871295"/>
+            </a:xfrm>
+          </p:grpSpPr>
+          <p:sp>
+            <p:nvSpPr>
+              <p:cNvPr id="162" name="Flèche en arc 161"/>
+              <p:cNvSpPr/>
+              <p:nvPr/>
+            </p:nvSpPr>
+            <p:spPr>
+              <a:xfrm rot="10800000">
+                <a:off x="7839757" y="5597090"/>
+                <a:ext cx="711439" cy="841205"/>
+              </a:xfrm>
+              <a:prstGeom prst="circularArrow">
+                <a:avLst>
+                  <a:gd name="adj1" fmla="val 8592"/>
+                  <a:gd name="adj2" fmla="val 1236791"/>
+                  <a:gd name="adj3" fmla="val 20357023"/>
+                  <a:gd name="adj4" fmla="val 10800000"/>
+                  <a:gd name="adj5" fmla="val 13660"/>
+                </a:avLst>
+              </a:prstGeom>
+              <a:solidFill>
+                <a:schemeClr val="tx1"/>
+              </a:solidFill>
+            </p:spPr>
+            <p:style>
+              <a:lnRef idx="2">
+                <a:schemeClr val="dk1"/>
+              </a:lnRef>
+              <a:fillRef idx="1">
+                <a:schemeClr val="lt1"/>
+              </a:fillRef>
+              <a:effectRef idx="0">
+                <a:schemeClr val="dk1"/>
+              </a:effectRef>
+              <a:fontRef idx="minor">
+                <a:schemeClr val="dk1"/>
+              </a:fontRef>
+            </p:style>
+            <p:txBody>
+              <a:bodyPr rtlCol="0" anchor="ctr"/>
+              <a:lstStyle/>
+              <a:p>
+                <a:pPr algn="ctr"/>
+                <a:endParaRPr lang="en-US">
+                  <a:solidFill>
+                    <a:schemeClr val="tx1"/>
+                  </a:solidFill>
+                </a:endParaRPr>
+              </a:p>
+            </p:txBody>
+          </p:sp>
+          <p:sp>
+            <p:nvSpPr>
+              <p:cNvPr id="164" name="Flèche en arc 163"/>
+              <p:cNvSpPr/>
+              <p:nvPr/>
+            </p:nvSpPr>
+            <p:spPr>
+              <a:xfrm>
+                <a:off x="7839756" y="5627180"/>
+                <a:ext cx="711439" cy="841205"/>
+              </a:xfrm>
+              <a:prstGeom prst="circularArrow">
+                <a:avLst>
+                  <a:gd name="adj1" fmla="val 8592"/>
+                  <a:gd name="adj2" fmla="val 1236791"/>
+                  <a:gd name="adj3" fmla="val 20357023"/>
+                  <a:gd name="adj4" fmla="val 10800000"/>
+                  <a:gd name="adj5" fmla="val 13660"/>
+                </a:avLst>
+              </a:prstGeom>
+              <a:solidFill>
+                <a:schemeClr val="tx1"/>
+              </a:solidFill>
+            </p:spPr>
+            <p:style>
+              <a:lnRef idx="2">
+                <a:schemeClr val="dk1"/>
+              </a:lnRef>
+              <a:fillRef idx="1">
+                <a:schemeClr val="lt1"/>
+              </a:fillRef>
+              <a:effectRef idx="0">
+                <a:schemeClr val="dk1"/>
+              </a:effectRef>
+              <a:fontRef idx="minor">
+                <a:schemeClr val="dk1"/>
+              </a:fontRef>
+            </p:style>
+            <p:txBody>
+              <a:bodyPr rtlCol="0" anchor="ctr"/>
+              <a:lstStyle/>
+              <a:p>
+                <a:pPr algn="ctr"/>
+                <a:endParaRPr lang="en-US">
+                  <a:solidFill>
+                    <a:schemeClr val="tx1"/>
+                  </a:solidFill>
+                </a:endParaRPr>
+              </a:p>
+            </p:txBody>
+          </p:sp>
+        </p:grpSp>
+        <p:grpSp>
+          <p:nvGrpSpPr>
+            <p:cNvPr id="45" name="Grouper 105"/>
+            <p:cNvGrpSpPr/>
+            <p:nvPr/>
+          </p:nvGrpSpPr>
+          <p:grpSpPr>
+            <a:xfrm>
+              <a:off x="-41141" y="100683"/>
+              <a:ext cx="3817797" cy="5630773"/>
+              <a:chOff x="-659487" y="557883"/>
+              <a:chExt cx="3817797" cy="5630773"/>
+            </a:xfrm>
+          </p:grpSpPr>
+          <p:sp>
+            <p:nvSpPr>
+              <p:cNvPr id="46" name="Rectangle 45"/>
+              <p:cNvSpPr/>
+              <p:nvPr/>
+            </p:nvSpPr>
+            <p:spPr>
+              <a:xfrm>
+                <a:off x="594141" y="1230283"/>
+                <a:ext cx="2016055" cy="2358869"/>
+              </a:xfrm>
+              <a:prstGeom prst="rect">
+                <a:avLst/>
+              </a:prstGeom>
+              <a:solidFill>
+                <a:schemeClr val="bg1"/>
+              </a:solidFill>
+              <a:ln>
+                <a:solidFill>
+                  <a:schemeClr val="tx1"/>
+                </a:solidFill>
+              </a:ln>
+              <a:effectLst/>
+            </p:spPr>
+            <p:style>
+              <a:lnRef idx="1">
+                <a:schemeClr val="accent1"/>
+              </a:lnRef>
+              <a:fillRef idx="3">
+                <a:schemeClr val="accent1"/>
+              </a:fillRef>
+              <a:effectRef idx="2">
+                <a:schemeClr val="accent1"/>
+              </a:effectRef>
+              <a:fontRef idx="minor">
+                <a:schemeClr val="lt1"/>
+              </a:fontRef>
+            </p:style>
+            <p:txBody>
+              <a:bodyPr rtlCol="0" anchor="ctr"/>
+              <a:lstStyle/>
+              <a:p>
+                <a:pPr algn="ctr"/>
+                <a:endParaRPr lang="fr-FR">
+                  <a:solidFill>
+                    <a:schemeClr val="tx1"/>
+                  </a:solidFill>
+                  <a:latin typeface="Times New Roman" panose="02020603050405020304" pitchFamily="18" charset="0"/>
+                  <a:cs typeface="Times New Roman" panose="02020603050405020304" pitchFamily="18" charset="0"/>
+                </a:endParaRPr>
+              </a:p>
+            </p:txBody>
+          </p:sp>
+          <p:sp>
+            <p:nvSpPr>
+              <p:cNvPr id="47" name="ZoneTexte 46"/>
+              <p:cNvSpPr txBox="1"/>
+              <p:nvPr/>
+            </p:nvSpPr>
+            <p:spPr>
+              <a:xfrm rot="16200000">
+                <a:off x="-2548466" y="3776458"/>
+                <a:ext cx="4301177" cy="523220"/>
+              </a:xfrm>
+              <a:prstGeom prst="rect">
+                <a:avLst/>
+              </a:prstGeom>
+              <a:noFill/>
+            </p:spPr>
+            <p:txBody>
+              <a:bodyPr wrap="none" rtlCol="0">
+                <a:spAutoFit/>
+              </a:bodyPr>
+              <a:lstStyle/>
+              <a:p>
+                <a:pPr algn="ctr"/>
+                <a:r>
+                  <a:rPr lang="fr-FR" sz="2800" dirty="0" smtClean="0">
+                    <a:latin typeface="Times New Roman" panose="02020603050405020304" pitchFamily="18" charset="0"/>
+                    <a:cs typeface="Times New Roman" panose="02020603050405020304" pitchFamily="18" charset="0"/>
+                  </a:rPr>
+                  <a:t>2</a:t>
+                </a:r>
+                <a:r>
+                  <a:rPr lang="fr-FR" sz="2800" i="1" dirty="0" smtClean="0">
+                    <a:latin typeface="Times New Roman" panose="02020603050405020304" pitchFamily="18" charset="0"/>
+                    <a:cs typeface="Times New Roman" panose="02020603050405020304" pitchFamily="18" charset="0"/>
+                  </a:rPr>
+                  <a:t> </a:t>
+                </a:r>
+                <a:r>
+                  <a:rPr lang="fr-FR" sz="2800" dirty="0" smtClean="0">
+                    <a:latin typeface="Times New Roman" panose="02020603050405020304" pitchFamily="18" charset="0"/>
+                    <a:cs typeface="Times New Roman" panose="02020603050405020304" pitchFamily="18" charset="0"/>
+                  </a:rPr>
+                  <a:t>populations : </a:t>
+                </a:r>
+                <a:r>
+                  <a:rPr lang="fr-FR" sz="2800" i="1" dirty="0" smtClean="0">
+                    <a:solidFill>
+                      <a:srgbClr val="012AAF"/>
+                    </a:solidFill>
+                    <a:latin typeface="Times New Roman" panose="02020603050405020304" pitchFamily="18" charset="0"/>
+                    <a:cs typeface="Times New Roman" panose="02020603050405020304" pitchFamily="18" charset="0"/>
+                  </a:rPr>
+                  <a:t>pop1</a:t>
+                </a:r>
+                <a:r>
+                  <a:rPr lang="fr-FR" sz="2800" i="1" dirty="0" smtClean="0">
+                    <a:solidFill>
+                      <a:srgbClr val="00B050"/>
+                    </a:solidFill>
+                    <a:latin typeface="Times New Roman" panose="02020603050405020304" pitchFamily="18" charset="0"/>
+                    <a:cs typeface="Times New Roman" panose="02020603050405020304" pitchFamily="18" charset="0"/>
+                  </a:rPr>
+                  <a:t> </a:t>
+                </a:r>
+                <a:r>
+                  <a:rPr lang="fr-FR" sz="2800" dirty="0" smtClean="0">
+                    <a:latin typeface="Times New Roman" panose="02020603050405020304" pitchFamily="18" charset="0"/>
+                    <a:cs typeface="Times New Roman" panose="02020603050405020304" pitchFamily="18" charset="0"/>
+                  </a:rPr>
+                  <a:t>&amp;</a:t>
+                </a:r>
+                <a:r>
+                  <a:rPr lang="fr-FR" sz="2800" i="1" dirty="0" smtClean="0">
+                    <a:solidFill>
+                      <a:srgbClr val="00B050"/>
+                    </a:solidFill>
+                    <a:latin typeface="Times New Roman" panose="02020603050405020304" pitchFamily="18" charset="0"/>
+                    <a:cs typeface="Times New Roman" panose="02020603050405020304" pitchFamily="18" charset="0"/>
+                  </a:rPr>
+                  <a:t> pop2</a:t>
+                </a:r>
+                <a:endParaRPr lang="fr-FR" sz="2800" i="1" dirty="0">
+                  <a:solidFill>
+                    <a:srgbClr val="00B050"/>
+                  </a:solidFill>
+                  <a:latin typeface="Times New Roman" panose="02020603050405020304" pitchFamily="18" charset="0"/>
+                  <a:cs typeface="Times New Roman" panose="02020603050405020304" pitchFamily="18" charset="0"/>
+                </a:endParaRPr>
+              </a:p>
+            </p:txBody>
+          </p:sp>
+          <p:grpSp>
+            <p:nvGrpSpPr>
+              <p:cNvPr id="48" name="Grouper 6"/>
+              <p:cNvGrpSpPr/>
+              <p:nvPr/>
+            </p:nvGrpSpPr>
+            <p:grpSpPr>
+              <a:xfrm>
+                <a:off x="709968" y="1342252"/>
+                <a:ext cx="1789220" cy="974281"/>
+                <a:chOff x="709968" y="1342252"/>
+                <a:chExt cx="1789220" cy="974281"/>
+              </a:xfrm>
+            </p:grpSpPr>
+            <p:grpSp>
+              <p:nvGrpSpPr>
+                <p:cNvPr id="55" name="Grouper 4"/>
+                <p:cNvGrpSpPr/>
+                <p:nvPr/>
+              </p:nvGrpSpPr>
+              <p:grpSpPr>
+                <a:xfrm>
+                  <a:off x="709968" y="1342252"/>
+                  <a:ext cx="1789220" cy="406400"/>
+                  <a:chOff x="709968" y="1342252"/>
+                  <a:chExt cx="1789220" cy="406400"/>
+                </a:xfrm>
+              </p:grpSpPr>
+              <p:sp>
+                <p:nvSpPr>
+                  <p:cNvPr id="59" name="Rectangle 58"/>
+                  <p:cNvSpPr/>
+                  <p:nvPr/>
+                </p:nvSpPr>
+                <p:spPr>
+                  <a:xfrm>
+                    <a:off x="709968" y="1342252"/>
+                    <a:ext cx="1789220" cy="406400"/>
+                  </a:xfrm>
+                  <a:prstGeom prst="rect">
+                    <a:avLst/>
+                  </a:prstGeom>
+                  <a:noFill/>
+                  <a:ln w="28575" cmpd="sng">
+                    <a:solidFill>
+                      <a:srgbClr val="0000FF"/>
+                    </a:solidFill>
+                  </a:ln>
+                  <a:effectLst/>
+                </p:spPr>
+                <p:style>
+                  <a:lnRef idx="1">
+                    <a:schemeClr val="accent1"/>
+                  </a:lnRef>
+                  <a:fillRef idx="3">
+                    <a:schemeClr val="accent1"/>
+                  </a:fillRef>
+                  <a:effectRef idx="2">
+                    <a:schemeClr val="accent1"/>
+                  </a:effectRef>
+                  <a:fontRef idx="minor">
+                    <a:schemeClr val="lt1"/>
+                  </a:fontRef>
+                </p:style>
+                <p:txBody>
+                  <a:bodyPr rtlCol="0" anchor="ctr"/>
+                  <a:lstStyle/>
+                  <a:p>
+                    <a:pPr algn="ctr"/>
+                    <a:endParaRPr lang="fr-FR">
+                      <a:latin typeface="Times New Roman" panose="02020603050405020304" pitchFamily="18" charset="0"/>
+                      <a:cs typeface="Times New Roman" panose="02020603050405020304" pitchFamily="18" charset="0"/>
+                    </a:endParaRPr>
+                  </a:p>
+                </p:txBody>
+              </p:sp>
+              <p:sp>
+                <p:nvSpPr>
+                  <p:cNvPr id="60" name="ZoneTexte 59"/>
+                  <p:cNvSpPr txBox="1"/>
+                  <p:nvPr/>
+                </p:nvSpPr>
+                <p:spPr>
+                  <a:xfrm>
+                    <a:off x="1938765" y="1342252"/>
+                    <a:ext cx="184730" cy="369332"/>
+                  </a:xfrm>
+                  <a:prstGeom prst="rect">
+                    <a:avLst/>
+                  </a:prstGeom>
+                  <a:noFill/>
+                </p:spPr>
+                <p:txBody>
+                  <a:bodyPr wrap="none" rtlCol="0">
+                    <a:spAutoFit/>
+                  </a:bodyPr>
+                  <a:lstStyle/>
+                  <a:p>
+                    <a:pPr algn="ctr"/>
+                    <a:endParaRPr lang="fr-FR" dirty="0">
+                      <a:solidFill>
+                        <a:srgbClr val="0000FF"/>
+                      </a:solidFill>
+                      <a:latin typeface="Times New Roman" panose="02020603050405020304" pitchFamily="18" charset="0"/>
+                      <a:cs typeface="Times New Roman" panose="02020603050405020304" pitchFamily="18" charset="0"/>
+                    </a:endParaRPr>
+                  </a:p>
+                </p:txBody>
+              </p:sp>
+            </p:grpSp>
+            <p:grpSp>
+              <p:nvGrpSpPr>
+                <p:cNvPr id="56" name="Grouper 16"/>
+                <p:cNvGrpSpPr/>
+                <p:nvPr/>
+              </p:nvGrpSpPr>
+              <p:grpSpPr>
+                <a:xfrm>
+                  <a:off x="709968" y="1910133"/>
+                  <a:ext cx="1789220" cy="406400"/>
+                  <a:chOff x="709968" y="1342252"/>
+                  <a:chExt cx="1789220" cy="406400"/>
+                </a:xfrm>
+              </p:grpSpPr>
+              <p:sp>
+                <p:nvSpPr>
+                  <p:cNvPr id="57" name="Rectangle 56"/>
+                  <p:cNvSpPr/>
+                  <p:nvPr/>
+                </p:nvSpPr>
+                <p:spPr>
+                  <a:xfrm>
+                    <a:off x="709968" y="1342252"/>
+                    <a:ext cx="1789220" cy="406400"/>
+                  </a:xfrm>
+                  <a:prstGeom prst="rect">
+                    <a:avLst/>
+                  </a:prstGeom>
+                  <a:noFill/>
+                  <a:ln w="28575" cmpd="sng">
+                    <a:solidFill>
+                      <a:srgbClr val="0000FF"/>
+                    </a:solidFill>
+                  </a:ln>
+                  <a:effectLst/>
+                </p:spPr>
+                <p:style>
+                  <a:lnRef idx="1">
+                    <a:schemeClr val="accent1"/>
+                  </a:lnRef>
+                  <a:fillRef idx="3">
+                    <a:schemeClr val="accent1"/>
+                  </a:fillRef>
+                  <a:effectRef idx="2">
+                    <a:schemeClr val="accent1"/>
+                  </a:effectRef>
+                  <a:fontRef idx="minor">
+                    <a:schemeClr val="lt1"/>
+                  </a:fontRef>
+                </p:style>
+                <p:txBody>
+                  <a:bodyPr rtlCol="0" anchor="ctr"/>
+                  <a:lstStyle/>
+                  <a:p>
+                    <a:pPr algn="ctr"/>
+                    <a:endParaRPr lang="fr-FR">
+                      <a:latin typeface="Times New Roman" panose="02020603050405020304" pitchFamily="18" charset="0"/>
+                      <a:cs typeface="Times New Roman" panose="02020603050405020304" pitchFamily="18" charset="0"/>
+                    </a:endParaRPr>
+                  </a:p>
+                </p:txBody>
+              </p:sp>
+              <p:sp>
+                <p:nvSpPr>
+                  <p:cNvPr id="58" name="ZoneTexte 57"/>
+                  <p:cNvSpPr txBox="1"/>
+                  <p:nvPr/>
+                </p:nvSpPr>
+                <p:spPr>
+                  <a:xfrm>
+                    <a:off x="1938765" y="1342252"/>
+                    <a:ext cx="184730" cy="369332"/>
+                  </a:xfrm>
+                  <a:prstGeom prst="rect">
+                    <a:avLst/>
+                  </a:prstGeom>
+                  <a:noFill/>
+                </p:spPr>
+                <p:txBody>
+                  <a:bodyPr wrap="none" rtlCol="0">
+                    <a:spAutoFit/>
+                  </a:bodyPr>
+                  <a:lstStyle/>
+                  <a:p>
+                    <a:pPr algn="ctr"/>
+                    <a:endParaRPr lang="fr-FR" dirty="0">
+                      <a:solidFill>
+                        <a:srgbClr val="0000FF"/>
+                      </a:solidFill>
+                      <a:latin typeface="Times New Roman" panose="02020603050405020304" pitchFamily="18" charset="0"/>
+                      <a:cs typeface="Times New Roman" panose="02020603050405020304" pitchFamily="18" charset="0"/>
+                    </a:endParaRPr>
+                  </a:p>
+                </p:txBody>
+              </p:sp>
+            </p:grpSp>
+          </p:grpSp>
+          <p:sp>
+            <p:nvSpPr>
+              <p:cNvPr id="49" name="ZoneTexte 48"/>
+              <p:cNvSpPr txBox="1"/>
+              <p:nvPr/>
+            </p:nvSpPr>
+            <p:spPr>
+              <a:xfrm>
+                <a:off x="85977" y="557883"/>
+                <a:ext cx="3072333" cy="523220"/>
+              </a:xfrm>
+              <a:prstGeom prst="rect">
+                <a:avLst/>
+              </a:prstGeom>
+              <a:noFill/>
+            </p:spPr>
+            <p:txBody>
+              <a:bodyPr wrap="square" rtlCol="0">
+                <a:spAutoFit/>
+              </a:bodyPr>
+              <a:lstStyle/>
+              <a:p>
+                <a:pPr algn="ctr"/>
+                <a:r>
+                  <a:rPr lang="fr-FR" sz="2800" dirty="0">
+                    <a:latin typeface="Times New Roman" panose="02020603050405020304" pitchFamily="18" charset="0"/>
+                    <a:cs typeface="Times New Roman" panose="02020603050405020304" pitchFamily="18" charset="0"/>
+                  </a:rPr>
+                  <a:t>2</a:t>
+                </a:r>
+                <a:r>
+                  <a:rPr lang="fr-FR" sz="2800" dirty="0" smtClean="0">
+                    <a:latin typeface="Times New Roman" panose="02020603050405020304" pitchFamily="18" charset="0"/>
+                    <a:cs typeface="Times New Roman" panose="02020603050405020304" pitchFamily="18" charset="0"/>
+                  </a:rPr>
+                  <a:t> </a:t>
+                </a:r>
+                <a:r>
+                  <a:rPr lang="fr-FR" sz="2800" dirty="0" err="1" smtClean="0">
+                    <a:latin typeface="Times New Roman" panose="02020603050405020304" pitchFamily="18" charset="0"/>
+                    <a:cs typeface="Times New Roman" panose="02020603050405020304" pitchFamily="18" charset="0"/>
+                  </a:rPr>
+                  <a:t>loci</a:t>
+                </a:r>
+                <a:endParaRPr lang="fr-FR" sz="2800" dirty="0">
+                  <a:latin typeface="Times New Roman" panose="02020603050405020304" pitchFamily="18" charset="0"/>
+                  <a:cs typeface="Times New Roman" panose="02020603050405020304" pitchFamily="18" charset="0"/>
+                </a:endParaRPr>
+              </a:p>
+            </p:txBody>
+          </p:sp>
+          <p:grpSp>
+            <p:nvGrpSpPr>
+              <p:cNvPr id="50" name="Grouper 47"/>
+              <p:cNvGrpSpPr/>
+              <p:nvPr/>
+            </p:nvGrpSpPr>
+            <p:grpSpPr>
+              <a:xfrm>
+                <a:off x="704480" y="3047715"/>
+                <a:ext cx="1789220" cy="459587"/>
+                <a:chOff x="689360" y="219028"/>
+                <a:chExt cx="1789220" cy="459587"/>
+              </a:xfrm>
+            </p:grpSpPr>
+            <p:sp>
+              <p:nvSpPr>
+                <p:cNvPr id="51" name="Rectangle 50"/>
+                <p:cNvSpPr/>
+                <p:nvPr/>
+              </p:nvSpPr>
+              <p:spPr>
+                <a:xfrm>
+                  <a:off x="689360" y="219028"/>
+                  <a:ext cx="1789220" cy="406400"/>
+                </a:xfrm>
+                <a:prstGeom prst="rect">
+                  <a:avLst/>
+                </a:prstGeom>
+                <a:noFill/>
+                <a:ln w="28575" cmpd="sng">
+                  <a:solidFill>
+                    <a:srgbClr val="00B050"/>
+                  </a:solidFill>
+                </a:ln>
+                <a:effectLst/>
+              </p:spPr>
+              <p:style>
+                <a:lnRef idx="1">
+                  <a:schemeClr val="accent1"/>
+                </a:lnRef>
+                <a:fillRef idx="3">
+                  <a:schemeClr val="accent1"/>
+                </a:fillRef>
+                <a:effectRef idx="2">
+                  <a:schemeClr val="accent1"/>
+                </a:effectRef>
+                <a:fontRef idx="minor">
+                  <a:schemeClr val="lt1"/>
+                </a:fontRef>
+              </p:style>
+              <p:txBody>
+                <a:bodyPr rtlCol="0" anchor="ctr"/>
+                <a:lstStyle/>
+                <a:p>
+                  <a:pPr algn="ctr"/>
+                  <a:endParaRPr lang="fr-FR">
+                    <a:latin typeface="Times New Roman" panose="02020603050405020304" pitchFamily="18" charset="0"/>
+                    <a:cs typeface="Times New Roman" panose="02020603050405020304" pitchFamily="18" charset="0"/>
+                  </a:endParaRPr>
+                </a:p>
+              </p:txBody>
+            </p:sp>
+            <p:sp>
+              <p:nvSpPr>
+                <p:cNvPr id="54" name="ZoneTexte 53"/>
+                <p:cNvSpPr txBox="1"/>
+                <p:nvPr/>
+              </p:nvSpPr>
+              <p:spPr>
+                <a:xfrm>
+                  <a:off x="1926527" y="309283"/>
+                  <a:ext cx="184730" cy="369332"/>
+                </a:xfrm>
+                <a:prstGeom prst="rect">
+                  <a:avLst/>
+                </a:prstGeom>
+                <a:noFill/>
+              </p:spPr>
+              <p:txBody>
+                <a:bodyPr wrap="none" rtlCol="0">
+                  <a:spAutoFit/>
+                </a:bodyPr>
+                <a:lstStyle/>
+                <a:p>
+                  <a:pPr algn="ctr"/>
+                  <a:endParaRPr lang="fr-FR" dirty="0">
+                    <a:solidFill>
+                      <a:srgbClr val="0000FF"/>
+                    </a:solidFill>
+                    <a:latin typeface="Times New Roman" panose="02020603050405020304" pitchFamily="18" charset="0"/>
+                    <a:cs typeface="Times New Roman" panose="02020603050405020304" pitchFamily="18" charset="0"/>
+                  </a:endParaRPr>
+                </a:p>
+              </p:txBody>
+            </p:sp>
+          </p:grpSp>
+        </p:grpSp>
+        <p:sp>
+          <p:nvSpPr>
+            <p:cNvPr id="61" name="Rectangle 60"/>
+            <p:cNvSpPr/>
+            <p:nvPr/>
+          </p:nvSpPr>
+          <p:spPr>
+            <a:xfrm>
+              <a:off x="1344940" y="2020814"/>
+              <a:ext cx="1789220" cy="406400"/>
+            </a:xfrm>
+            <a:prstGeom prst="rect">
+              <a:avLst/>
+            </a:prstGeom>
+            <a:noFill/>
+            <a:ln w="28575" cmpd="sng">
+              <a:solidFill>
+                <a:srgbClr val="00B050"/>
+              </a:solidFill>
+            </a:ln>
+            <a:effectLst/>
+          </p:spPr>
+          <p:style>
+            <a:lnRef idx="1">
+              <a:schemeClr val="accent1"/>
+            </a:lnRef>
+            <a:fillRef idx="3">
+              <a:schemeClr val="accent1"/>
+            </a:fillRef>
+            <a:effectRef idx="2">
+              <a:schemeClr val="accent1"/>
+            </a:effectRef>
+            <a:fontRef idx="minor">
+              <a:schemeClr val="lt1"/>
+            </a:fontRef>
+          </p:style>
+          <p:txBody>
+            <a:bodyPr rtlCol="0" anchor="ctr"/>
+            <a:lstStyle/>
+            <a:p>
+              <a:pPr algn="ctr"/>
+              <a:endParaRPr lang="fr-FR">
+                <a:latin typeface="Times New Roman" panose="02020603050405020304" pitchFamily="18" charset="0"/>
+                <a:cs typeface="Times New Roman" panose="02020603050405020304" pitchFamily="18" charset="0"/>
+              </a:endParaRPr>
+            </a:p>
+          </p:txBody>
+        </p:sp>
+        <p:sp>
+          <p:nvSpPr>
+            <p:cNvPr id="62" name="ZoneTexte 61"/>
+            <p:cNvSpPr txBox="1"/>
+            <p:nvPr/>
+          </p:nvSpPr>
+          <p:spPr>
+            <a:xfrm>
+              <a:off x="1026288" y="3156273"/>
+              <a:ext cx="2662407" cy="523220"/>
+            </a:xfrm>
+            <a:prstGeom prst="rect">
+              <a:avLst/>
+            </a:prstGeom>
+            <a:noFill/>
+          </p:spPr>
+          <p:txBody>
+            <a:bodyPr wrap="square" rtlCol="0">
+              <a:spAutoFit/>
+            </a:bodyPr>
+            <a:lstStyle/>
+            <a:p>
+              <a:pPr algn="ctr"/>
+              <a:r>
+                <a:rPr lang="fr-FR" sz="2800" dirty="0" smtClean="0">
+                  <a:latin typeface="Times New Roman" panose="02020603050405020304" pitchFamily="18" charset="0"/>
+                  <a:cs typeface="Times New Roman" panose="02020603050405020304" pitchFamily="18" charset="0"/>
+                </a:rPr>
+                <a:t>1</a:t>
+              </a:r>
+              <a:r>
+                <a:rPr lang="fr-FR" sz="2800" baseline="30000" dirty="0" smtClean="0">
+                  <a:latin typeface="Times New Roman" panose="02020603050405020304" pitchFamily="18" charset="0"/>
+                  <a:cs typeface="Times New Roman" panose="02020603050405020304" pitchFamily="18" charset="0"/>
+                </a:rPr>
+                <a:t>st</a:t>
+              </a:r>
+              <a:r>
+                <a:rPr lang="fr-FR" sz="2800" dirty="0" smtClean="0">
+                  <a:latin typeface="Times New Roman" panose="02020603050405020304" pitchFamily="18" charset="0"/>
+                  <a:cs typeface="Times New Roman" panose="02020603050405020304" pitchFamily="18" charset="0"/>
+                </a:rPr>
+                <a:t> </a:t>
+              </a:r>
+              <a:r>
+                <a:rPr lang="fr-FR" sz="2800" dirty="0" err="1" smtClean="0">
+                  <a:latin typeface="Times New Roman" panose="02020603050405020304" pitchFamily="18" charset="0"/>
+                  <a:cs typeface="Times New Roman" panose="02020603050405020304" pitchFamily="18" charset="0"/>
+                </a:rPr>
+                <a:t>s</a:t>
+              </a:r>
+              <a:r>
+                <a:rPr lang="fr-FR" sz="2800" dirty="0" err="1" smtClean="0">
+                  <a:latin typeface="Times New Roman" panose="02020603050405020304" pitchFamily="18" charset="0"/>
+                  <a:cs typeface="Times New Roman" panose="02020603050405020304" pitchFamily="18" charset="0"/>
+                </a:rPr>
+                <a:t>ampling</a:t>
+              </a:r>
+              <a:r>
+                <a:rPr lang="fr-FR" sz="2800" dirty="0" smtClean="0">
+                  <a:latin typeface="Times New Roman" panose="02020603050405020304" pitchFamily="18" charset="0"/>
+                  <a:cs typeface="Times New Roman" panose="02020603050405020304" pitchFamily="18" charset="0"/>
+                </a:rPr>
+                <a:t> (T1)</a:t>
+              </a:r>
+              <a:endParaRPr lang="fr-FR" sz="2800" b="1" dirty="0">
+                <a:latin typeface="Times New Roman" panose="02020603050405020304" pitchFamily="18" charset="0"/>
+                <a:cs typeface="Times New Roman" panose="02020603050405020304" pitchFamily="18" charset="0"/>
+              </a:endParaRPr>
+            </a:p>
+          </p:txBody>
+        </p:sp>
+        <p:sp>
+          <p:nvSpPr>
+            <p:cNvPr id="63" name="ZoneTexte 62"/>
+            <p:cNvSpPr txBox="1"/>
+            <p:nvPr/>
+          </p:nvSpPr>
+          <p:spPr>
+            <a:xfrm>
+              <a:off x="1460049" y="900779"/>
+              <a:ext cx="499290" cy="369332"/>
+            </a:xfrm>
+            <a:prstGeom prst="rect">
+              <a:avLst/>
+            </a:prstGeom>
+            <a:noFill/>
+          </p:spPr>
+          <p:txBody>
+            <a:bodyPr wrap="square" rtlCol="0">
+              <a:spAutoFit/>
+            </a:bodyPr>
+            <a:lstStyle/>
+            <a:p>
+              <a:r>
+                <a:rPr lang="fr-CA" dirty="0" smtClean="0">
+                  <a:latin typeface="Times New Roman" panose="02020603050405020304" pitchFamily="18" charset="0"/>
+                  <a:cs typeface="Times New Roman" panose="02020603050405020304" pitchFamily="18" charset="0"/>
+                </a:rPr>
+                <a:t>a/a</a:t>
+              </a:r>
+              <a:endParaRPr lang="en-US" dirty="0">
+                <a:latin typeface="Times New Roman" panose="02020603050405020304" pitchFamily="18" charset="0"/>
+                <a:cs typeface="Times New Roman" panose="02020603050405020304" pitchFamily="18" charset="0"/>
+              </a:endParaRPr>
+            </a:p>
+          </p:txBody>
+        </p:sp>
+        <p:sp>
+          <p:nvSpPr>
+            <p:cNvPr id="64" name="ZoneTexte 63"/>
+            <p:cNvSpPr txBox="1"/>
+            <p:nvPr/>
+          </p:nvSpPr>
+          <p:spPr>
+            <a:xfrm>
+              <a:off x="1460049" y="2039348"/>
+              <a:ext cx="499290" cy="369332"/>
+            </a:xfrm>
+            <a:prstGeom prst="rect">
+              <a:avLst/>
+            </a:prstGeom>
+            <a:noFill/>
+          </p:spPr>
+          <p:txBody>
+            <a:bodyPr wrap="square" rtlCol="0">
+              <a:spAutoFit/>
+            </a:bodyPr>
+            <a:lstStyle/>
+            <a:p>
+              <a:r>
+                <a:rPr lang="fr-CA" dirty="0" smtClean="0">
+                  <a:latin typeface="Times New Roman" panose="02020603050405020304" pitchFamily="18" charset="0"/>
+                  <a:cs typeface="Times New Roman" panose="02020603050405020304" pitchFamily="18" charset="0"/>
+                </a:rPr>
+                <a:t>a/c</a:t>
+              </a:r>
+              <a:endParaRPr lang="en-US" dirty="0">
+                <a:latin typeface="Times New Roman" panose="02020603050405020304" pitchFamily="18" charset="0"/>
+                <a:cs typeface="Times New Roman" panose="02020603050405020304" pitchFamily="18" charset="0"/>
+              </a:endParaRPr>
+            </a:p>
+          </p:txBody>
+        </p:sp>
+        <p:sp>
+          <p:nvSpPr>
+            <p:cNvPr id="65" name="ZoneTexte 64"/>
+            <p:cNvSpPr txBox="1"/>
+            <p:nvPr/>
+          </p:nvSpPr>
+          <p:spPr>
+            <a:xfrm>
+              <a:off x="1459035" y="1470557"/>
+              <a:ext cx="499290" cy="369332"/>
+            </a:xfrm>
+            <a:prstGeom prst="rect">
+              <a:avLst/>
+            </a:prstGeom>
+            <a:noFill/>
+          </p:spPr>
+          <p:txBody>
+            <a:bodyPr wrap="square" rtlCol="0">
+              <a:spAutoFit/>
+            </a:bodyPr>
+            <a:lstStyle/>
+            <a:p>
+              <a:r>
+                <a:rPr lang="fr-CA" dirty="0" smtClean="0">
+                  <a:latin typeface="Times New Roman" panose="02020603050405020304" pitchFamily="18" charset="0"/>
+                  <a:cs typeface="Times New Roman" panose="02020603050405020304" pitchFamily="18" charset="0"/>
+                </a:rPr>
+                <a:t>b/a</a:t>
+              </a:r>
+              <a:endParaRPr lang="en-US" dirty="0">
+                <a:latin typeface="Times New Roman" panose="02020603050405020304" pitchFamily="18" charset="0"/>
+                <a:cs typeface="Times New Roman" panose="02020603050405020304" pitchFamily="18" charset="0"/>
+              </a:endParaRPr>
+            </a:p>
+          </p:txBody>
+        </p:sp>
+        <p:sp>
+          <p:nvSpPr>
+            <p:cNvPr id="72" name="ZoneTexte 71"/>
+            <p:cNvSpPr txBox="1"/>
+            <p:nvPr/>
+          </p:nvSpPr>
+          <p:spPr>
+            <a:xfrm>
+              <a:off x="1462057" y="2612528"/>
+              <a:ext cx="499290" cy="369332"/>
+            </a:xfrm>
+            <a:prstGeom prst="rect">
+              <a:avLst/>
+            </a:prstGeom>
+            <a:noFill/>
+          </p:spPr>
+          <p:txBody>
+            <a:bodyPr wrap="square" rtlCol="0">
+              <a:spAutoFit/>
+            </a:bodyPr>
+            <a:lstStyle/>
+            <a:p>
+              <a:r>
+                <a:rPr lang="fr-CA" dirty="0" smtClean="0">
+                  <a:latin typeface="Times New Roman" panose="02020603050405020304" pitchFamily="18" charset="0"/>
+                  <a:cs typeface="Times New Roman" panose="02020603050405020304" pitchFamily="18" charset="0"/>
+                </a:rPr>
+                <a:t>b/c</a:t>
+              </a:r>
+              <a:endParaRPr lang="en-US" dirty="0">
+                <a:latin typeface="Times New Roman" panose="02020603050405020304" pitchFamily="18" charset="0"/>
+                <a:cs typeface="Times New Roman" panose="02020603050405020304" pitchFamily="18" charset="0"/>
+              </a:endParaRPr>
+            </a:p>
+          </p:txBody>
+        </p:sp>
+        <p:sp>
+          <p:nvSpPr>
+            <p:cNvPr id="73" name="ZoneTexte 72"/>
+            <p:cNvSpPr txBox="1"/>
+            <p:nvPr/>
+          </p:nvSpPr>
+          <p:spPr>
+            <a:xfrm>
+              <a:off x="2508822" y="906554"/>
+              <a:ext cx="499290" cy="369332"/>
+            </a:xfrm>
+            <a:prstGeom prst="rect">
+              <a:avLst/>
+            </a:prstGeom>
+            <a:noFill/>
+          </p:spPr>
+          <p:txBody>
+            <a:bodyPr wrap="square" rtlCol="0">
+              <a:spAutoFit/>
+            </a:bodyPr>
+            <a:lstStyle/>
+            <a:p>
+              <a:r>
+                <a:rPr lang="fr-CA" dirty="0">
+                  <a:latin typeface="Times New Roman" panose="02020603050405020304" pitchFamily="18" charset="0"/>
+                  <a:cs typeface="Times New Roman" panose="02020603050405020304" pitchFamily="18" charset="0"/>
+                </a:rPr>
+                <a:t>c</a:t>
+              </a:r>
+              <a:r>
+                <a:rPr lang="fr-CA" dirty="0" smtClean="0">
+                  <a:latin typeface="Times New Roman" panose="02020603050405020304" pitchFamily="18" charset="0"/>
+                  <a:cs typeface="Times New Roman" panose="02020603050405020304" pitchFamily="18" charset="0"/>
+                </a:rPr>
+                <a:t>/a</a:t>
+              </a:r>
+              <a:endParaRPr lang="en-US" dirty="0">
+                <a:latin typeface="Times New Roman" panose="02020603050405020304" pitchFamily="18" charset="0"/>
+                <a:cs typeface="Times New Roman" panose="02020603050405020304" pitchFamily="18" charset="0"/>
+              </a:endParaRPr>
+            </a:p>
+          </p:txBody>
+        </p:sp>
+        <p:sp>
+          <p:nvSpPr>
+            <p:cNvPr id="74" name="ZoneTexte 73"/>
+            <p:cNvSpPr txBox="1"/>
+            <p:nvPr/>
+          </p:nvSpPr>
+          <p:spPr>
+            <a:xfrm>
+              <a:off x="2508822" y="2045123"/>
+              <a:ext cx="499290" cy="369332"/>
+            </a:xfrm>
+            <a:prstGeom prst="rect">
+              <a:avLst/>
+            </a:prstGeom>
+            <a:noFill/>
+          </p:spPr>
+          <p:txBody>
+            <a:bodyPr wrap="square" rtlCol="0">
+              <a:spAutoFit/>
+            </a:bodyPr>
+            <a:lstStyle/>
+            <a:p>
+              <a:r>
+                <a:rPr lang="fr-CA" dirty="0" smtClean="0">
+                  <a:latin typeface="Times New Roman" panose="02020603050405020304" pitchFamily="18" charset="0"/>
+                  <a:cs typeface="Times New Roman" panose="02020603050405020304" pitchFamily="18" charset="0"/>
+                </a:rPr>
+                <a:t>d/a</a:t>
+              </a:r>
+              <a:endParaRPr lang="en-US" dirty="0">
+                <a:latin typeface="Times New Roman" panose="02020603050405020304" pitchFamily="18" charset="0"/>
+                <a:cs typeface="Times New Roman" panose="02020603050405020304" pitchFamily="18" charset="0"/>
+              </a:endParaRPr>
+            </a:p>
+          </p:txBody>
+        </p:sp>
+        <p:sp>
+          <p:nvSpPr>
+            <p:cNvPr id="86" name="ZoneTexte 85"/>
+            <p:cNvSpPr txBox="1"/>
+            <p:nvPr/>
+          </p:nvSpPr>
+          <p:spPr>
+            <a:xfrm>
+              <a:off x="2507808" y="1476332"/>
+              <a:ext cx="499290" cy="369332"/>
+            </a:xfrm>
+            <a:prstGeom prst="rect">
+              <a:avLst/>
+            </a:prstGeom>
+            <a:noFill/>
+          </p:spPr>
+          <p:txBody>
+            <a:bodyPr wrap="square" rtlCol="0">
+              <a:spAutoFit/>
+            </a:bodyPr>
+            <a:lstStyle/>
+            <a:p>
+              <a:r>
+                <a:rPr lang="fr-CA" dirty="0" smtClean="0">
+                  <a:latin typeface="Times New Roman" panose="02020603050405020304" pitchFamily="18" charset="0"/>
+                  <a:cs typeface="Times New Roman" panose="02020603050405020304" pitchFamily="18" charset="0"/>
+                </a:rPr>
+                <a:t>c/b</a:t>
+              </a:r>
+              <a:endParaRPr lang="en-US" dirty="0">
+                <a:latin typeface="Times New Roman" panose="02020603050405020304" pitchFamily="18" charset="0"/>
+                <a:cs typeface="Times New Roman" panose="02020603050405020304" pitchFamily="18" charset="0"/>
+              </a:endParaRPr>
+            </a:p>
+          </p:txBody>
+        </p:sp>
+        <p:sp>
+          <p:nvSpPr>
+            <p:cNvPr id="87" name="ZoneTexte 86"/>
+            <p:cNvSpPr txBox="1"/>
+            <p:nvPr/>
+          </p:nvSpPr>
+          <p:spPr>
+            <a:xfrm>
+              <a:off x="2510830" y="2618303"/>
+              <a:ext cx="499290" cy="369332"/>
+            </a:xfrm>
+            <a:prstGeom prst="rect">
+              <a:avLst/>
+            </a:prstGeom>
+            <a:noFill/>
+          </p:spPr>
+          <p:txBody>
+            <a:bodyPr wrap="square" rtlCol="0">
+              <a:spAutoFit/>
+            </a:bodyPr>
+            <a:lstStyle/>
+            <a:p>
+              <a:r>
+                <a:rPr lang="fr-CA" dirty="0" smtClean="0">
+                  <a:latin typeface="Times New Roman" panose="02020603050405020304" pitchFamily="18" charset="0"/>
+                  <a:cs typeface="Times New Roman" panose="02020603050405020304" pitchFamily="18" charset="0"/>
+                </a:rPr>
+                <a:t>d/c</a:t>
+              </a:r>
+              <a:endParaRPr lang="en-US" dirty="0">
+                <a:latin typeface="Times New Roman" panose="02020603050405020304" pitchFamily="18" charset="0"/>
+                <a:cs typeface="Times New Roman" panose="02020603050405020304" pitchFamily="18" charset="0"/>
+              </a:endParaRPr>
+            </a:p>
+          </p:txBody>
+        </p:sp>
+        <p:sp>
+          <p:nvSpPr>
+            <p:cNvPr id="88" name="ZoneTexte 87"/>
+            <p:cNvSpPr txBox="1"/>
+            <p:nvPr/>
+          </p:nvSpPr>
+          <p:spPr>
+            <a:xfrm rot="16200000">
+              <a:off x="-55097" y="3338607"/>
+              <a:ext cx="1701107" cy="461665"/>
+            </a:xfrm>
+            <a:prstGeom prst="rect">
+              <a:avLst/>
+            </a:prstGeom>
+            <a:noFill/>
+          </p:spPr>
+          <p:txBody>
+            <a:bodyPr wrap="none" rtlCol="0">
+              <a:spAutoFit/>
+            </a:bodyPr>
+            <a:lstStyle/>
+            <a:p>
+              <a:pPr algn="ctr"/>
+              <a:r>
+                <a:rPr lang="fr-FR" sz="2400" dirty="0" smtClean="0">
+                  <a:latin typeface="Times New Roman" panose="02020603050405020304" pitchFamily="18" charset="0"/>
+                  <a:cs typeface="Times New Roman" panose="02020603050405020304" pitchFamily="18" charset="0"/>
+                </a:rPr>
+                <a:t>(</a:t>
+              </a:r>
+              <a:r>
+                <a:rPr lang="fr-FR" sz="2000" dirty="0" smtClean="0">
+                  <a:latin typeface="Times New Roman" panose="02020603050405020304" pitchFamily="18" charset="0"/>
+                  <a:cs typeface="Times New Roman" panose="02020603050405020304" pitchFamily="18" charset="0"/>
+                </a:rPr>
+                <a:t>4</a:t>
+              </a:r>
+              <a:r>
+                <a:rPr lang="fr-FR" sz="2000" i="1" dirty="0" smtClean="0">
+                  <a:latin typeface="Times New Roman" panose="02020603050405020304" pitchFamily="18" charset="0"/>
+                  <a:cs typeface="Times New Roman" panose="02020603050405020304" pitchFamily="18" charset="0"/>
+                </a:rPr>
+                <a:t> </a:t>
+              </a:r>
+              <a:r>
+                <a:rPr lang="fr-FR" sz="2000" dirty="0" err="1" smtClean="0">
+                  <a:latin typeface="Times New Roman" panose="02020603050405020304" pitchFamily="18" charset="0"/>
+                  <a:cs typeface="Times New Roman" panose="02020603050405020304" pitchFamily="18" charset="0"/>
+                </a:rPr>
+                <a:t>individual</a:t>
+              </a:r>
+              <a:r>
+                <a:rPr lang="fr-FR" sz="2000" dirty="0" err="1" smtClean="0">
+                  <a:latin typeface="Times New Roman" panose="02020603050405020304" pitchFamily="18" charset="0"/>
+                  <a:cs typeface="Times New Roman" panose="02020603050405020304" pitchFamily="18" charset="0"/>
+                </a:rPr>
+                <a:t>s</a:t>
+              </a:r>
+              <a:r>
+                <a:rPr lang="fr-FR" sz="2000" dirty="0" smtClean="0">
+                  <a:latin typeface="Times New Roman" panose="02020603050405020304" pitchFamily="18" charset="0"/>
+                  <a:cs typeface="Times New Roman" panose="02020603050405020304" pitchFamily="18" charset="0"/>
+                </a:rPr>
+                <a:t>)</a:t>
+              </a:r>
+              <a:endParaRPr lang="fr-FR" sz="2000" i="1" dirty="0">
+                <a:latin typeface="Times New Roman" panose="02020603050405020304" pitchFamily="18" charset="0"/>
+                <a:cs typeface="Times New Roman" panose="02020603050405020304" pitchFamily="18" charset="0"/>
+              </a:endParaRPr>
+            </a:p>
+          </p:txBody>
+        </p:sp>
+        <p:sp>
+          <p:nvSpPr>
+            <p:cNvPr id="90" name="Rectangle 89"/>
+            <p:cNvSpPr/>
+            <p:nvPr/>
+          </p:nvSpPr>
+          <p:spPr>
+            <a:xfrm>
+              <a:off x="1169212" y="3968018"/>
+              <a:ext cx="2016055" cy="2358869"/>
+            </a:xfrm>
+            <a:prstGeom prst="rect">
+              <a:avLst/>
+            </a:prstGeom>
+            <a:solidFill>
+              <a:schemeClr val="bg1"/>
+            </a:solidFill>
+            <a:ln>
+              <a:solidFill>
+                <a:schemeClr val="tx1"/>
+              </a:solidFill>
+            </a:ln>
+            <a:effectLst/>
+          </p:spPr>
+          <p:style>
+            <a:lnRef idx="1">
+              <a:schemeClr val="accent1"/>
+            </a:lnRef>
+            <a:fillRef idx="3">
+              <a:schemeClr val="accent1"/>
+            </a:fillRef>
+            <a:effectRef idx="2">
+              <a:schemeClr val="accent1"/>
+            </a:effectRef>
+            <a:fontRef idx="minor">
+              <a:schemeClr val="lt1"/>
+            </a:fontRef>
+          </p:style>
+          <p:txBody>
+            <a:bodyPr rtlCol="0" anchor="ctr"/>
+            <a:lstStyle/>
+            <a:p>
+              <a:pPr algn="ctr"/>
+              <a:endParaRPr lang="fr-FR">
+                <a:solidFill>
+                  <a:schemeClr val="tx1"/>
+                </a:solidFill>
+                <a:latin typeface="Times New Roman" panose="02020603050405020304" pitchFamily="18" charset="0"/>
+                <a:cs typeface="Times New Roman" panose="02020603050405020304" pitchFamily="18" charset="0"/>
+              </a:endParaRPr>
+            </a:p>
+          </p:txBody>
+        </p:sp>
+        <p:sp>
+          <p:nvSpPr>
+            <p:cNvPr id="91" name="Rectangle 90"/>
+            <p:cNvSpPr/>
+            <p:nvPr/>
+          </p:nvSpPr>
+          <p:spPr>
+            <a:xfrm>
+              <a:off x="1285036" y="5232378"/>
+              <a:ext cx="1789220" cy="406400"/>
+            </a:xfrm>
+            <a:prstGeom prst="rect">
+              <a:avLst/>
+            </a:prstGeom>
+            <a:noFill/>
+            <a:ln w="28575" cmpd="sng">
+              <a:solidFill>
+                <a:srgbClr val="00B050"/>
+              </a:solidFill>
+            </a:ln>
+            <a:effectLst/>
+          </p:spPr>
+          <p:style>
+            <a:lnRef idx="1">
+              <a:schemeClr val="accent1"/>
+            </a:lnRef>
+            <a:fillRef idx="3">
+              <a:schemeClr val="accent1"/>
+            </a:fillRef>
+            <a:effectRef idx="2">
+              <a:schemeClr val="accent1"/>
+            </a:effectRef>
+            <a:fontRef idx="minor">
+              <a:schemeClr val="lt1"/>
+            </a:fontRef>
+          </p:style>
+          <p:txBody>
+            <a:bodyPr rtlCol="0" anchor="ctr"/>
+            <a:lstStyle/>
+            <a:p>
+              <a:pPr algn="ctr"/>
+              <a:endParaRPr lang="fr-FR">
+                <a:latin typeface="Times New Roman" panose="02020603050405020304" pitchFamily="18" charset="0"/>
+                <a:cs typeface="Times New Roman" panose="02020603050405020304" pitchFamily="18" charset="0"/>
+              </a:endParaRPr>
+            </a:p>
+          </p:txBody>
+        </p:sp>
+        <p:sp>
+          <p:nvSpPr>
+            <p:cNvPr id="92" name="ZoneTexte 91"/>
+            <p:cNvSpPr txBox="1"/>
+            <p:nvPr/>
+          </p:nvSpPr>
+          <p:spPr>
+            <a:xfrm>
+              <a:off x="1400145" y="4112343"/>
+              <a:ext cx="499290" cy="369332"/>
+            </a:xfrm>
+            <a:prstGeom prst="rect">
+              <a:avLst/>
+            </a:prstGeom>
+            <a:noFill/>
+          </p:spPr>
+          <p:txBody>
+            <a:bodyPr wrap="square" rtlCol="0">
+              <a:spAutoFit/>
+            </a:bodyPr>
+            <a:lstStyle/>
+            <a:p>
+              <a:r>
+                <a:rPr lang="fr-CA" dirty="0">
+                  <a:latin typeface="Times New Roman" panose="02020603050405020304" pitchFamily="18" charset="0"/>
+                  <a:cs typeface="Times New Roman" panose="02020603050405020304" pitchFamily="18" charset="0"/>
+                </a:rPr>
+                <a:t>c</a:t>
+              </a:r>
+              <a:r>
+                <a:rPr lang="fr-CA" dirty="0" smtClean="0">
+                  <a:latin typeface="Times New Roman" panose="02020603050405020304" pitchFamily="18" charset="0"/>
+                  <a:cs typeface="Times New Roman" panose="02020603050405020304" pitchFamily="18" charset="0"/>
+                </a:rPr>
+                <a:t>/c</a:t>
+              </a:r>
+              <a:endParaRPr lang="en-US" dirty="0">
+                <a:latin typeface="Times New Roman" panose="02020603050405020304" pitchFamily="18" charset="0"/>
+                <a:cs typeface="Times New Roman" panose="02020603050405020304" pitchFamily="18" charset="0"/>
+              </a:endParaRPr>
+            </a:p>
+          </p:txBody>
+        </p:sp>
+        <p:sp>
+          <p:nvSpPr>
+            <p:cNvPr id="93" name="ZoneTexte 92"/>
+            <p:cNvSpPr txBox="1"/>
+            <p:nvPr/>
+          </p:nvSpPr>
+          <p:spPr>
+            <a:xfrm>
+              <a:off x="1400145" y="5250912"/>
+              <a:ext cx="499290" cy="369332"/>
+            </a:xfrm>
+            <a:prstGeom prst="rect">
+              <a:avLst/>
+            </a:prstGeom>
+            <a:noFill/>
+          </p:spPr>
+          <p:txBody>
+            <a:bodyPr wrap="square" rtlCol="0">
+              <a:spAutoFit/>
+            </a:bodyPr>
+            <a:lstStyle/>
+            <a:p>
+              <a:r>
+                <a:rPr lang="fr-CA" dirty="0" smtClean="0">
+                  <a:latin typeface="Times New Roman" panose="02020603050405020304" pitchFamily="18" charset="0"/>
+                  <a:cs typeface="Times New Roman" panose="02020603050405020304" pitchFamily="18" charset="0"/>
+                </a:rPr>
+                <a:t>d/d</a:t>
+              </a:r>
+              <a:endParaRPr lang="en-US" dirty="0">
+                <a:latin typeface="Times New Roman" panose="02020603050405020304" pitchFamily="18" charset="0"/>
+                <a:cs typeface="Times New Roman" panose="02020603050405020304" pitchFamily="18" charset="0"/>
+              </a:endParaRPr>
+            </a:p>
+          </p:txBody>
+        </p:sp>
+        <p:sp>
+          <p:nvSpPr>
+            <p:cNvPr id="94" name="ZoneTexte 93"/>
+            <p:cNvSpPr txBox="1"/>
+            <p:nvPr/>
+          </p:nvSpPr>
+          <p:spPr>
+            <a:xfrm>
+              <a:off x="1399131" y="4682121"/>
+              <a:ext cx="499290" cy="369332"/>
+            </a:xfrm>
+            <a:prstGeom prst="rect">
+              <a:avLst/>
+            </a:prstGeom>
+            <a:noFill/>
+          </p:spPr>
+          <p:txBody>
+            <a:bodyPr wrap="square" rtlCol="0">
+              <a:spAutoFit/>
+            </a:bodyPr>
+            <a:lstStyle/>
+            <a:p>
+              <a:r>
+                <a:rPr lang="fr-CA" dirty="0" smtClean="0">
+                  <a:latin typeface="Times New Roman" panose="02020603050405020304" pitchFamily="18" charset="0"/>
+                  <a:cs typeface="Times New Roman" panose="02020603050405020304" pitchFamily="18" charset="0"/>
+                </a:rPr>
+                <a:t>a/b</a:t>
+              </a:r>
+              <a:endParaRPr lang="en-US" dirty="0">
+                <a:latin typeface="Times New Roman" panose="02020603050405020304" pitchFamily="18" charset="0"/>
+                <a:cs typeface="Times New Roman" panose="02020603050405020304" pitchFamily="18" charset="0"/>
+              </a:endParaRPr>
+            </a:p>
+          </p:txBody>
+        </p:sp>
+        <p:sp>
+          <p:nvSpPr>
+            <p:cNvPr id="95" name="ZoneTexte 94"/>
+            <p:cNvSpPr txBox="1"/>
+            <p:nvPr/>
+          </p:nvSpPr>
+          <p:spPr>
+            <a:xfrm>
+              <a:off x="1402153" y="5824092"/>
+              <a:ext cx="499290" cy="369332"/>
+            </a:xfrm>
+            <a:prstGeom prst="rect">
+              <a:avLst/>
+            </a:prstGeom>
+            <a:noFill/>
+          </p:spPr>
+          <p:txBody>
+            <a:bodyPr wrap="square" rtlCol="0">
+              <a:spAutoFit/>
+            </a:bodyPr>
+            <a:lstStyle/>
+            <a:p>
+              <a:r>
+                <a:rPr lang="fr-CA" dirty="0" smtClean="0">
+                  <a:latin typeface="Times New Roman" panose="02020603050405020304" pitchFamily="18" charset="0"/>
+                  <a:cs typeface="Times New Roman" panose="02020603050405020304" pitchFamily="18" charset="0"/>
+                </a:rPr>
+                <a:t>a/a</a:t>
+              </a:r>
+              <a:endParaRPr lang="en-US" dirty="0">
+                <a:latin typeface="Times New Roman" panose="02020603050405020304" pitchFamily="18" charset="0"/>
+                <a:cs typeface="Times New Roman" panose="02020603050405020304" pitchFamily="18" charset="0"/>
+              </a:endParaRPr>
+            </a:p>
+          </p:txBody>
+        </p:sp>
+        <p:sp>
+          <p:nvSpPr>
+            <p:cNvPr id="96" name="ZoneTexte 95"/>
+            <p:cNvSpPr txBox="1"/>
+            <p:nvPr/>
+          </p:nvSpPr>
+          <p:spPr>
+            <a:xfrm>
+              <a:off x="2448918" y="4118118"/>
+              <a:ext cx="499290" cy="369332"/>
+            </a:xfrm>
+            <a:prstGeom prst="rect">
+              <a:avLst/>
+            </a:prstGeom>
+            <a:noFill/>
+          </p:spPr>
+          <p:txBody>
+            <a:bodyPr wrap="square" rtlCol="0">
+              <a:spAutoFit/>
+            </a:bodyPr>
+            <a:lstStyle/>
+            <a:p>
+              <a:r>
+                <a:rPr lang="fr-CA" dirty="0" smtClean="0">
+                  <a:latin typeface="Times New Roman" panose="02020603050405020304" pitchFamily="18" charset="0"/>
+                  <a:cs typeface="Times New Roman" panose="02020603050405020304" pitchFamily="18" charset="0"/>
+                </a:rPr>
+                <a:t>b/c</a:t>
+              </a:r>
+              <a:endParaRPr lang="en-US" dirty="0">
+                <a:latin typeface="Times New Roman" panose="02020603050405020304" pitchFamily="18" charset="0"/>
+                <a:cs typeface="Times New Roman" panose="02020603050405020304" pitchFamily="18" charset="0"/>
+              </a:endParaRPr>
+            </a:p>
+          </p:txBody>
+        </p:sp>
+        <p:sp>
+          <p:nvSpPr>
+            <p:cNvPr id="97" name="ZoneTexte 96"/>
+            <p:cNvSpPr txBox="1"/>
+            <p:nvPr/>
+          </p:nvSpPr>
+          <p:spPr>
+            <a:xfrm>
+              <a:off x="2448918" y="5256687"/>
+              <a:ext cx="499290" cy="369332"/>
+            </a:xfrm>
+            <a:prstGeom prst="rect">
+              <a:avLst/>
+            </a:prstGeom>
+            <a:noFill/>
+          </p:spPr>
+          <p:txBody>
+            <a:bodyPr wrap="square" rtlCol="0">
+              <a:spAutoFit/>
+            </a:bodyPr>
+            <a:lstStyle/>
+            <a:p>
+              <a:r>
+                <a:rPr lang="fr-CA" dirty="0">
+                  <a:latin typeface="Times New Roman" panose="02020603050405020304" pitchFamily="18" charset="0"/>
+                  <a:cs typeface="Times New Roman" panose="02020603050405020304" pitchFamily="18" charset="0"/>
+                </a:rPr>
+                <a:t>b</a:t>
+              </a:r>
+              <a:r>
+                <a:rPr lang="fr-CA" dirty="0" smtClean="0">
+                  <a:latin typeface="Times New Roman" panose="02020603050405020304" pitchFamily="18" charset="0"/>
+                  <a:cs typeface="Times New Roman" panose="02020603050405020304" pitchFamily="18" charset="0"/>
+                </a:rPr>
+                <a:t>/a</a:t>
+              </a:r>
+              <a:endParaRPr lang="en-US" dirty="0">
+                <a:latin typeface="Times New Roman" panose="02020603050405020304" pitchFamily="18" charset="0"/>
+                <a:cs typeface="Times New Roman" panose="02020603050405020304" pitchFamily="18" charset="0"/>
+              </a:endParaRPr>
+            </a:p>
+          </p:txBody>
+        </p:sp>
+        <p:sp>
+          <p:nvSpPr>
+            <p:cNvPr id="98" name="ZoneTexte 97"/>
+            <p:cNvSpPr txBox="1"/>
+            <p:nvPr/>
+          </p:nvSpPr>
+          <p:spPr>
+            <a:xfrm>
+              <a:off x="2447904" y="4687896"/>
+              <a:ext cx="499290" cy="369332"/>
+            </a:xfrm>
+            <a:prstGeom prst="rect">
+              <a:avLst/>
+            </a:prstGeom>
+            <a:noFill/>
+          </p:spPr>
+          <p:txBody>
+            <a:bodyPr wrap="square" rtlCol="0">
+              <a:spAutoFit/>
+            </a:bodyPr>
+            <a:lstStyle/>
+            <a:p>
+              <a:r>
+                <a:rPr lang="fr-CA" dirty="0" smtClean="0">
+                  <a:latin typeface="Times New Roman" panose="02020603050405020304" pitchFamily="18" charset="0"/>
+                  <a:cs typeface="Times New Roman" panose="02020603050405020304" pitchFamily="18" charset="0"/>
+                </a:rPr>
+                <a:t>a/d</a:t>
+              </a:r>
+              <a:endParaRPr lang="en-US" dirty="0">
+                <a:latin typeface="Times New Roman" panose="02020603050405020304" pitchFamily="18" charset="0"/>
+                <a:cs typeface="Times New Roman" panose="02020603050405020304" pitchFamily="18" charset="0"/>
+              </a:endParaRPr>
+            </a:p>
+          </p:txBody>
+        </p:sp>
+        <p:sp>
+          <p:nvSpPr>
+            <p:cNvPr id="99" name="ZoneTexte 98"/>
+            <p:cNvSpPr txBox="1"/>
+            <p:nvPr/>
+          </p:nvSpPr>
+          <p:spPr>
+            <a:xfrm>
+              <a:off x="2450926" y="5829867"/>
+              <a:ext cx="499290" cy="369332"/>
+            </a:xfrm>
+            <a:prstGeom prst="rect">
+              <a:avLst/>
+            </a:prstGeom>
+            <a:noFill/>
+          </p:spPr>
+          <p:txBody>
+            <a:bodyPr wrap="square" rtlCol="0">
+              <a:spAutoFit/>
+            </a:bodyPr>
+            <a:lstStyle/>
+            <a:p>
+              <a:r>
+                <a:rPr lang="fr-CA" dirty="0" smtClean="0">
+                  <a:latin typeface="Times New Roman" panose="02020603050405020304" pitchFamily="18" charset="0"/>
+                  <a:cs typeface="Times New Roman" panose="02020603050405020304" pitchFamily="18" charset="0"/>
+                </a:rPr>
+                <a:t>c/b</a:t>
+              </a:r>
+              <a:endParaRPr lang="en-US" dirty="0">
+                <a:latin typeface="Times New Roman" panose="02020603050405020304" pitchFamily="18" charset="0"/>
+                <a:cs typeface="Times New Roman" panose="02020603050405020304" pitchFamily="18" charset="0"/>
+              </a:endParaRPr>
+            </a:p>
+          </p:txBody>
+        </p:sp>
+        <p:sp>
+          <p:nvSpPr>
+            <p:cNvPr id="100" name="Rectangle 99"/>
+            <p:cNvSpPr/>
+            <p:nvPr/>
+          </p:nvSpPr>
+          <p:spPr>
+            <a:xfrm>
+              <a:off x="1301658" y="4071680"/>
+              <a:ext cx="1789220" cy="406400"/>
+            </a:xfrm>
+            <a:prstGeom prst="rect">
+              <a:avLst/>
+            </a:prstGeom>
+            <a:noFill/>
+            <a:ln w="28575" cmpd="sng">
+              <a:solidFill>
+                <a:srgbClr val="0000FF"/>
+              </a:solidFill>
+            </a:ln>
+            <a:effectLst/>
+          </p:spPr>
+          <p:style>
+            <a:lnRef idx="1">
+              <a:schemeClr val="accent1"/>
+            </a:lnRef>
+            <a:fillRef idx="3">
+              <a:schemeClr val="accent1"/>
+            </a:fillRef>
+            <a:effectRef idx="2">
+              <a:schemeClr val="accent1"/>
+            </a:effectRef>
+            <a:fontRef idx="minor">
+              <a:schemeClr val="lt1"/>
+            </a:fontRef>
+          </p:style>
+          <p:txBody>
+            <a:bodyPr rtlCol="0" anchor="ctr"/>
+            <a:lstStyle/>
+            <a:p>
+              <a:pPr algn="ctr"/>
+              <a:endParaRPr lang="fr-FR">
+                <a:latin typeface="Times New Roman" panose="02020603050405020304" pitchFamily="18" charset="0"/>
+                <a:cs typeface="Times New Roman" panose="02020603050405020304" pitchFamily="18" charset="0"/>
+              </a:endParaRPr>
+            </a:p>
+          </p:txBody>
+        </p:sp>
+        <p:sp>
+          <p:nvSpPr>
+            <p:cNvPr id="101" name="Rectangle 100"/>
+            <p:cNvSpPr/>
+            <p:nvPr/>
+          </p:nvSpPr>
+          <p:spPr>
+            <a:xfrm>
+              <a:off x="1301658" y="4639561"/>
+              <a:ext cx="1789220" cy="406400"/>
+            </a:xfrm>
+            <a:prstGeom prst="rect">
+              <a:avLst/>
+            </a:prstGeom>
+            <a:noFill/>
+            <a:ln w="28575" cmpd="sng">
+              <a:solidFill>
+                <a:srgbClr val="0000FF"/>
+              </a:solidFill>
+            </a:ln>
+            <a:effectLst/>
+          </p:spPr>
+          <p:style>
+            <a:lnRef idx="1">
+              <a:schemeClr val="accent1"/>
+            </a:lnRef>
+            <a:fillRef idx="3">
+              <a:schemeClr val="accent1"/>
+            </a:fillRef>
+            <a:effectRef idx="2">
+              <a:schemeClr val="accent1"/>
+            </a:effectRef>
+            <a:fontRef idx="minor">
+              <a:schemeClr val="lt1"/>
+            </a:fontRef>
+          </p:style>
+          <p:txBody>
+            <a:bodyPr rtlCol="0" anchor="ctr"/>
+            <a:lstStyle/>
+            <a:p>
+              <a:pPr algn="ctr"/>
+              <a:endParaRPr lang="fr-FR">
+                <a:latin typeface="Times New Roman" panose="02020603050405020304" pitchFamily="18" charset="0"/>
+                <a:cs typeface="Times New Roman" panose="02020603050405020304" pitchFamily="18" charset="0"/>
+              </a:endParaRPr>
+            </a:p>
+          </p:txBody>
+        </p:sp>
+        <p:sp>
+          <p:nvSpPr>
+            <p:cNvPr id="102" name="Rectangle 101"/>
+            <p:cNvSpPr/>
+            <p:nvPr/>
+          </p:nvSpPr>
+          <p:spPr>
+            <a:xfrm>
+              <a:off x="1296170" y="5777143"/>
+              <a:ext cx="1789220" cy="406400"/>
+            </a:xfrm>
+            <a:prstGeom prst="rect">
+              <a:avLst/>
+            </a:prstGeom>
+            <a:noFill/>
+            <a:ln w="28575" cmpd="sng">
+              <a:solidFill>
+                <a:srgbClr val="00B050"/>
+              </a:solidFill>
+            </a:ln>
+            <a:effectLst/>
+          </p:spPr>
+          <p:style>
+            <a:lnRef idx="1">
+              <a:schemeClr val="accent1"/>
+            </a:lnRef>
+            <a:fillRef idx="3">
+              <a:schemeClr val="accent1"/>
+            </a:fillRef>
+            <a:effectRef idx="2">
+              <a:schemeClr val="accent1"/>
+            </a:effectRef>
+            <a:fontRef idx="minor">
+              <a:schemeClr val="lt1"/>
+            </a:fontRef>
+          </p:style>
+          <p:txBody>
+            <a:bodyPr rtlCol="0" anchor="ctr"/>
+            <a:lstStyle/>
+            <a:p>
+              <a:pPr algn="ctr"/>
+              <a:endParaRPr lang="fr-FR">
+                <a:latin typeface="Times New Roman" panose="02020603050405020304" pitchFamily="18" charset="0"/>
+                <a:cs typeface="Times New Roman" panose="02020603050405020304" pitchFamily="18" charset="0"/>
+              </a:endParaRPr>
+            </a:p>
+          </p:txBody>
+        </p:sp>
+        <p:sp>
+          <p:nvSpPr>
+            <p:cNvPr id="103" name="ZoneTexte 102"/>
+            <p:cNvSpPr txBox="1"/>
+            <p:nvPr/>
+          </p:nvSpPr>
+          <p:spPr>
+            <a:xfrm>
+              <a:off x="980569" y="6359872"/>
+              <a:ext cx="2828521" cy="523220"/>
+            </a:xfrm>
+            <a:prstGeom prst="rect">
+              <a:avLst/>
+            </a:prstGeom>
+            <a:noFill/>
+          </p:spPr>
+          <p:txBody>
+            <a:bodyPr wrap="square" rtlCol="0">
+              <a:spAutoFit/>
+            </a:bodyPr>
+            <a:lstStyle/>
+            <a:p>
+              <a:pPr algn="ctr"/>
+              <a:r>
+                <a:rPr lang="fr-FR" sz="2800" dirty="0" smtClean="0">
+                  <a:latin typeface="Times New Roman" panose="02020603050405020304" pitchFamily="18" charset="0"/>
+                  <a:cs typeface="Times New Roman" panose="02020603050405020304" pitchFamily="18" charset="0"/>
+                </a:rPr>
+                <a:t>2</a:t>
+              </a:r>
+              <a:r>
+                <a:rPr lang="fr-FR" sz="2800" baseline="30000" dirty="0" smtClean="0">
+                  <a:latin typeface="Times New Roman" panose="02020603050405020304" pitchFamily="18" charset="0"/>
+                  <a:cs typeface="Times New Roman" panose="02020603050405020304" pitchFamily="18" charset="0"/>
+                </a:rPr>
+                <a:t>n</a:t>
+              </a:r>
+              <a:r>
+                <a:rPr lang="fr-FR" sz="2800" baseline="30000" dirty="0">
+                  <a:latin typeface="Times New Roman" panose="02020603050405020304" pitchFamily="18" charset="0"/>
+                  <a:cs typeface="Times New Roman" panose="02020603050405020304" pitchFamily="18" charset="0"/>
+                </a:rPr>
+                <a:t>d</a:t>
+              </a:r>
+              <a:r>
+                <a:rPr lang="fr-FR" sz="2800" dirty="0" smtClean="0">
+                  <a:latin typeface="Times New Roman" panose="02020603050405020304" pitchFamily="18" charset="0"/>
+                  <a:cs typeface="Times New Roman" panose="02020603050405020304" pitchFamily="18" charset="0"/>
+                </a:rPr>
+                <a:t> </a:t>
+              </a:r>
+              <a:r>
+                <a:rPr lang="fr-FR" sz="2800" dirty="0" err="1" smtClean="0">
+                  <a:latin typeface="Times New Roman" panose="02020603050405020304" pitchFamily="18" charset="0"/>
+                  <a:cs typeface="Times New Roman" panose="02020603050405020304" pitchFamily="18" charset="0"/>
+                </a:rPr>
+                <a:t>s</a:t>
+              </a:r>
+              <a:r>
+                <a:rPr lang="fr-FR" sz="2800" dirty="0" err="1" smtClean="0">
+                  <a:latin typeface="Times New Roman" panose="02020603050405020304" pitchFamily="18" charset="0"/>
+                  <a:cs typeface="Times New Roman" panose="02020603050405020304" pitchFamily="18" charset="0"/>
+                </a:rPr>
+                <a:t>ampling</a:t>
+              </a:r>
+              <a:r>
+                <a:rPr lang="fr-FR" sz="2800" dirty="0" smtClean="0">
+                  <a:latin typeface="Times New Roman" panose="02020603050405020304" pitchFamily="18" charset="0"/>
+                  <a:cs typeface="Times New Roman" panose="02020603050405020304" pitchFamily="18" charset="0"/>
+                </a:rPr>
+                <a:t> (T2)</a:t>
+              </a:r>
+              <a:endParaRPr lang="fr-FR" sz="2800" b="1" dirty="0">
+                <a:latin typeface="Times New Roman" panose="02020603050405020304" pitchFamily="18" charset="0"/>
+                <a:cs typeface="Times New Roman" panose="02020603050405020304" pitchFamily="18" charset="0"/>
+              </a:endParaRPr>
+            </a:p>
+          </p:txBody>
+        </p:sp>
+        <p:sp>
+          <p:nvSpPr>
+            <p:cNvPr id="2" name="ZoneTexte 1"/>
+            <p:cNvSpPr txBox="1"/>
+            <p:nvPr/>
+          </p:nvSpPr>
+          <p:spPr>
+            <a:xfrm>
+              <a:off x="3688695" y="3010122"/>
+              <a:ext cx="1945693" cy="1477328"/>
+            </a:xfrm>
+            <a:prstGeom prst="rect">
+              <a:avLst/>
+            </a:prstGeom>
+            <a:noFill/>
+          </p:spPr>
+          <p:txBody>
+            <a:bodyPr wrap="square" rtlCol="0">
+              <a:spAutoFit/>
+            </a:bodyPr>
+            <a:lstStyle/>
+            <a:p>
+              <a:r>
+                <a:rPr lang="fr-CA" u="sng" dirty="0" err="1"/>
+                <a:t>Same</a:t>
+              </a:r>
+              <a:r>
+                <a:rPr lang="fr-CA" u="sng" dirty="0"/>
+                <a:t> </a:t>
+              </a:r>
+              <a:r>
+                <a:rPr lang="fr-CA" u="sng" dirty="0" err="1"/>
+                <a:t>randomized</a:t>
+              </a:r>
+              <a:r>
+                <a:rPr lang="fr-CA" u="sng" dirty="0"/>
+                <a:t> indices:</a:t>
+              </a:r>
+            </a:p>
+            <a:p>
+              <a:r>
+                <a:rPr lang="fr-CA" i="1" dirty="0"/>
+                <a:t>L</a:t>
+              </a:r>
+              <a:r>
+                <a:rPr lang="fr-CA" i="1" baseline="-25000" dirty="0"/>
+                <a:t>1</a:t>
+              </a:r>
+              <a:r>
+                <a:rPr lang="fr-CA" i="1" dirty="0"/>
+                <a:t> </a:t>
+              </a:r>
+              <a:r>
+                <a:rPr lang="fr-CA" dirty="0"/>
+                <a:t>(3, 1, 4, 2)</a:t>
+              </a:r>
+            </a:p>
+            <a:p>
+              <a:r>
+                <a:rPr lang="fr-CA" i="1" dirty="0"/>
+                <a:t>L</a:t>
+              </a:r>
+              <a:r>
+                <a:rPr lang="fr-CA" i="1" baseline="-25000" dirty="0"/>
+                <a:t>2</a:t>
+              </a:r>
+              <a:r>
+                <a:rPr lang="fr-CA" i="1" dirty="0"/>
+                <a:t> </a:t>
+              </a:r>
+              <a:r>
+                <a:rPr lang="fr-CA" dirty="0"/>
+                <a:t>(4, 2, 1, 3)</a:t>
+              </a:r>
+              <a:endParaRPr lang="en-US" i="1" dirty="0"/>
+            </a:p>
+            <a:p>
+              <a:endParaRPr lang="en-US" dirty="0"/>
+            </a:p>
+          </p:txBody>
+        </p:sp>
+        <p:cxnSp>
+          <p:nvCxnSpPr>
+            <p:cNvPr id="112" name="Connecteur droit 111"/>
+            <p:cNvCxnSpPr/>
+            <p:nvPr/>
+          </p:nvCxnSpPr>
+          <p:spPr>
+            <a:xfrm>
+              <a:off x="3479912" y="5157169"/>
+              <a:ext cx="432262" cy="0"/>
+            </a:xfrm>
+            <a:prstGeom prst="line">
+              <a:avLst/>
+            </a:prstGeom>
+            <a:ln w="28575">
+              <a:solidFill>
+                <a:schemeClr val="tx1"/>
+              </a:solidFill>
+            </a:ln>
+          </p:spPr>
+          <p:style>
+            <a:lnRef idx="1">
+              <a:schemeClr val="dk1"/>
+            </a:lnRef>
+            <a:fillRef idx="0">
+              <a:schemeClr val="dk1"/>
+            </a:fillRef>
+            <a:effectRef idx="0">
+              <a:schemeClr val="dk1"/>
+            </a:effectRef>
+            <a:fontRef idx="minor">
+              <a:schemeClr val="tx1"/>
+            </a:fontRef>
+          </p:style>
+        </p:cxnSp>
+        <p:cxnSp>
+          <p:nvCxnSpPr>
+            <p:cNvPr id="113" name="Connecteur droit avec flèche 112"/>
+            <p:cNvCxnSpPr/>
+            <p:nvPr/>
+          </p:nvCxnSpPr>
+          <p:spPr>
+            <a:xfrm>
+              <a:off x="5200644" y="5157169"/>
+              <a:ext cx="465513" cy="0"/>
+            </a:xfrm>
+            <a:prstGeom prst="straightConnector1">
+              <a:avLst/>
+            </a:prstGeom>
+            <a:ln w="28575">
+              <a:tailEnd type="triangle"/>
+            </a:ln>
+          </p:spPr>
+          <p:style>
+            <a:lnRef idx="1">
+              <a:schemeClr val="dk1"/>
+            </a:lnRef>
+            <a:fillRef idx="0">
+              <a:schemeClr val="dk1"/>
+            </a:fillRef>
+            <a:effectRef idx="0">
+              <a:schemeClr val="dk1"/>
+            </a:effectRef>
+            <a:fontRef idx="minor">
+              <a:schemeClr val="tx1"/>
+            </a:fontRef>
+          </p:style>
+        </p:cxnSp>
+        <p:sp>
+          <p:nvSpPr>
+            <p:cNvPr id="114" name="ZoneTexte 113"/>
+            <p:cNvSpPr txBox="1"/>
+            <p:nvPr/>
+          </p:nvSpPr>
+          <p:spPr>
+            <a:xfrm>
+              <a:off x="3884796" y="4687896"/>
+              <a:ext cx="1523670" cy="1477328"/>
+            </a:xfrm>
+            <a:prstGeom prst="rect">
+              <a:avLst/>
+            </a:prstGeom>
+            <a:noFill/>
+          </p:spPr>
+          <p:txBody>
+            <a:bodyPr wrap="square" rtlCol="0">
+              <a:spAutoFit/>
+            </a:bodyPr>
+            <a:lstStyle/>
+            <a:p>
+              <a:r>
+                <a:rPr lang="fr-CA" dirty="0" err="1" smtClean="0"/>
+                <a:t>Genotype</a:t>
+              </a:r>
+              <a:r>
+                <a:rPr lang="fr-CA" dirty="0" smtClean="0"/>
+                <a:t> permutation per locus</a:t>
+              </a:r>
+            </a:p>
+            <a:p>
+              <a:endParaRPr lang="fr-CA" dirty="0" smtClean="0"/>
+            </a:p>
+            <a:p>
+              <a:endParaRPr lang="fr-CA" u="sng" dirty="0" smtClean="0"/>
+            </a:p>
+          </p:txBody>
+        </p:sp>
+        <p:sp>
+          <p:nvSpPr>
+            <p:cNvPr id="115" name="Rectangle 114"/>
+            <p:cNvSpPr/>
+            <p:nvPr/>
+          </p:nvSpPr>
+          <p:spPr>
+            <a:xfrm>
+              <a:off x="5720832" y="3968018"/>
+              <a:ext cx="2016055" cy="2358869"/>
+            </a:xfrm>
+            <a:prstGeom prst="rect">
+              <a:avLst/>
+            </a:prstGeom>
+            <a:solidFill>
+              <a:schemeClr val="bg1"/>
+            </a:solidFill>
+            <a:ln>
+              <a:solidFill>
+                <a:schemeClr val="tx1"/>
+              </a:solidFill>
+            </a:ln>
+            <a:effectLst/>
+          </p:spPr>
+          <p:style>
+            <a:lnRef idx="1">
+              <a:schemeClr val="accent1"/>
+            </a:lnRef>
+            <a:fillRef idx="3">
+              <a:schemeClr val="accent1"/>
+            </a:fillRef>
+            <a:effectRef idx="2">
+              <a:schemeClr val="accent1"/>
+            </a:effectRef>
+            <a:fontRef idx="minor">
+              <a:schemeClr val="lt1"/>
+            </a:fontRef>
+          </p:style>
+          <p:txBody>
+            <a:bodyPr rtlCol="0" anchor="ctr"/>
+            <a:lstStyle/>
+            <a:p>
+              <a:pPr algn="ctr"/>
+              <a:endParaRPr lang="fr-FR">
+                <a:solidFill>
+                  <a:schemeClr val="tx1"/>
+                </a:solidFill>
+                <a:latin typeface="Times" panose="02020603050405020304" pitchFamily="18" charset="0"/>
+                <a:cs typeface="Times" panose="02020603050405020304" pitchFamily="18" charset="0"/>
+              </a:endParaRPr>
+            </a:p>
+          </p:txBody>
+        </p:sp>
+        <p:sp>
+          <p:nvSpPr>
+            <p:cNvPr id="116" name="Rectangle 115"/>
+            <p:cNvSpPr/>
+            <p:nvPr/>
+          </p:nvSpPr>
+          <p:spPr>
+            <a:xfrm>
+              <a:off x="5836656" y="5232378"/>
+              <a:ext cx="1789220" cy="406400"/>
+            </a:xfrm>
+            <a:prstGeom prst="rect">
+              <a:avLst/>
+            </a:prstGeom>
+            <a:noFill/>
+            <a:ln w="28575" cmpd="sng">
+              <a:solidFill>
+                <a:srgbClr val="00B050"/>
+              </a:solidFill>
+            </a:ln>
+            <a:effectLst/>
+          </p:spPr>
+          <p:style>
+            <a:lnRef idx="1">
+              <a:schemeClr val="accent1"/>
+            </a:lnRef>
+            <a:fillRef idx="3">
+              <a:schemeClr val="accent1"/>
+            </a:fillRef>
+            <a:effectRef idx="2">
+              <a:schemeClr val="accent1"/>
+            </a:effectRef>
+            <a:fontRef idx="minor">
+              <a:schemeClr val="lt1"/>
+            </a:fontRef>
+          </p:style>
+          <p:txBody>
+            <a:bodyPr rtlCol="0" anchor="ctr"/>
+            <a:lstStyle/>
+            <a:p>
+              <a:pPr algn="ctr"/>
+              <a:endParaRPr lang="fr-FR">
+                <a:latin typeface="Times" panose="02020603050405020304" pitchFamily="18" charset="0"/>
+                <a:cs typeface="Times" panose="02020603050405020304" pitchFamily="18" charset="0"/>
+              </a:endParaRPr>
+            </a:p>
+          </p:txBody>
+        </p:sp>
+        <p:sp>
+          <p:nvSpPr>
+            <p:cNvPr id="117" name="ZoneTexte 116"/>
+            <p:cNvSpPr txBox="1"/>
+            <p:nvPr/>
+          </p:nvSpPr>
+          <p:spPr>
+            <a:xfrm>
+              <a:off x="5951765" y="4112343"/>
+              <a:ext cx="499290" cy="369332"/>
+            </a:xfrm>
+            <a:prstGeom prst="rect">
+              <a:avLst/>
+            </a:prstGeom>
+            <a:noFill/>
+          </p:spPr>
+          <p:txBody>
+            <a:bodyPr wrap="square" rtlCol="0">
+              <a:spAutoFit/>
+            </a:bodyPr>
+            <a:lstStyle/>
+            <a:p>
+              <a:r>
+                <a:rPr lang="fr-CA" dirty="0" smtClean="0">
+                  <a:latin typeface="Times" panose="02020603050405020304" pitchFamily="18" charset="0"/>
+                  <a:cs typeface="Times" panose="02020603050405020304" pitchFamily="18" charset="0"/>
+                </a:rPr>
+                <a:t>d/d</a:t>
+              </a:r>
+              <a:endParaRPr lang="en-US" dirty="0">
+                <a:latin typeface="Times" panose="02020603050405020304" pitchFamily="18" charset="0"/>
+                <a:cs typeface="Times" panose="02020603050405020304" pitchFamily="18" charset="0"/>
+              </a:endParaRPr>
+            </a:p>
+          </p:txBody>
+        </p:sp>
+        <p:sp>
+          <p:nvSpPr>
+            <p:cNvPr id="118" name="ZoneTexte 117"/>
+            <p:cNvSpPr txBox="1"/>
+            <p:nvPr/>
+          </p:nvSpPr>
+          <p:spPr>
+            <a:xfrm>
+              <a:off x="5951765" y="5250912"/>
+              <a:ext cx="499290" cy="369332"/>
+            </a:xfrm>
+            <a:prstGeom prst="rect">
+              <a:avLst/>
+            </a:prstGeom>
+            <a:noFill/>
+          </p:spPr>
+          <p:txBody>
+            <a:bodyPr wrap="square" rtlCol="0">
+              <a:spAutoFit/>
+            </a:bodyPr>
+            <a:lstStyle/>
+            <a:p>
+              <a:r>
+                <a:rPr lang="fr-CA" dirty="0" smtClean="0">
+                  <a:latin typeface="Times" panose="02020603050405020304" pitchFamily="18" charset="0"/>
+                  <a:cs typeface="Times" panose="02020603050405020304" pitchFamily="18" charset="0"/>
+                </a:rPr>
+                <a:t>a/a</a:t>
+              </a:r>
+              <a:endParaRPr lang="en-US" dirty="0">
+                <a:latin typeface="Times" panose="02020603050405020304" pitchFamily="18" charset="0"/>
+                <a:cs typeface="Times" panose="02020603050405020304" pitchFamily="18" charset="0"/>
+              </a:endParaRPr>
+            </a:p>
+          </p:txBody>
+        </p:sp>
+        <p:sp>
+          <p:nvSpPr>
+            <p:cNvPr id="119" name="ZoneTexte 118"/>
+            <p:cNvSpPr txBox="1"/>
+            <p:nvPr/>
+          </p:nvSpPr>
+          <p:spPr>
+            <a:xfrm>
+              <a:off x="5950751" y="4682121"/>
+              <a:ext cx="499290" cy="369332"/>
+            </a:xfrm>
+            <a:prstGeom prst="rect">
+              <a:avLst/>
+            </a:prstGeom>
+            <a:noFill/>
+          </p:spPr>
+          <p:txBody>
+            <a:bodyPr wrap="square" rtlCol="0">
+              <a:spAutoFit/>
+            </a:bodyPr>
+            <a:lstStyle/>
+            <a:p>
+              <a:r>
+                <a:rPr lang="fr-CA" dirty="0" smtClean="0">
+                  <a:latin typeface="Times" panose="02020603050405020304" pitchFamily="18" charset="0"/>
+                  <a:cs typeface="Times" panose="02020603050405020304" pitchFamily="18" charset="0"/>
+                </a:rPr>
+                <a:t>a/b</a:t>
+              </a:r>
+              <a:endParaRPr lang="en-US" dirty="0">
+                <a:latin typeface="Times" panose="02020603050405020304" pitchFamily="18" charset="0"/>
+                <a:cs typeface="Times" panose="02020603050405020304" pitchFamily="18" charset="0"/>
+              </a:endParaRPr>
+            </a:p>
+          </p:txBody>
+        </p:sp>
+        <p:sp>
+          <p:nvSpPr>
+            <p:cNvPr id="120" name="ZoneTexte 119"/>
+            <p:cNvSpPr txBox="1"/>
+            <p:nvPr/>
+          </p:nvSpPr>
+          <p:spPr>
+            <a:xfrm>
+              <a:off x="5953773" y="5824092"/>
+              <a:ext cx="499290" cy="369332"/>
+            </a:xfrm>
+            <a:prstGeom prst="rect">
+              <a:avLst/>
+            </a:prstGeom>
+            <a:noFill/>
+          </p:spPr>
+          <p:txBody>
+            <a:bodyPr wrap="square" rtlCol="0">
+              <a:spAutoFit/>
+            </a:bodyPr>
+            <a:lstStyle/>
+            <a:p>
+              <a:r>
+                <a:rPr lang="fr-CA" dirty="0" smtClean="0">
+                  <a:latin typeface="Times" panose="02020603050405020304" pitchFamily="18" charset="0"/>
+                  <a:cs typeface="Times" panose="02020603050405020304" pitchFamily="18" charset="0"/>
+                </a:rPr>
+                <a:t>a/b</a:t>
+              </a:r>
+              <a:endParaRPr lang="en-US" dirty="0">
+                <a:latin typeface="Times" panose="02020603050405020304" pitchFamily="18" charset="0"/>
+                <a:cs typeface="Times" panose="02020603050405020304" pitchFamily="18" charset="0"/>
+              </a:endParaRPr>
+            </a:p>
+          </p:txBody>
+        </p:sp>
+        <p:sp>
+          <p:nvSpPr>
+            <p:cNvPr id="121" name="ZoneTexte 120"/>
+            <p:cNvSpPr txBox="1"/>
+            <p:nvPr/>
+          </p:nvSpPr>
+          <p:spPr>
+            <a:xfrm>
+              <a:off x="7000538" y="4118118"/>
+              <a:ext cx="499290" cy="369332"/>
+            </a:xfrm>
+            <a:prstGeom prst="rect">
+              <a:avLst/>
+            </a:prstGeom>
+            <a:noFill/>
+          </p:spPr>
+          <p:txBody>
+            <a:bodyPr wrap="square" rtlCol="0">
+              <a:spAutoFit/>
+            </a:bodyPr>
+            <a:lstStyle/>
+            <a:p>
+              <a:r>
+                <a:rPr lang="fr-CA" dirty="0" smtClean="0">
+                  <a:latin typeface="Times" panose="02020603050405020304" pitchFamily="18" charset="0"/>
+                  <a:cs typeface="Times" panose="02020603050405020304" pitchFamily="18" charset="0"/>
+                </a:rPr>
+                <a:t>c/b</a:t>
+              </a:r>
+              <a:endParaRPr lang="en-US" dirty="0">
+                <a:latin typeface="Times" panose="02020603050405020304" pitchFamily="18" charset="0"/>
+                <a:cs typeface="Times" panose="02020603050405020304" pitchFamily="18" charset="0"/>
+              </a:endParaRPr>
+            </a:p>
+          </p:txBody>
+        </p:sp>
+        <p:sp>
+          <p:nvSpPr>
+            <p:cNvPr id="122" name="ZoneTexte 121"/>
+            <p:cNvSpPr txBox="1"/>
+            <p:nvPr/>
+          </p:nvSpPr>
+          <p:spPr>
+            <a:xfrm>
+              <a:off x="7000538" y="5256687"/>
+              <a:ext cx="499290" cy="369332"/>
+            </a:xfrm>
+            <a:prstGeom prst="rect">
+              <a:avLst/>
+            </a:prstGeom>
+            <a:noFill/>
+          </p:spPr>
+          <p:txBody>
+            <a:bodyPr wrap="square" rtlCol="0">
+              <a:spAutoFit/>
+            </a:bodyPr>
+            <a:lstStyle/>
+            <a:p>
+              <a:r>
+                <a:rPr lang="fr-CA" dirty="0" smtClean="0">
+                  <a:latin typeface="Times" panose="02020603050405020304" pitchFamily="18" charset="0"/>
+                  <a:cs typeface="Times" panose="02020603050405020304" pitchFamily="18" charset="0"/>
+                </a:rPr>
+                <a:t>b/c</a:t>
+              </a:r>
+              <a:endParaRPr lang="en-US" dirty="0">
+                <a:latin typeface="Times" panose="02020603050405020304" pitchFamily="18" charset="0"/>
+                <a:cs typeface="Times" panose="02020603050405020304" pitchFamily="18" charset="0"/>
+              </a:endParaRPr>
+            </a:p>
+          </p:txBody>
+        </p:sp>
+        <p:sp>
+          <p:nvSpPr>
+            <p:cNvPr id="123" name="ZoneTexte 122"/>
+            <p:cNvSpPr txBox="1"/>
+            <p:nvPr/>
+          </p:nvSpPr>
+          <p:spPr>
+            <a:xfrm>
+              <a:off x="6999524" y="4687896"/>
+              <a:ext cx="499290" cy="369332"/>
+            </a:xfrm>
+            <a:prstGeom prst="rect">
+              <a:avLst/>
+            </a:prstGeom>
+            <a:noFill/>
+          </p:spPr>
+          <p:txBody>
+            <a:bodyPr wrap="square" rtlCol="0">
+              <a:spAutoFit/>
+            </a:bodyPr>
+            <a:lstStyle/>
+            <a:p>
+              <a:r>
+                <a:rPr lang="fr-CA" dirty="0" smtClean="0">
+                  <a:latin typeface="Times" panose="02020603050405020304" pitchFamily="18" charset="0"/>
+                  <a:cs typeface="Times" panose="02020603050405020304" pitchFamily="18" charset="0"/>
+                </a:rPr>
+                <a:t>a/d</a:t>
+              </a:r>
+              <a:endParaRPr lang="en-US" dirty="0">
+                <a:latin typeface="Times" panose="02020603050405020304" pitchFamily="18" charset="0"/>
+                <a:cs typeface="Times" panose="02020603050405020304" pitchFamily="18" charset="0"/>
+              </a:endParaRPr>
+            </a:p>
+          </p:txBody>
+        </p:sp>
+        <p:sp>
+          <p:nvSpPr>
+            <p:cNvPr id="124" name="ZoneTexte 123"/>
+            <p:cNvSpPr txBox="1"/>
+            <p:nvPr/>
+          </p:nvSpPr>
+          <p:spPr>
+            <a:xfrm>
+              <a:off x="7002546" y="5829867"/>
+              <a:ext cx="499290" cy="369332"/>
+            </a:xfrm>
+            <a:prstGeom prst="rect">
+              <a:avLst/>
+            </a:prstGeom>
+            <a:noFill/>
+          </p:spPr>
+          <p:txBody>
+            <a:bodyPr wrap="square" rtlCol="0">
+              <a:spAutoFit/>
+            </a:bodyPr>
+            <a:lstStyle/>
+            <a:p>
+              <a:r>
+                <a:rPr lang="fr-CA" dirty="0">
+                  <a:latin typeface="Times" panose="02020603050405020304" pitchFamily="18" charset="0"/>
+                  <a:cs typeface="Times" panose="02020603050405020304" pitchFamily="18" charset="0"/>
+                </a:rPr>
+                <a:t>b</a:t>
+              </a:r>
+              <a:r>
+                <a:rPr lang="fr-CA" dirty="0" smtClean="0">
+                  <a:latin typeface="Times" panose="02020603050405020304" pitchFamily="18" charset="0"/>
+                  <a:cs typeface="Times" panose="02020603050405020304" pitchFamily="18" charset="0"/>
+                </a:rPr>
+                <a:t>/a</a:t>
+              </a:r>
+              <a:endParaRPr lang="en-US" dirty="0">
+                <a:latin typeface="Times" panose="02020603050405020304" pitchFamily="18" charset="0"/>
+                <a:cs typeface="Times" panose="02020603050405020304" pitchFamily="18" charset="0"/>
+              </a:endParaRPr>
+            </a:p>
+          </p:txBody>
+        </p:sp>
+        <p:sp>
+          <p:nvSpPr>
+            <p:cNvPr id="125" name="Rectangle 124"/>
+            <p:cNvSpPr/>
+            <p:nvPr/>
+          </p:nvSpPr>
+          <p:spPr>
+            <a:xfrm>
+              <a:off x="5853278" y="4071680"/>
+              <a:ext cx="1789220" cy="406400"/>
+            </a:xfrm>
+            <a:prstGeom prst="rect">
+              <a:avLst/>
+            </a:prstGeom>
+            <a:noFill/>
+            <a:ln w="28575" cmpd="sng">
+              <a:solidFill>
+                <a:srgbClr val="0000FF"/>
+              </a:solidFill>
+            </a:ln>
+            <a:effectLst/>
+          </p:spPr>
+          <p:style>
+            <a:lnRef idx="1">
+              <a:schemeClr val="accent1"/>
+            </a:lnRef>
+            <a:fillRef idx="3">
+              <a:schemeClr val="accent1"/>
+            </a:fillRef>
+            <a:effectRef idx="2">
+              <a:schemeClr val="accent1"/>
+            </a:effectRef>
+            <a:fontRef idx="minor">
+              <a:schemeClr val="lt1"/>
+            </a:fontRef>
+          </p:style>
+          <p:txBody>
+            <a:bodyPr rtlCol="0" anchor="ctr"/>
+            <a:lstStyle/>
+            <a:p>
+              <a:pPr algn="ctr"/>
+              <a:endParaRPr lang="fr-FR">
+                <a:latin typeface="Times" panose="02020603050405020304" pitchFamily="18" charset="0"/>
+                <a:cs typeface="Times" panose="02020603050405020304" pitchFamily="18" charset="0"/>
+              </a:endParaRPr>
+            </a:p>
+          </p:txBody>
+        </p:sp>
+        <p:sp>
+          <p:nvSpPr>
+            <p:cNvPr id="126" name="Rectangle 125"/>
+            <p:cNvSpPr/>
+            <p:nvPr/>
+          </p:nvSpPr>
+          <p:spPr>
+            <a:xfrm>
+              <a:off x="5853278" y="4639561"/>
+              <a:ext cx="1789220" cy="406400"/>
+            </a:xfrm>
+            <a:prstGeom prst="rect">
+              <a:avLst/>
+            </a:prstGeom>
+            <a:noFill/>
+            <a:ln w="28575" cmpd="sng">
+              <a:solidFill>
+                <a:srgbClr val="0000FF"/>
+              </a:solidFill>
+            </a:ln>
+            <a:effectLst/>
+          </p:spPr>
+          <p:style>
+            <a:lnRef idx="1">
+              <a:schemeClr val="accent1"/>
+            </a:lnRef>
+            <a:fillRef idx="3">
+              <a:schemeClr val="accent1"/>
+            </a:fillRef>
+            <a:effectRef idx="2">
+              <a:schemeClr val="accent1"/>
+            </a:effectRef>
+            <a:fontRef idx="minor">
+              <a:schemeClr val="lt1"/>
+            </a:fontRef>
+          </p:style>
+          <p:txBody>
+            <a:bodyPr rtlCol="0" anchor="ctr"/>
+            <a:lstStyle/>
+            <a:p>
+              <a:pPr algn="ctr"/>
+              <a:endParaRPr lang="fr-FR">
+                <a:latin typeface="Times" panose="02020603050405020304" pitchFamily="18" charset="0"/>
+                <a:cs typeface="Times" panose="02020603050405020304" pitchFamily="18" charset="0"/>
+              </a:endParaRPr>
+            </a:p>
+          </p:txBody>
+        </p:sp>
+        <p:sp>
+          <p:nvSpPr>
+            <p:cNvPr id="127" name="Rectangle 126"/>
+            <p:cNvSpPr/>
+            <p:nvPr/>
+          </p:nvSpPr>
+          <p:spPr>
+            <a:xfrm>
+              <a:off x="5847790" y="5777143"/>
+              <a:ext cx="1789220" cy="406400"/>
+            </a:xfrm>
+            <a:prstGeom prst="rect">
+              <a:avLst/>
+            </a:prstGeom>
+            <a:noFill/>
+            <a:ln w="28575" cmpd="sng">
+              <a:solidFill>
+                <a:srgbClr val="00B050"/>
+              </a:solidFill>
+            </a:ln>
+            <a:effectLst/>
+          </p:spPr>
+          <p:style>
+            <a:lnRef idx="1">
+              <a:schemeClr val="accent1"/>
+            </a:lnRef>
+            <a:fillRef idx="3">
+              <a:schemeClr val="accent1"/>
+            </a:fillRef>
+            <a:effectRef idx="2">
+              <a:schemeClr val="accent1"/>
+            </a:effectRef>
+            <a:fontRef idx="minor">
+              <a:schemeClr val="lt1"/>
+            </a:fontRef>
+          </p:style>
+          <p:txBody>
+            <a:bodyPr rtlCol="0" anchor="ctr"/>
+            <a:lstStyle/>
+            <a:p>
+              <a:pPr algn="ctr"/>
+              <a:endParaRPr lang="fr-FR">
+                <a:latin typeface="Times" panose="02020603050405020304" pitchFamily="18" charset="0"/>
+                <a:cs typeface="Times" panose="02020603050405020304" pitchFamily="18" charset="0"/>
+              </a:endParaRPr>
+            </a:p>
+          </p:txBody>
+        </p:sp>
+        <p:cxnSp>
+          <p:nvCxnSpPr>
+            <p:cNvPr id="141" name="Connecteur droit avec flèche 140"/>
+            <p:cNvCxnSpPr/>
+            <p:nvPr/>
+          </p:nvCxnSpPr>
+          <p:spPr>
+            <a:xfrm flipV="1">
+              <a:off x="4499592" y="2548809"/>
+              <a:ext cx="0" cy="340154"/>
+            </a:xfrm>
+            <a:prstGeom prst="straightConnector1">
+              <a:avLst/>
+            </a:prstGeom>
+            <a:ln w="28575">
+              <a:tailEnd type="triangle"/>
+            </a:ln>
+          </p:spPr>
+          <p:style>
+            <a:lnRef idx="1">
+              <a:schemeClr val="dk1"/>
+            </a:lnRef>
+            <a:fillRef idx="0">
+              <a:schemeClr val="dk1"/>
+            </a:fillRef>
+            <a:effectRef idx="0">
+              <a:schemeClr val="dk1"/>
+            </a:effectRef>
+            <a:fontRef idx="minor">
+              <a:schemeClr val="tx1"/>
+            </a:fontRef>
+          </p:style>
+        </p:cxnSp>
+        <p:cxnSp>
+          <p:nvCxnSpPr>
+            <p:cNvPr id="156" name="Connecteur droit avec flèche 155"/>
+            <p:cNvCxnSpPr/>
+            <p:nvPr/>
+          </p:nvCxnSpPr>
+          <p:spPr>
+            <a:xfrm>
+              <a:off x="4499592" y="4270697"/>
+              <a:ext cx="3816" cy="344229"/>
+            </a:xfrm>
+            <a:prstGeom prst="straightConnector1">
+              <a:avLst/>
+            </a:prstGeom>
+            <a:ln w="28575">
+              <a:tailEnd type="triangle"/>
+            </a:ln>
+          </p:spPr>
+          <p:style>
+            <a:lnRef idx="1">
+              <a:schemeClr val="dk1"/>
+            </a:lnRef>
+            <a:fillRef idx="0">
+              <a:schemeClr val="dk1"/>
+            </a:fillRef>
+            <a:effectRef idx="0">
+              <a:schemeClr val="dk1"/>
+            </a:effectRef>
+            <a:fontRef idx="minor">
+              <a:schemeClr val="tx1"/>
+            </a:fontRef>
+          </p:style>
+        </p:cxnSp>
+        <p:sp>
+          <p:nvSpPr>
+            <p:cNvPr id="13" name="ZoneTexte 12"/>
+            <p:cNvSpPr txBox="1"/>
+            <p:nvPr/>
+          </p:nvSpPr>
+          <p:spPr>
+            <a:xfrm>
+              <a:off x="8342514" y="3418771"/>
+              <a:ext cx="627418" cy="400110"/>
+            </a:xfrm>
+            <a:prstGeom prst="rect">
+              <a:avLst/>
+            </a:prstGeom>
+            <a:noFill/>
+          </p:spPr>
+          <p:txBody>
+            <a:bodyPr wrap="square" rtlCol="0">
+              <a:spAutoFit/>
+            </a:bodyPr>
+            <a:lstStyle/>
+            <a:p>
+              <a:r>
+                <a:rPr lang="en-US" sz="2000" dirty="0" smtClean="0">
+                  <a:latin typeface="Times New Roman" panose="02020603050405020304" pitchFamily="18" charset="0"/>
+                  <a:cs typeface="Times New Roman" panose="02020603050405020304" pitchFamily="18" charset="0"/>
+                </a:rPr>
+                <a:t>999</a:t>
+              </a:r>
+              <a:endParaRPr lang="en-US" sz="2000" dirty="0">
+                <a:latin typeface="Times New Roman" panose="02020603050405020304" pitchFamily="18" charset="0"/>
+                <a:cs typeface="Times New Roman" panose="02020603050405020304" pitchFamily="18" charset="0"/>
+              </a:endParaRPr>
+            </a:p>
+          </p:txBody>
+        </p:sp>
+      </p:grpSp>
+    </p:spTree>
+    <p:extLst>
+      <p:ext uri="{BB962C8B-B14F-4D97-AF65-F5344CB8AC3E}">
+        <p14:creationId xmlns:p14="http://schemas.microsoft.com/office/powerpoint/2010/main" val="1349944879"/>
+      </p:ext>
+    </p:extLst>
+  </p:cSld>
+  <p:clrMapOvr>
+    <a:masterClrMapping/>
+  </p:clrMapOvr>
+</p:sld>
+</file>
+
 <file path=ppt/theme/theme1.xml><?xml version="1.0" encoding="utf-8"?>
 <a:theme xmlns:a="http://schemas.openxmlformats.org/drawingml/2006/main" name="Thème Office">
   <a:themeElements>
